--- a/Entrega 1/Ppt/Template P E1.pptx
+++ b/Entrega 1/Ppt/Template P E1.pptx
@@ -5,15 +5,16 @@
     <p:sldMasterId id="2147483648" r:id="rId1"/>
   </p:sldMasterIdLst>
   <p:notesMasterIdLst>
-    <p:notesMasterId r:id="rId8"/>
+    <p:notesMasterId r:id="rId9"/>
   </p:notesMasterIdLst>
   <p:sldIdLst>
     <p:sldId id="256" r:id="rId2"/>
     <p:sldId id="257" r:id="rId3"/>
     <p:sldId id="258" r:id="rId4"/>
     <p:sldId id="259" r:id="rId5"/>
-    <p:sldId id="261" r:id="rId6"/>
-    <p:sldId id="262" r:id="rId7"/>
+    <p:sldId id="263" r:id="rId6"/>
+    <p:sldId id="261" r:id="rId7"/>
+    <p:sldId id="262" r:id="rId8"/>
   </p:sldIdLst>
   <p:sldSz cx="12192000" cy="6858000"/>
   <p:notesSz cx="6858000" cy="9144000"/>
@@ -112,10 +113,936 @@
       </a:defRPr>
     </a:lvl9pPr>
   </p:defaultTextStyle>
+  <p:extLst>
+    <p:ext uri="{EFAFB233-063F-42B5-8137-9DF3F51BA10A}">
+      <p15:sldGuideLst xmlns:p15="http://schemas.microsoft.com/office/powerpoint/2012/main"/>
+    </p:ext>
+  </p:extLst>
 </p:presentation>
 </file>
 
 <file path=ppt/diagrams/colors1.xml><?xml version="1.0" encoding="utf-8"?>
+<dgm:colorsDef xmlns:dgm="http://schemas.openxmlformats.org/drawingml/2006/diagram" xmlns:a="http://schemas.openxmlformats.org/drawingml/2006/main" uniqueId="urn:microsoft.com/office/officeart/2018/5/colors/Iconchunking_neutralbg_colorful1">
+  <dgm:title val=""/>
+  <dgm:desc val=""/>
+  <dgm:catLst>
+    <dgm:cat type="colorful" pri="10100"/>
+  </dgm:catLst>
+  <dgm:styleLbl name="node0">
+    <dgm:fillClrLst meth="repeat">
+      <a:schemeClr val="accent1"/>
+    </dgm:fillClrLst>
+    <dgm:linClrLst meth="repeat">
+      <a:schemeClr val="lt1"/>
+    </dgm:linClrLst>
+    <dgm:effectClrLst/>
+    <dgm:txLinClrLst/>
+    <dgm:txFillClrLst/>
+    <dgm:txEffectClrLst/>
+  </dgm:styleLbl>
+  <dgm:styleLbl name="node1">
+    <dgm:fillClrLst meth="repeat">
+      <a:schemeClr val="accent2"/>
+      <a:schemeClr val="accent3"/>
+      <a:schemeClr val="accent4"/>
+      <a:schemeClr val="accent5"/>
+      <a:schemeClr val="accent6"/>
+    </dgm:fillClrLst>
+    <dgm:linClrLst meth="repeat">
+      <a:schemeClr val="lt1">
+        <a:alpha val="0"/>
+      </a:schemeClr>
+    </dgm:linClrLst>
+    <dgm:effectClrLst/>
+    <dgm:txLinClrLst/>
+    <dgm:txFillClrLst/>
+    <dgm:txEffectClrLst/>
+  </dgm:styleLbl>
+  <dgm:styleLbl name="alignNode1">
+    <dgm:fillClrLst meth="repeat">
+      <a:schemeClr val="accent2"/>
+      <a:schemeClr val="accent3"/>
+      <a:schemeClr val="accent4"/>
+      <a:schemeClr val="accent5"/>
+      <a:schemeClr val="accent6"/>
+    </dgm:fillClrLst>
+    <dgm:linClrLst meth="repeat">
+      <a:schemeClr val="accent2"/>
+      <a:schemeClr val="accent3"/>
+      <a:schemeClr val="accent4"/>
+      <a:schemeClr val="accent5"/>
+      <a:schemeClr val="accent6"/>
+    </dgm:linClrLst>
+    <dgm:effectClrLst/>
+    <dgm:txLinClrLst/>
+    <dgm:txFillClrLst/>
+    <dgm:txEffectClrLst/>
+  </dgm:styleLbl>
+  <dgm:styleLbl name="lnNode1">
+    <dgm:fillClrLst meth="repeat">
+      <a:schemeClr val="accent2"/>
+      <a:schemeClr val="accent3"/>
+      <a:schemeClr val="accent4"/>
+      <a:schemeClr val="accent5"/>
+      <a:schemeClr val="accent6"/>
+    </dgm:fillClrLst>
+    <dgm:linClrLst meth="repeat">
+      <a:schemeClr val="lt1"/>
+    </dgm:linClrLst>
+    <dgm:effectClrLst/>
+    <dgm:txLinClrLst/>
+    <dgm:txFillClrLst/>
+    <dgm:txEffectClrLst/>
+  </dgm:styleLbl>
+  <dgm:styleLbl name="vennNode1">
+    <dgm:fillClrLst meth="repeat">
+      <a:schemeClr val="accent2">
+        <a:alpha val="50000"/>
+      </a:schemeClr>
+      <a:schemeClr val="accent3">
+        <a:alpha val="50000"/>
+      </a:schemeClr>
+      <a:schemeClr val="accent4">
+        <a:alpha val="50000"/>
+      </a:schemeClr>
+      <a:schemeClr val="accent5">
+        <a:alpha val="50000"/>
+      </a:schemeClr>
+      <a:schemeClr val="accent6">
+        <a:alpha val="50000"/>
+      </a:schemeClr>
+    </dgm:fillClrLst>
+    <dgm:linClrLst meth="repeat">
+      <a:schemeClr val="lt1"/>
+    </dgm:linClrLst>
+    <dgm:effectClrLst/>
+    <dgm:txLinClrLst/>
+    <dgm:txFillClrLst/>
+    <dgm:txEffectClrLst/>
+  </dgm:styleLbl>
+  <dgm:styleLbl name="node2">
+    <dgm:fillClrLst>
+      <a:schemeClr val="accent2"/>
+    </dgm:fillClrLst>
+    <dgm:linClrLst meth="repeat">
+      <a:schemeClr val="lt1"/>
+    </dgm:linClrLst>
+    <dgm:effectClrLst/>
+    <dgm:txLinClrLst/>
+    <dgm:txFillClrLst/>
+    <dgm:txEffectClrLst/>
+  </dgm:styleLbl>
+  <dgm:styleLbl name="node3">
+    <dgm:fillClrLst>
+      <a:schemeClr val="accent3"/>
+    </dgm:fillClrLst>
+    <dgm:linClrLst meth="repeat">
+      <a:schemeClr val="lt1"/>
+    </dgm:linClrLst>
+    <dgm:effectClrLst/>
+    <dgm:txLinClrLst/>
+    <dgm:txFillClrLst/>
+    <dgm:txEffectClrLst/>
+  </dgm:styleLbl>
+  <dgm:styleLbl name="node4">
+    <dgm:fillClrLst>
+      <a:schemeClr val="accent4"/>
+    </dgm:fillClrLst>
+    <dgm:linClrLst meth="repeat">
+      <a:schemeClr val="lt1"/>
+    </dgm:linClrLst>
+    <dgm:effectClrLst/>
+    <dgm:txLinClrLst/>
+    <dgm:txFillClrLst/>
+    <dgm:txEffectClrLst/>
+  </dgm:styleLbl>
+  <dgm:styleLbl name="fgImgPlace1">
+    <dgm:fillClrLst meth="repeat">
+      <a:schemeClr val="accent2">
+        <a:tint val="50000"/>
+      </a:schemeClr>
+      <a:schemeClr val="accent3">
+        <a:tint val="50000"/>
+      </a:schemeClr>
+      <a:schemeClr val="accent4">
+        <a:tint val="50000"/>
+      </a:schemeClr>
+      <a:schemeClr val="accent5">
+        <a:tint val="50000"/>
+      </a:schemeClr>
+      <a:schemeClr val="accent6">
+        <a:tint val="50000"/>
+      </a:schemeClr>
+    </dgm:fillClrLst>
+    <dgm:linClrLst meth="repeat">
+      <a:schemeClr val="lt1"/>
+    </dgm:linClrLst>
+    <dgm:effectClrLst/>
+    <dgm:txLinClrLst/>
+    <dgm:txFillClrLst meth="repeat">
+      <a:schemeClr val="lt1"/>
+    </dgm:txFillClrLst>
+    <dgm:txEffectClrLst/>
+  </dgm:styleLbl>
+  <dgm:styleLbl name="alignImgPlace1">
+    <dgm:fillClrLst>
+      <a:schemeClr val="accent1">
+        <a:tint val="50000"/>
+      </a:schemeClr>
+      <a:schemeClr val="accent2">
+        <a:tint val="20000"/>
+      </a:schemeClr>
+    </dgm:fillClrLst>
+    <dgm:linClrLst meth="repeat">
+      <a:schemeClr val="lt1"/>
+    </dgm:linClrLst>
+    <dgm:effectClrLst/>
+    <dgm:txLinClrLst/>
+    <dgm:txFillClrLst meth="repeat">
+      <a:schemeClr val="lt1"/>
+    </dgm:txFillClrLst>
+    <dgm:txEffectClrLst/>
+  </dgm:styleLbl>
+  <dgm:styleLbl name="bgImgPlace1">
+    <dgm:fillClrLst>
+      <a:schemeClr val="accent1">
+        <a:tint val="50000"/>
+      </a:schemeClr>
+      <a:schemeClr val="accent2">
+        <a:tint val="20000"/>
+      </a:schemeClr>
+    </dgm:fillClrLst>
+    <dgm:linClrLst meth="repeat">
+      <a:schemeClr val="lt1"/>
+    </dgm:linClrLst>
+    <dgm:effectClrLst/>
+    <dgm:txLinClrLst/>
+    <dgm:txFillClrLst meth="repeat">
+      <a:schemeClr val="lt1"/>
+    </dgm:txFillClrLst>
+    <dgm:txEffectClrLst/>
+  </dgm:styleLbl>
+  <dgm:styleLbl name="sibTrans2D1">
+    <dgm:fillClrLst meth="repeat">
+      <a:schemeClr val="accent2"/>
+      <a:schemeClr val="accent3"/>
+      <a:schemeClr val="accent4"/>
+      <a:schemeClr val="accent5"/>
+      <a:schemeClr val="accent6"/>
+    </dgm:fillClrLst>
+    <dgm:linClrLst meth="cycle">
+      <a:schemeClr val="lt1"/>
+    </dgm:linClrLst>
+    <dgm:effectClrLst/>
+    <dgm:txLinClrLst/>
+    <dgm:txFillClrLst/>
+    <dgm:txEffectClrLst/>
+  </dgm:styleLbl>
+  <dgm:styleLbl name="fgSibTrans2D1">
+    <dgm:fillClrLst meth="repeat">
+      <a:schemeClr val="accent2"/>
+      <a:schemeClr val="accent3"/>
+      <a:schemeClr val="accent4"/>
+      <a:schemeClr val="accent5"/>
+      <a:schemeClr val="accent6"/>
+    </dgm:fillClrLst>
+    <dgm:linClrLst meth="cycle">
+      <a:schemeClr val="lt1"/>
+    </dgm:linClrLst>
+    <dgm:effectClrLst/>
+    <dgm:txLinClrLst/>
+    <dgm:txFillClrLst meth="repeat">
+      <a:schemeClr val="lt1"/>
+    </dgm:txFillClrLst>
+    <dgm:txEffectClrLst/>
+  </dgm:styleLbl>
+  <dgm:styleLbl name="bgSibTrans2D1">
+    <dgm:fillClrLst meth="repeat">
+      <a:schemeClr val="accent2"/>
+      <a:schemeClr val="accent3"/>
+      <a:schemeClr val="accent4"/>
+      <a:schemeClr val="accent5"/>
+      <a:schemeClr val="accent6"/>
+    </dgm:fillClrLst>
+    <dgm:linClrLst meth="cycle">
+      <a:schemeClr val="lt1"/>
+    </dgm:linClrLst>
+    <dgm:effectClrLst/>
+    <dgm:txLinClrLst/>
+    <dgm:txFillClrLst meth="repeat">
+      <a:schemeClr val="lt1"/>
+    </dgm:txFillClrLst>
+    <dgm:txEffectClrLst/>
+  </dgm:styleLbl>
+  <dgm:styleLbl name="sibTrans1D1">
+    <dgm:fillClrLst meth="repeat">
+      <a:schemeClr val="accent2"/>
+      <a:schemeClr val="accent3"/>
+      <a:schemeClr val="accent4"/>
+      <a:schemeClr val="accent5"/>
+      <a:schemeClr val="accent6"/>
+    </dgm:fillClrLst>
+    <dgm:linClrLst meth="repeat">
+      <a:schemeClr val="accent2"/>
+      <a:schemeClr val="accent3"/>
+      <a:schemeClr val="accent4"/>
+      <a:schemeClr val="accent5"/>
+      <a:schemeClr val="accent6"/>
+    </dgm:linClrLst>
+    <dgm:effectClrLst/>
+    <dgm:txLinClrLst/>
+    <dgm:txFillClrLst meth="repeat">
+      <a:schemeClr val="tx1"/>
+    </dgm:txFillClrLst>
+    <dgm:txEffectClrLst/>
+  </dgm:styleLbl>
+  <dgm:styleLbl name="callout">
+    <dgm:fillClrLst meth="repeat">
+      <a:schemeClr val="accent2"/>
+    </dgm:fillClrLst>
+    <dgm:linClrLst meth="repeat">
+      <a:schemeClr val="accent2">
+        <a:tint val="50000"/>
+      </a:schemeClr>
+    </dgm:linClrLst>
+    <dgm:effectClrLst/>
+    <dgm:txLinClrLst/>
+    <dgm:txFillClrLst meth="repeat">
+      <a:schemeClr val="tx1"/>
+    </dgm:txFillClrLst>
+    <dgm:txEffectClrLst/>
+  </dgm:styleLbl>
+  <dgm:styleLbl name="asst0">
+    <dgm:fillClrLst meth="repeat">
+      <a:schemeClr val="accent1"/>
+    </dgm:fillClrLst>
+    <dgm:linClrLst meth="repeat">
+      <a:schemeClr val="lt1"/>
+    </dgm:linClrLst>
+    <dgm:effectClrLst/>
+    <dgm:txLinClrLst/>
+    <dgm:txFillClrLst/>
+    <dgm:txEffectClrLst/>
+  </dgm:styleLbl>
+  <dgm:styleLbl name="asst1">
+    <dgm:fillClrLst meth="repeat">
+      <a:schemeClr val="accent2"/>
+    </dgm:fillClrLst>
+    <dgm:linClrLst meth="repeat">
+      <a:schemeClr val="lt1"/>
+    </dgm:linClrLst>
+    <dgm:effectClrLst/>
+    <dgm:txLinClrLst/>
+    <dgm:txFillClrLst/>
+    <dgm:txEffectClrLst/>
+  </dgm:styleLbl>
+  <dgm:styleLbl name="asst2">
+    <dgm:fillClrLst>
+      <a:schemeClr val="accent3"/>
+    </dgm:fillClrLst>
+    <dgm:linClrLst meth="repeat">
+      <a:schemeClr val="lt1"/>
+    </dgm:linClrLst>
+    <dgm:effectClrLst/>
+    <dgm:txLinClrLst/>
+    <dgm:txFillClrLst/>
+    <dgm:txEffectClrLst/>
+  </dgm:styleLbl>
+  <dgm:styleLbl name="asst3">
+    <dgm:fillClrLst>
+      <a:schemeClr val="accent4"/>
+    </dgm:fillClrLst>
+    <dgm:linClrLst meth="repeat">
+      <a:schemeClr val="lt1"/>
+    </dgm:linClrLst>
+    <dgm:effectClrLst/>
+    <dgm:txLinClrLst/>
+    <dgm:txFillClrLst/>
+    <dgm:txEffectClrLst/>
+  </dgm:styleLbl>
+  <dgm:styleLbl name="asst4">
+    <dgm:fillClrLst>
+      <a:schemeClr val="accent5"/>
+    </dgm:fillClrLst>
+    <dgm:linClrLst meth="repeat">
+      <a:schemeClr val="lt1"/>
+    </dgm:linClrLst>
+    <dgm:effectClrLst/>
+    <dgm:txLinClrLst/>
+    <dgm:txFillClrLst/>
+    <dgm:txEffectClrLst/>
+  </dgm:styleLbl>
+  <dgm:styleLbl name="parChTrans2D1">
+    <dgm:fillClrLst meth="repeat">
+      <a:schemeClr val="accent2"/>
+    </dgm:fillClrLst>
+    <dgm:linClrLst meth="repeat">
+      <a:schemeClr val="lt1"/>
+    </dgm:linClrLst>
+    <dgm:effectClrLst/>
+    <dgm:txLinClrLst/>
+    <dgm:txFillClrLst meth="repeat">
+      <a:schemeClr val="lt1"/>
+    </dgm:txFillClrLst>
+    <dgm:txEffectClrLst/>
+  </dgm:styleLbl>
+  <dgm:styleLbl name="parChTrans2D2">
+    <dgm:fillClrLst meth="repeat">
+      <a:schemeClr val="accent3"/>
+    </dgm:fillClrLst>
+    <dgm:linClrLst meth="repeat">
+      <a:schemeClr val="lt1"/>
+    </dgm:linClrLst>
+    <dgm:effectClrLst/>
+    <dgm:txLinClrLst/>
+    <dgm:txFillClrLst/>
+    <dgm:txEffectClrLst/>
+  </dgm:styleLbl>
+  <dgm:styleLbl name="parChTrans2D3">
+    <dgm:fillClrLst meth="repeat">
+      <a:schemeClr val="accent4"/>
+    </dgm:fillClrLst>
+    <dgm:linClrLst meth="repeat">
+      <a:schemeClr val="lt1"/>
+    </dgm:linClrLst>
+    <dgm:effectClrLst/>
+    <dgm:txLinClrLst/>
+    <dgm:txFillClrLst/>
+    <dgm:txEffectClrLst/>
+  </dgm:styleLbl>
+  <dgm:styleLbl name="parChTrans2D4">
+    <dgm:fillClrLst meth="repeat">
+      <a:schemeClr val="accent5"/>
+    </dgm:fillClrLst>
+    <dgm:linClrLst meth="repeat">
+      <a:schemeClr val="lt1"/>
+    </dgm:linClrLst>
+    <dgm:effectClrLst/>
+    <dgm:txLinClrLst/>
+    <dgm:txFillClrLst meth="repeat">
+      <a:schemeClr val="lt1"/>
+    </dgm:txFillClrLst>
+    <dgm:txEffectClrLst/>
+  </dgm:styleLbl>
+  <dgm:styleLbl name="parChTrans1D1">
+    <dgm:fillClrLst meth="repeat">
+      <a:schemeClr val="accent2"/>
+    </dgm:fillClrLst>
+    <dgm:linClrLst meth="repeat">
+      <a:schemeClr val="accent1"/>
+    </dgm:linClrLst>
+    <dgm:effectClrLst/>
+    <dgm:txLinClrLst/>
+    <dgm:txFillClrLst meth="repeat">
+      <a:schemeClr val="tx1"/>
+    </dgm:txFillClrLst>
+    <dgm:txEffectClrLst/>
+  </dgm:styleLbl>
+  <dgm:styleLbl name="parChTrans1D2">
+    <dgm:fillClrLst meth="repeat">
+      <a:schemeClr val="accent3">
+        <a:tint val="90000"/>
+      </a:schemeClr>
+    </dgm:fillClrLst>
+    <dgm:linClrLst meth="repeat">
+      <a:schemeClr val="accent2"/>
+    </dgm:linClrLst>
+    <dgm:effectClrLst/>
+    <dgm:txLinClrLst/>
+    <dgm:txFillClrLst meth="repeat">
+      <a:schemeClr val="tx1"/>
+    </dgm:txFillClrLst>
+    <dgm:txEffectClrLst/>
+  </dgm:styleLbl>
+  <dgm:styleLbl name="parChTrans1D3">
+    <dgm:fillClrLst meth="repeat">
+      <a:schemeClr val="accent4">
+        <a:tint val="70000"/>
+      </a:schemeClr>
+    </dgm:fillClrLst>
+    <dgm:linClrLst meth="repeat">
+      <a:schemeClr val="accent3"/>
+    </dgm:linClrLst>
+    <dgm:effectClrLst/>
+    <dgm:txLinClrLst/>
+    <dgm:txFillClrLst meth="repeat">
+      <a:schemeClr val="tx1"/>
+    </dgm:txFillClrLst>
+    <dgm:txEffectClrLst/>
+  </dgm:styleLbl>
+  <dgm:styleLbl name="parChTrans1D4">
+    <dgm:fillClrLst meth="repeat">
+      <a:schemeClr val="accent5">
+        <a:tint val="50000"/>
+      </a:schemeClr>
+    </dgm:fillClrLst>
+    <dgm:linClrLst meth="repeat">
+      <a:schemeClr val="accent4"/>
+    </dgm:linClrLst>
+    <dgm:effectClrLst/>
+    <dgm:txLinClrLst/>
+    <dgm:txFillClrLst meth="repeat">
+      <a:schemeClr val="tx1"/>
+    </dgm:txFillClrLst>
+    <dgm:txEffectClrLst/>
+  </dgm:styleLbl>
+  <dgm:styleLbl name="fgAcc1">
+    <dgm:fillClrLst meth="repeat">
+      <a:schemeClr val="lt1">
+        <a:alpha val="90000"/>
+      </a:schemeClr>
+    </dgm:fillClrLst>
+    <dgm:linClrLst meth="repeat">
+      <a:schemeClr val="accent2"/>
+      <a:schemeClr val="accent3"/>
+      <a:schemeClr val="accent4"/>
+      <a:schemeClr val="accent5"/>
+      <a:schemeClr val="accent6"/>
+    </dgm:linClrLst>
+    <dgm:effectClrLst/>
+    <dgm:txLinClrLst/>
+    <dgm:txFillClrLst meth="repeat">
+      <a:schemeClr val="dk1"/>
+    </dgm:txFillClrLst>
+    <dgm:txEffectClrLst/>
+  </dgm:styleLbl>
+  <dgm:styleLbl name="conFgAcc1">
+    <dgm:fillClrLst meth="repeat">
+      <a:schemeClr val="lt1">
+        <a:alpha val="90000"/>
+      </a:schemeClr>
+    </dgm:fillClrLst>
+    <dgm:linClrLst meth="repeat">
+      <a:schemeClr val="accent2"/>
+      <a:schemeClr val="accent3"/>
+      <a:schemeClr val="accent4"/>
+      <a:schemeClr val="accent5"/>
+      <a:schemeClr val="accent6"/>
+    </dgm:linClrLst>
+    <dgm:effectClrLst/>
+    <dgm:txLinClrLst/>
+    <dgm:txFillClrLst meth="repeat">
+      <a:schemeClr val="dk1"/>
+    </dgm:txFillClrLst>
+    <dgm:txEffectClrLst/>
+  </dgm:styleLbl>
+  <dgm:styleLbl name="alignAcc1">
+    <dgm:fillClrLst meth="repeat">
+      <a:schemeClr val="lt1">
+        <a:alpha val="90000"/>
+      </a:schemeClr>
+    </dgm:fillClrLst>
+    <dgm:linClrLst meth="repeat">
+      <a:schemeClr val="accent2"/>
+      <a:schemeClr val="accent3"/>
+      <a:schemeClr val="accent4"/>
+      <a:schemeClr val="accent5"/>
+      <a:schemeClr val="accent6"/>
+    </dgm:linClrLst>
+    <dgm:effectClrLst/>
+    <dgm:txLinClrLst/>
+    <dgm:txFillClrLst meth="repeat">
+      <a:schemeClr val="dk1"/>
+    </dgm:txFillClrLst>
+    <dgm:txEffectClrLst/>
+  </dgm:styleLbl>
+  <dgm:styleLbl name="trAlignAcc1">
+    <dgm:fillClrLst meth="repeat">
+      <a:schemeClr val="lt1">
+        <a:alpha val="40000"/>
+      </a:schemeClr>
+    </dgm:fillClrLst>
+    <dgm:linClrLst meth="repeat">
+      <a:schemeClr val="accent1"/>
+    </dgm:linClrLst>
+    <dgm:effectClrLst/>
+    <dgm:txLinClrLst/>
+    <dgm:txFillClrLst meth="repeat">
+      <a:schemeClr val="dk1"/>
+    </dgm:txFillClrLst>
+    <dgm:txEffectClrLst/>
+  </dgm:styleLbl>
+  <dgm:styleLbl name="bgAcc1">
+    <dgm:fillClrLst meth="repeat">
+      <a:schemeClr val="lt1">
+        <a:alpha val="90000"/>
+      </a:schemeClr>
+    </dgm:fillClrLst>
+    <dgm:linClrLst meth="repeat">
+      <a:schemeClr val="accent2"/>
+      <a:schemeClr val="accent3"/>
+      <a:schemeClr val="accent4"/>
+      <a:schemeClr val="accent5"/>
+      <a:schemeClr val="accent6"/>
+    </dgm:linClrLst>
+    <dgm:effectClrLst/>
+    <dgm:txLinClrLst/>
+    <dgm:txFillClrLst meth="repeat">
+      <a:schemeClr val="dk1"/>
+    </dgm:txFillClrLst>
+    <dgm:txEffectClrLst/>
+  </dgm:styleLbl>
+  <dgm:styleLbl name="solidFgAcc1">
+    <dgm:fillClrLst meth="repeat">
+      <a:schemeClr val="lt1"/>
+    </dgm:fillClrLst>
+    <dgm:linClrLst meth="repeat">
+      <a:schemeClr val="accent2"/>
+      <a:schemeClr val="accent3"/>
+      <a:schemeClr val="accent4"/>
+      <a:schemeClr val="accent5"/>
+      <a:schemeClr val="accent6"/>
+    </dgm:linClrLst>
+    <dgm:effectClrLst/>
+    <dgm:txLinClrLst/>
+    <dgm:txFillClrLst meth="repeat">
+      <a:schemeClr val="dk1"/>
+    </dgm:txFillClrLst>
+    <dgm:txEffectClrLst/>
+  </dgm:styleLbl>
+  <dgm:styleLbl name="solidAlignAcc1">
+    <dgm:fillClrLst meth="repeat">
+      <a:schemeClr val="lt1"/>
+    </dgm:fillClrLst>
+    <dgm:linClrLst meth="repeat">
+      <a:schemeClr val="accent2"/>
+      <a:schemeClr val="accent3"/>
+      <a:schemeClr val="accent4"/>
+      <a:schemeClr val="accent5"/>
+      <a:schemeClr val="accent6"/>
+    </dgm:linClrLst>
+    <dgm:effectClrLst/>
+    <dgm:txLinClrLst/>
+    <dgm:txFillClrLst meth="repeat">
+      <a:schemeClr val="dk1"/>
+    </dgm:txFillClrLst>
+    <dgm:txEffectClrLst/>
+  </dgm:styleLbl>
+  <dgm:styleLbl name="solidBgAcc1">
+    <dgm:fillClrLst meth="repeat">
+      <a:schemeClr val="lt1"/>
+    </dgm:fillClrLst>
+    <dgm:linClrLst meth="repeat">
+      <a:schemeClr val="accent2"/>
+      <a:schemeClr val="accent3"/>
+      <a:schemeClr val="accent4"/>
+      <a:schemeClr val="accent5"/>
+      <a:schemeClr val="accent6"/>
+    </dgm:linClrLst>
+    <dgm:effectClrLst/>
+    <dgm:txLinClrLst/>
+    <dgm:txFillClrLst meth="repeat">
+      <a:schemeClr val="dk1"/>
+    </dgm:txFillClrLst>
+    <dgm:txEffectClrLst/>
+  </dgm:styleLbl>
+  <dgm:styleLbl name="fgAccFollowNode1">
+    <dgm:fillClrLst meth="repeat">
+      <a:schemeClr val="accent2">
+        <a:tint val="40000"/>
+        <a:alpha val="90000"/>
+      </a:schemeClr>
+      <a:schemeClr val="accent3">
+        <a:tint val="40000"/>
+        <a:alpha val="90000"/>
+      </a:schemeClr>
+      <a:schemeClr val="accent4">
+        <a:tint val="40000"/>
+        <a:alpha val="90000"/>
+      </a:schemeClr>
+      <a:schemeClr val="accent5">
+        <a:tint val="40000"/>
+        <a:alpha val="90000"/>
+      </a:schemeClr>
+      <a:schemeClr val="accent6">
+        <a:tint val="40000"/>
+        <a:alpha val="90000"/>
+      </a:schemeClr>
+    </dgm:fillClrLst>
+    <dgm:linClrLst meth="repeat">
+      <a:schemeClr val="accent2">
+        <a:tint val="40000"/>
+        <a:alpha val="90000"/>
+      </a:schemeClr>
+      <a:schemeClr val="accent3">
+        <a:tint val="40000"/>
+        <a:alpha val="90000"/>
+      </a:schemeClr>
+      <a:schemeClr val="accent4">
+        <a:tint val="40000"/>
+        <a:alpha val="90000"/>
+      </a:schemeClr>
+      <a:schemeClr val="accent5">
+        <a:tint val="40000"/>
+        <a:alpha val="90000"/>
+      </a:schemeClr>
+      <a:schemeClr val="accent6">
+        <a:tint val="40000"/>
+        <a:alpha val="90000"/>
+      </a:schemeClr>
+    </dgm:linClrLst>
+    <dgm:effectClrLst/>
+    <dgm:txLinClrLst/>
+    <dgm:txFillClrLst meth="repeat">
+      <a:schemeClr val="dk1"/>
+    </dgm:txFillClrLst>
+    <dgm:txEffectClrLst/>
+  </dgm:styleLbl>
+  <dgm:styleLbl name="alignAccFollowNode1">
+    <dgm:fillClrLst meth="repeat">
+      <a:schemeClr val="accent2">
+        <a:tint val="40000"/>
+        <a:alpha val="90000"/>
+      </a:schemeClr>
+      <a:schemeClr val="accent3">
+        <a:tint val="40000"/>
+        <a:alpha val="90000"/>
+      </a:schemeClr>
+      <a:schemeClr val="accent4">
+        <a:tint val="40000"/>
+        <a:alpha val="90000"/>
+      </a:schemeClr>
+      <a:schemeClr val="accent5">
+        <a:tint val="40000"/>
+        <a:alpha val="90000"/>
+      </a:schemeClr>
+      <a:schemeClr val="accent6">
+        <a:tint val="40000"/>
+        <a:alpha val="90000"/>
+      </a:schemeClr>
+    </dgm:fillClrLst>
+    <dgm:linClrLst meth="repeat">
+      <a:schemeClr val="accent2">
+        <a:tint val="40000"/>
+        <a:alpha val="90000"/>
+      </a:schemeClr>
+      <a:schemeClr val="accent3">
+        <a:tint val="40000"/>
+        <a:alpha val="90000"/>
+      </a:schemeClr>
+      <a:schemeClr val="accent4">
+        <a:tint val="40000"/>
+        <a:alpha val="90000"/>
+      </a:schemeClr>
+      <a:schemeClr val="accent5">
+        <a:tint val="40000"/>
+        <a:alpha val="90000"/>
+      </a:schemeClr>
+      <a:schemeClr val="accent6">
+        <a:tint val="40000"/>
+        <a:alpha val="90000"/>
+      </a:schemeClr>
+    </dgm:linClrLst>
+    <dgm:effectClrLst/>
+    <dgm:txLinClrLst/>
+    <dgm:txFillClrLst meth="repeat">
+      <a:schemeClr val="dk1"/>
+    </dgm:txFillClrLst>
+    <dgm:txEffectClrLst/>
+  </dgm:styleLbl>
+  <dgm:styleLbl name="bgAccFollowNode1">
+    <dgm:fillClrLst meth="repeat">
+      <a:schemeClr val="accent2">
+        <a:tint val="40000"/>
+        <a:alpha val="90000"/>
+      </a:schemeClr>
+      <a:schemeClr val="accent3">
+        <a:tint val="40000"/>
+        <a:alpha val="90000"/>
+      </a:schemeClr>
+      <a:schemeClr val="accent4">
+        <a:tint val="40000"/>
+        <a:alpha val="90000"/>
+      </a:schemeClr>
+      <a:schemeClr val="accent5">
+        <a:tint val="40000"/>
+        <a:alpha val="90000"/>
+      </a:schemeClr>
+      <a:schemeClr val="accent6">
+        <a:tint val="40000"/>
+        <a:alpha val="90000"/>
+      </a:schemeClr>
+    </dgm:fillClrLst>
+    <dgm:linClrLst meth="repeat">
+      <a:schemeClr val="accent2">
+        <a:tint val="40000"/>
+        <a:alpha val="90000"/>
+      </a:schemeClr>
+      <a:schemeClr val="accent3">
+        <a:tint val="40000"/>
+        <a:alpha val="90000"/>
+      </a:schemeClr>
+      <a:schemeClr val="accent4">
+        <a:tint val="40000"/>
+        <a:alpha val="90000"/>
+      </a:schemeClr>
+      <a:schemeClr val="accent5">
+        <a:tint val="40000"/>
+        <a:alpha val="90000"/>
+      </a:schemeClr>
+      <a:schemeClr val="accent6">
+        <a:tint val="40000"/>
+        <a:alpha val="90000"/>
+      </a:schemeClr>
+    </dgm:linClrLst>
+    <dgm:effectClrLst/>
+    <dgm:txLinClrLst/>
+    <dgm:txFillClrLst meth="repeat">
+      <a:schemeClr val="dk1"/>
+    </dgm:txFillClrLst>
+    <dgm:txEffectClrLst/>
+  </dgm:styleLbl>
+  <dgm:styleLbl name="fgAcc0">
+    <dgm:fillClrLst meth="repeat">
+      <a:schemeClr val="lt1">
+        <a:alpha val="90000"/>
+      </a:schemeClr>
+    </dgm:fillClrLst>
+    <dgm:linClrLst>
+      <a:schemeClr val="accent1"/>
+    </dgm:linClrLst>
+    <dgm:effectClrLst/>
+    <dgm:txLinClrLst/>
+    <dgm:txFillClrLst meth="repeat">
+      <a:schemeClr val="dk1"/>
+    </dgm:txFillClrLst>
+    <dgm:txEffectClrLst/>
+  </dgm:styleLbl>
+  <dgm:styleLbl name="fgAcc2">
+    <dgm:fillClrLst meth="repeat">
+      <a:schemeClr val="lt1">
+        <a:alpha val="90000"/>
+      </a:schemeClr>
+    </dgm:fillClrLst>
+    <dgm:linClrLst>
+      <a:schemeClr val="accent2"/>
+    </dgm:linClrLst>
+    <dgm:effectClrLst/>
+    <dgm:txLinClrLst/>
+    <dgm:txFillClrLst meth="repeat">
+      <a:schemeClr val="dk1"/>
+    </dgm:txFillClrLst>
+    <dgm:txEffectClrLst/>
+  </dgm:styleLbl>
+  <dgm:styleLbl name="fgAcc3">
+    <dgm:fillClrLst meth="repeat">
+      <a:schemeClr val="lt1">
+        <a:alpha val="90000"/>
+      </a:schemeClr>
+    </dgm:fillClrLst>
+    <dgm:linClrLst>
+      <a:schemeClr val="accent3"/>
+    </dgm:linClrLst>
+    <dgm:effectClrLst/>
+    <dgm:txLinClrLst/>
+    <dgm:txFillClrLst meth="repeat">
+      <a:schemeClr val="dk1"/>
+    </dgm:txFillClrLst>
+    <dgm:txEffectClrLst/>
+  </dgm:styleLbl>
+  <dgm:styleLbl name="fgAcc4">
+    <dgm:fillClrLst meth="repeat">
+      <a:schemeClr val="lt1">
+        <a:alpha val="90000"/>
+      </a:schemeClr>
+    </dgm:fillClrLst>
+    <dgm:linClrLst>
+      <a:schemeClr val="accent4"/>
+    </dgm:linClrLst>
+    <dgm:effectClrLst/>
+    <dgm:txLinClrLst/>
+    <dgm:txFillClrLst meth="repeat">
+      <a:schemeClr val="dk1"/>
+    </dgm:txFillClrLst>
+    <dgm:txEffectClrLst/>
+  </dgm:styleLbl>
+  <dgm:styleLbl name="bgShp">
+    <dgm:fillClrLst meth="repeat">
+      <a:schemeClr val="bg1">
+        <a:lumMod val="95000"/>
+      </a:schemeClr>
+    </dgm:fillClrLst>
+    <dgm:linClrLst meth="repeat">
+      <a:schemeClr val="dk1"/>
+    </dgm:linClrLst>
+    <dgm:effectClrLst/>
+    <dgm:txLinClrLst/>
+    <dgm:txFillClrLst meth="repeat">
+      <a:schemeClr val="dk1"/>
+    </dgm:txFillClrLst>
+    <dgm:txEffectClrLst/>
+  </dgm:styleLbl>
+  <dgm:styleLbl name="dkBgShp">
+    <dgm:fillClrLst meth="repeat">
+      <a:schemeClr val="accent2">
+        <a:shade val="90000"/>
+      </a:schemeClr>
+    </dgm:fillClrLst>
+    <dgm:linClrLst meth="repeat">
+      <a:schemeClr val="dk1"/>
+    </dgm:linClrLst>
+    <dgm:effectClrLst/>
+    <dgm:txLinClrLst/>
+    <dgm:txFillClrLst meth="repeat">
+      <a:schemeClr val="lt1"/>
+    </dgm:txFillClrLst>
+    <dgm:txEffectClrLst/>
+  </dgm:styleLbl>
+  <dgm:styleLbl name="trBgShp">
+    <dgm:fillClrLst meth="repeat">
+      <a:schemeClr val="accent1">
+        <a:tint val="50000"/>
+        <a:alpha val="40000"/>
+      </a:schemeClr>
+    </dgm:fillClrLst>
+    <dgm:linClrLst meth="repeat">
+      <a:schemeClr val="accent2"/>
+    </dgm:linClrLst>
+    <dgm:effectClrLst/>
+    <dgm:txLinClrLst/>
+    <dgm:txFillClrLst meth="repeat">
+      <a:schemeClr val="lt1"/>
+    </dgm:txFillClrLst>
+    <dgm:txEffectClrLst/>
+  </dgm:styleLbl>
+  <dgm:styleLbl name="fgShp">
+    <dgm:fillClrLst meth="repeat">
+      <a:schemeClr val="accent2">
+        <a:tint val="40000"/>
+      </a:schemeClr>
+    </dgm:fillClrLst>
+    <dgm:linClrLst meth="repeat">
+      <a:schemeClr val="lt1"/>
+    </dgm:linClrLst>
+    <dgm:effectClrLst/>
+    <dgm:txLinClrLst/>
+    <dgm:txFillClrLst meth="repeat">
+      <a:schemeClr val="dk1"/>
+    </dgm:txFillClrLst>
+    <dgm:txEffectClrLst/>
+  </dgm:styleLbl>
+  <dgm:styleLbl name="revTx">
+    <dgm:fillClrLst meth="repeat">
+      <a:schemeClr val="lt1">
+        <a:alpha val="0"/>
+      </a:schemeClr>
+    </dgm:fillClrLst>
+    <dgm:linClrLst meth="repeat">
+      <a:schemeClr val="dk1">
+        <a:alpha val="0"/>
+      </a:schemeClr>
+    </dgm:linClrLst>
+    <dgm:effectClrLst/>
+    <dgm:txLinClrLst/>
+    <dgm:txFillClrLst meth="repeat">
+      <a:schemeClr val="tx1"/>
+    </dgm:txFillClrLst>
+    <dgm:txEffectClrLst/>
+  </dgm:styleLbl>
+</dgm:colorsDef>
+</file>
+
+<file path=ppt/diagrams/colors2.xml><?xml version="1.0" encoding="utf-8"?>
 <dgm:colorsDef xmlns:dgm="http://schemas.openxmlformats.org/drawingml/2006/diagram" xmlns:a="http://schemas.openxmlformats.org/drawingml/2006/main" uniqueId="urn:microsoft.com/office/officeart/2005/8/colors/accent1_2">
   <dgm:title val=""/>
   <dgm:desc val=""/>
@@ -863,6 +1790,332 @@
 </file>
 
 <file path=ppt/diagrams/data1.xml><?xml version="1.0" encoding="utf-8"?>
+<dgm:dataModel xmlns:dgm="http://schemas.openxmlformats.org/drawingml/2006/diagram" xmlns:a="http://schemas.openxmlformats.org/drawingml/2006/main">
+  <dgm:ptLst>
+    <dgm:pt modelId="{83369CDE-3331-4A6F-B4E0-67B075071F9F}" type="doc">
+      <dgm:prSet loTypeId="urn:microsoft.com/office/officeart/2018/2/layout/IconVerticalSolidList" loCatId="icon" qsTypeId="urn:microsoft.com/office/officeart/2005/8/quickstyle/simple1" qsCatId="simple" csTypeId="urn:microsoft.com/office/officeart/2018/5/colors/Iconchunking_neutralbg_colorful1" csCatId="colorful" phldr="1"/>
+      <dgm:spPr/>
+      <dgm:t>
+        <a:bodyPr/>
+        <a:lstStyle/>
+        <a:p>
+          <a:endParaRPr lang="en-US"/>
+        </a:p>
+      </dgm:t>
+    </dgm:pt>
+    <dgm:pt modelId="{2F1494D9-A4CB-4AE5-8A70-C6A88D78BFCB}">
+      <dgm:prSet/>
+      <dgm:spPr/>
+      <dgm:t>
+        <a:bodyPr/>
+        <a:lstStyle/>
+        <a:p>
+          <a:r>
+            <a:rPr lang="es-CL"/>
+            <a:t>Realizamos los  ajustes correspondientes a las imágenes del satélite</a:t>
+          </a:r>
+          <a:endParaRPr lang="en-US"/>
+        </a:p>
+      </dgm:t>
+    </dgm:pt>
+    <dgm:pt modelId="{90977A04-DFAF-4B16-9879-71FF3C36EEA4}" type="parTrans" cxnId="{A02C307A-59EB-41BE-B513-79B24658860E}">
+      <dgm:prSet/>
+      <dgm:spPr/>
+      <dgm:t>
+        <a:bodyPr/>
+        <a:lstStyle/>
+        <a:p>
+          <a:endParaRPr lang="en-US"/>
+        </a:p>
+      </dgm:t>
+    </dgm:pt>
+    <dgm:pt modelId="{55225D83-2673-4FDC-A27C-47B90BBED0A1}" type="sibTrans" cxnId="{A02C307A-59EB-41BE-B513-79B24658860E}">
+      <dgm:prSet/>
+      <dgm:spPr/>
+      <dgm:t>
+        <a:bodyPr/>
+        <a:lstStyle/>
+        <a:p>
+          <a:endParaRPr lang="en-US"/>
+        </a:p>
+      </dgm:t>
+    </dgm:pt>
+    <dgm:pt modelId="{F0BF1C66-18AC-4569-BDE6-71D50A442244}">
+      <dgm:prSet/>
+      <dgm:spPr/>
+      <dgm:t>
+        <a:bodyPr/>
+        <a:lstStyle/>
+        <a:p>
+          <a:r>
+            <a:rPr lang="es-CL" dirty="0"/>
+            <a:t>Consideramos un conjunto de glaciares que se encuentran cercanos unos con otros, pero no descartamos usar técnicas de clustering, para determinar estos conjuntos.</a:t>
+          </a:r>
+          <a:endParaRPr lang="en-US" dirty="0"/>
+        </a:p>
+      </dgm:t>
+    </dgm:pt>
+    <dgm:pt modelId="{C0EFA8FD-11C6-4276-9C7C-D11F2781BD27}" type="parTrans" cxnId="{E3FF9849-C59F-436D-A4BE-D2ECDBA558BD}">
+      <dgm:prSet/>
+      <dgm:spPr/>
+      <dgm:t>
+        <a:bodyPr/>
+        <a:lstStyle/>
+        <a:p>
+          <a:endParaRPr lang="en-US"/>
+        </a:p>
+      </dgm:t>
+    </dgm:pt>
+    <dgm:pt modelId="{F235CD40-A3B9-4DC9-97C4-18979498E4EB}" type="sibTrans" cxnId="{E3FF9849-C59F-436D-A4BE-D2ECDBA558BD}">
+      <dgm:prSet/>
+      <dgm:spPr/>
+      <dgm:t>
+        <a:bodyPr/>
+        <a:lstStyle/>
+        <a:p>
+          <a:endParaRPr lang="en-US"/>
+        </a:p>
+      </dgm:t>
+    </dgm:pt>
+    <dgm:pt modelId="{F1A9015E-C17B-4012-93F0-2E3F5A5C4B1F}">
+      <dgm:prSet/>
+      <dgm:spPr/>
+      <dgm:t>
+        <a:bodyPr/>
+        <a:lstStyle/>
+        <a:p>
+          <a:r>
+            <a:rPr lang="es-CL" dirty="0"/>
+            <a:t>Una vez con las imágenes, realizamos cálculos de NDSI, NDGI, NDWI, para poder realizar cálculos de área para los glaciares, mediante técnicas de clustering</a:t>
+          </a:r>
+          <a:endParaRPr lang="en-US" dirty="0"/>
+        </a:p>
+      </dgm:t>
+    </dgm:pt>
+    <dgm:pt modelId="{984336B5-1C64-421A-91CE-76FED2BE60B2}" type="parTrans" cxnId="{0D1CF07D-FE8E-475C-91D3-F8EEF0147AD3}">
+      <dgm:prSet/>
+      <dgm:spPr/>
+      <dgm:t>
+        <a:bodyPr/>
+        <a:lstStyle/>
+        <a:p>
+          <a:endParaRPr lang="en-US"/>
+        </a:p>
+      </dgm:t>
+    </dgm:pt>
+    <dgm:pt modelId="{87037239-7547-4B3E-B1A2-636ACFF53124}" type="sibTrans" cxnId="{0D1CF07D-FE8E-475C-91D3-F8EEF0147AD3}">
+      <dgm:prSet/>
+      <dgm:spPr/>
+      <dgm:t>
+        <a:bodyPr/>
+        <a:lstStyle/>
+        <a:p>
+          <a:endParaRPr lang="en-US"/>
+        </a:p>
+      </dgm:t>
+    </dgm:pt>
+    <dgm:pt modelId="{85D92723-05E3-4A10-9D58-3BFBF633D67E}" type="pres">
+      <dgm:prSet presAssocID="{83369CDE-3331-4A6F-B4E0-67B075071F9F}" presName="root" presStyleCnt="0">
+        <dgm:presLayoutVars>
+          <dgm:dir/>
+          <dgm:resizeHandles val="exact"/>
+        </dgm:presLayoutVars>
+      </dgm:prSet>
+      <dgm:spPr/>
+    </dgm:pt>
+    <dgm:pt modelId="{1FCFD90D-37BC-4B08-A5A5-4A8F3AB6F723}" type="pres">
+      <dgm:prSet presAssocID="{2F1494D9-A4CB-4AE5-8A70-C6A88D78BFCB}" presName="compNode" presStyleCnt="0"/>
+      <dgm:spPr/>
+    </dgm:pt>
+    <dgm:pt modelId="{9988F60A-C9BF-4E26-940E-836E202531C3}" type="pres">
+      <dgm:prSet presAssocID="{2F1494D9-A4CB-4AE5-8A70-C6A88D78BFCB}" presName="bgRect" presStyleLbl="bgShp" presStyleIdx="0" presStyleCnt="3"/>
+      <dgm:spPr/>
+    </dgm:pt>
+    <dgm:pt modelId="{005384E1-B075-4827-B2B5-9223A2A9A76B}" type="pres">
+      <dgm:prSet presAssocID="{2F1494D9-A4CB-4AE5-8A70-C6A88D78BFCB}" presName="iconRect" presStyleLbl="node1" presStyleIdx="0" presStyleCnt="3"/>
+      <dgm:spPr>
+        <a:blipFill>
+          <a:blip xmlns:r="http://schemas.openxmlformats.org/officeDocument/2006/relationships" r:embed="rId1">
+            <a:extLst>
+              <a:ext uri="{28A0092B-C50C-407E-A947-70E740481C1C}">
+                <a14:useLocalDpi xmlns:a14="http://schemas.microsoft.com/office/drawing/2010/main" val="0"/>
+              </a:ext>
+              <a:ext uri="{96DAC541-7B7A-43D3-8B79-37D633B846F1}">
+                <asvg:svgBlip xmlns:asvg="http://schemas.microsoft.com/office/drawing/2016/SVG/main" r:embed="rId2"/>
+              </a:ext>
+            </a:extLst>
+          </a:blip>
+          <a:stretch>
+            <a:fillRect/>
+          </a:stretch>
+        </a:blipFill>
+        <a:ln>
+          <a:noFill/>
+        </a:ln>
+      </dgm:spPr>
+      <dgm:extLst>
+        <a:ext uri="{E40237B7-FDA0-4F09-8148-C483321AD2D9}">
+          <dgm14:cNvPr xmlns:dgm14="http://schemas.microsoft.com/office/drawing/2010/diagram" id="0" name="" descr="Satélite"/>
+        </a:ext>
+      </dgm:extLst>
+    </dgm:pt>
+    <dgm:pt modelId="{C7C2E93F-8DA7-4675-941D-75D19A35999F}" type="pres">
+      <dgm:prSet presAssocID="{2F1494D9-A4CB-4AE5-8A70-C6A88D78BFCB}" presName="spaceRect" presStyleCnt="0"/>
+      <dgm:spPr/>
+    </dgm:pt>
+    <dgm:pt modelId="{654BDB6E-0F3E-4CEA-8140-60F4C7FF3F20}" type="pres">
+      <dgm:prSet presAssocID="{2F1494D9-A4CB-4AE5-8A70-C6A88D78BFCB}" presName="parTx" presStyleLbl="revTx" presStyleIdx="0" presStyleCnt="3">
+        <dgm:presLayoutVars>
+          <dgm:chMax val="0"/>
+          <dgm:chPref val="0"/>
+        </dgm:presLayoutVars>
+      </dgm:prSet>
+      <dgm:spPr/>
+    </dgm:pt>
+    <dgm:pt modelId="{108F7CA1-B0A4-49D0-A59E-C7A1346EA6B7}" type="pres">
+      <dgm:prSet presAssocID="{55225D83-2673-4FDC-A27C-47B90BBED0A1}" presName="sibTrans" presStyleCnt="0"/>
+      <dgm:spPr/>
+    </dgm:pt>
+    <dgm:pt modelId="{337D303D-3D8E-41F4-ABBB-C5D42B40D817}" type="pres">
+      <dgm:prSet presAssocID="{F0BF1C66-18AC-4569-BDE6-71D50A442244}" presName="compNode" presStyleCnt="0"/>
+      <dgm:spPr/>
+    </dgm:pt>
+    <dgm:pt modelId="{30026BE6-1F6A-4762-B327-8CED5862791C}" type="pres">
+      <dgm:prSet presAssocID="{F0BF1C66-18AC-4569-BDE6-71D50A442244}" presName="bgRect" presStyleLbl="bgShp" presStyleIdx="1" presStyleCnt="3"/>
+      <dgm:spPr/>
+    </dgm:pt>
+    <dgm:pt modelId="{6D555C7E-2D72-4ABC-BCBA-8E2FE2C3F56E}" type="pres">
+      <dgm:prSet presAssocID="{F0BF1C66-18AC-4569-BDE6-71D50A442244}" presName="iconRect" presStyleLbl="node1" presStyleIdx="1" presStyleCnt="3"/>
+      <dgm:spPr>
+        <a:blipFill>
+          <a:blip xmlns:r="http://schemas.openxmlformats.org/officeDocument/2006/relationships" r:embed="rId3">
+            <a:extLst>
+              <a:ext uri="{28A0092B-C50C-407E-A947-70E740481C1C}">
+                <a14:useLocalDpi xmlns:a14="http://schemas.microsoft.com/office/drawing/2010/main" val="0"/>
+              </a:ext>
+              <a:ext uri="{96DAC541-7B7A-43D3-8B79-37D633B846F1}">
+                <asvg:svgBlip xmlns:asvg="http://schemas.microsoft.com/office/drawing/2016/SVG/main" r:embed="rId4"/>
+              </a:ext>
+            </a:extLst>
+          </a:blip>
+          <a:stretch>
+            <a:fillRect/>
+          </a:stretch>
+        </a:blipFill>
+        <a:ln>
+          <a:noFill/>
+        </a:ln>
+      </dgm:spPr>
+      <dgm:extLst>
+        <a:ext uri="{E40237B7-FDA0-4F09-8148-C483321AD2D9}">
+          <dgm14:cNvPr xmlns:dgm14="http://schemas.microsoft.com/office/drawing/2010/diagram" id="0" name="" descr="Rainy scene"/>
+        </a:ext>
+      </dgm:extLst>
+    </dgm:pt>
+    <dgm:pt modelId="{036DF5B4-0332-407F-A9AB-0855C46DE47A}" type="pres">
+      <dgm:prSet presAssocID="{F0BF1C66-18AC-4569-BDE6-71D50A442244}" presName="spaceRect" presStyleCnt="0"/>
+      <dgm:spPr/>
+    </dgm:pt>
+    <dgm:pt modelId="{4196FAC2-9200-492C-A28D-F4C6A1AD26EB}" type="pres">
+      <dgm:prSet presAssocID="{F0BF1C66-18AC-4569-BDE6-71D50A442244}" presName="parTx" presStyleLbl="revTx" presStyleIdx="1" presStyleCnt="3">
+        <dgm:presLayoutVars>
+          <dgm:chMax val="0"/>
+          <dgm:chPref val="0"/>
+        </dgm:presLayoutVars>
+      </dgm:prSet>
+      <dgm:spPr/>
+    </dgm:pt>
+    <dgm:pt modelId="{B8B9B467-41B1-41C4-8C30-52D48F3172BA}" type="pres">
+      <dgm:prSet presAssocID="{F235CD40-A3B9-4DC9-97C4-18979498E4EB}" presName="sibTrans" presStyleCnt="0"/>
+      <dgm:spPr/>
+    </dgm:pt>
+    <dgm:pt modelId="{26C65E19-65A7-420B-830E-922EA3F3FBFF}" type="pres">
+      <dgm:prSet presAssocID="{F1A9015E-C17B-4012-93F0-2E3F5A5C4B1F}" presName="compNode" presStyleCnt="0"/>
+      <dgm:spPr/>
+    </dgm:pt>
+    <dgm:pt modelId="{858E1150-10F3-439E-9025-9D16EB8E8B07}" type="pres">
+      <dgm:prSet presAssocID="{F1A9015E-C17B-4012-93F0-2E3F5A5C4B1F}" presName="bgRect" presStyleLbl="bgShp" presStyleIdx="2" presStyleCnt="3"/>
+      <dgm:spPr/>
+    </dgm:pt>
+    <dgm:pt modelId="{6FF78B2D-92A1-4147-AE9A-C7500263DCB8}" type="pres">
+      <dgm:prSet presAssocID="{F1A9015E-C17B-4012-93F0-2E3F5A5C4B1F}" presName="iconRect" presStyleLbl="node1" presStyleIdx="2" presStyleCnt="3"/>
+      <dgm:spPr>
+        <a:blipFill>
+          <a:blip xmlns:r="http://schemas.openxmlformats.org/officeDocument/2006/relationships" r:embed="rId5">
+            <a:extLst>
+              <a:ext uri="{28A0092B-C50C-407E-A947-70E740481C1C}">
+                <a14:useLocalDpi xmlns:a14="http://schemas.microsoft.com/office/drawing/2010/main" val="0"/>
+              </a:ext>
+              <a:ext uri="{96DAC541-7B7A-43D3-8B79-37D633B846F1}">
+                <asvg:svgBlip xmlns:asvg="http://schemas.microsoft.com/office/drawing/2016/SVG/main" r:embed="rId6"/>
+              </a:ext>
+            </a:extLst>
+          </a:blip>
+          <a:stretch>
+            <a:fillRect/>
+          </a:stretch>
+        </a:blipFill>
+        <a:ln>
+          <a:noFill/>
+        </a:ln>
+      </dgm:spPr>
+      <dgm:extLst>
+        <a:ext uri="{E40237B7-FDA0-4F09-8148-C483321AD2D9}">
+          <dgm14:cNvPr xmlns:dgm14="http://schemas.microsoft.com/office/drawing/2010/diagram" id="0" name="" descr="Procesador"/>
+        </a:ext>
+      </dgm:extLst>
+    </dgm:pt>
+    <dgm:pt modelId="{83660EB7-B0C9-4DC8-B2BE-089F444CD86F}" type="pres">
+      <dgm:prSet presAssocID="{F1A9015E-C17B-4012-93F0-2E3F5A5C4B1F}" presName="spaceRect" presStyleCnt="0"/>
+      <dgm:spPr/>
+    </dgm:pt>
+    <dgm:pt modelId="{8FFD9FAC-31EE-447C-843B-548F3C21855A}" type="pres">
+      <dgm:prSet presAssocID="{F1A9015E-C17B-4012-93F0-2E3F5A5C4B1F}" presName="parTx" presStyleLbl="revTx" presStyleIdx="2" presStyleCnt="3">
+        <dgm:presLayoutVars>
+          <dgm:chMax val="0"/>
+          <dgm:chPref val="0"/>
+        </dgm:presLayoutVars>
+      </dgm:prSet>
+      <dgm:spPr/>
+    </dgm:pt>
+  </dgm:ptLst>
+  <dgm:cxnLst>
+    <dgm:cxn modelId="{BBEE402B-DD59-4963-8EB4-302C53AE8505}" type="presOf" srcId="{F1A9015E-C17B-4012-93F0-2E3F5A5C4B1F}" destId="{8FFD9FAC-31EE-447C-843B-548F3C21855A}" srcOrd="0" destOrd="0" presId="urn:microsoft.com/office/officeart/2018/2/layout/IconVerticalSolidList"/>
+    <dgm:cxn modelId="{6F0E5D3F-5196-4780-9B8E-4F6FAB99E777}" type="presOf" srcId="{83369CDE-3331-4A6F-B4E0-67B075071F9F}" destId="{85D92723-05E3-4A10-9D58-3BFBF633D67E}" srcOrd="0" destOrd="0" presId="urn:microsoft.com/office/officeart/2018/2/layout/IconVerticalSolidList"/>
+    <dgm:cxn modelId="{E3FF9849-C59F-436D-A4BE-D2ECDBA558BD}" srcId="{83369CDE-3331-4A6F-B4E0-67B075071F9F}" destId="{F0BF1C66-18AC-4569-BDE6-71D50A442244}" srcOrd="1" destOrd="0" parTransId="{C0EFA8FD-11C6-4276-9C7C-D11F2781BD27}" sibTransId="{F235CD40-A3B9-4DC9-97C4-18979498E4EB}"/>
+    <dgm:cxn modelId="{A02C307A-59EB-41BE-B513-79B24658860E}" srcId="{83369CDE-3331-4A6F-B4E0-67B075071F9F}" destId="{2F1494D9-A4CB-4AE5-8A70-C6A88D78BFCB}" srcOrd="0" destOrd="0" parTransId="{90977A04-DFAF-4B16-9879-71FF3C36EEA4}" sibTransId="{55225D83-2673-4FDC-A27C-47B90BBED0A1}"/>
+    <dgm:cxn modelId="{0D1CF07D-FE8E-475C-91D3-F8EEF0147AD3}" srcId="{83369CDE-3331-4A6F-B4E0-67B075071F9F}" destId="{F1A9015E-C17B-4012-93F0-2E3F5A5C4B1F}" srcOrd="2" destOrd="0" parTransId="{984336B5-1C64-421A-91CE-76FED2BE60B2}" sibTransId="{87037239-7547-4B3E-B1A2-636ACFF53124}"/>
+    <dgm:cxn modelId="{13D61390-F8B0-4842-9057-0BA085D8309C}" type="presOf" srcId="{F0BF1C66-18AC-4569-BDE6-71D50A442244}" destId="{4196FAC2-9200-492C-A28D-F4C6A1AD26EB}" srcOrd="0" destOrd="0" presId="urn:microsoft.com/office/officeart/2018/2/layout/IconVerticalSolidList"/>
+    <dgm:cxn modelId="{046CF597-A010-4043-B484-7FE2F40963C2}" type="presOf" srcId="{2F1494D9-A4CB-4AE5-8A70-C6A88D78BFCB}" destId="{654BDB6E-0F3E-4CEA-8140-60F4C7FF3F20}" srcOrd="0" destOrd="0" presId="urn:microsoft.com/office/officeart/2018/2/layout/IconVerticalSolidList"/>
+    <dgm:cxn modelId="{A1112431-72E8-441E-A10A-8F050B1BFD66}" type="presParOf" srcId="{85D92723-05E3-4A10-9D58-3BFBF633D67E}" destId="{1FCFD90D-37BC-4B08-A5A5-4A8F3AB6F723}" srcOrd="0" destOrd="0" presId="urn:microsoft.com/office/officeart/2018/2/layout/IconVerticalSolidList"/>
+    <dgm:cxn modelId="{18B5AAC2-CD13-4976-8D2C-9F5F058E7B89}" type="presParOf" srcId="{1FCFD90D-37BC-4B08-A5A5-4A8F3AB6F723}" destId="{9988F60A-C9BF-4E26-940E-836E202531C3}" srcOrd="0" destOrd="0" presId="urn:microsoft.com/office/officeart/2018/2/layout/IconVerticalSolidList"/>
+    <dgm:cxn modelId="{CE5C0DC5-5BF6-4923-A65A-80797DE46C14}" type="presParOf" srcId="{1FCFD90D-37BC-4B08-A5A5-4A8F3AB6F723}" destId="{005384E1-B075-4827-B2B5-9223A2A9A76B}" srcOrd="1" destOrd="0" presId="urn:microsoft.com/office/officeart/2018/2/layout/IconVerticalSolidList"/>
+    <dgm:cxn modelId="{3ABA1A8A-E845-40F5-B72F-BAD5133AD47C}" type="presParOf" srcId="{1FCFD90D-37BC-4B08-A5A5-4A8F3AB6F723}" destId="{C7C2E93F-8DA7-4675-941D-75D19A35999F}" srcOrd="2" destOrd="0" presId="urn:microsoft.com/office/officeart/2018/2/layout/IconVerticalSolidList"/>
+    <dgm:cxn modelId="{9DE2A83B-FB31-41B6-BF7E-5314078413CB}" type="presParOf" srcId="{1FCFD90D-37BC-4B08-A5A5-4A8F3AB6F723}" destId="{654BDB6E-0F3E-4CEA-8140-60F4C7FF3F20}" srcOrd="3" destOrd="0" presId="urn:microsoft.com/office/officeart/2018/2/layout/IconVerticalSolidList"/>
+    <dgm:cxn modelId="{05F0707A-BE01-455A-AED5-0FFF2BBDBFC3}" type="presParOf" srcId="{85D92723-05E3-4A10-9D58-3BFBF633D67E}" destId="{108F7CA1-B0A4-49D0-A59E-C7A1346EA6B7}" srcOrd="1" destOrd="0" presId="urn:microsoft.com/office/officeart/2018/2/layout/IconVerticalSolidList"/>
+    <dgm:cxn modelId="{A14C2F56-3006-4605-A342-A231819C0CF0}" type="presParOf" srcId="{85D92723-05E3-4A10-9D58-3BFBF633D67E}" destId="{337D303D-3D8E-41F4-ABBB-C5D42B40D817}" srcOrd="2" destOrd="0" presId="urn:microsoft.com/office/officeart/2018/2/layout/IconVerticalSolidList"/>
+    <dgm:cxn modelId="{5397866C-5212-48C4-8413-55581A5D71CA}" type="presParOf" srcId="{337D303D-3D8E-41F4-ABBB-C5D42B40D817}" destId="{30026BE6-1F6A-4762-B327-8CED5862791C}" srcOrd="0" destOrd="0" presId="urn:microsoft.com/office/officeart/2018/2/layout/IconVerticalSolidList"/>
+    <dgm:cxn modelId="{E3DB1AAA-3D28-458A-9CC1-C2499C818438}" type="presParOf" srcId="{337D303D-3D8E-41F4-ABBB-C5D42B40D817}" destId="{6D555C7E-2D72-4ABC-BCBA-8E2FE2C3F56E}" srcOrd="1" destOrd="0" presId="urn:microsoft.com/office/officeart/2018/2/layout/IconVerticalSolidList"/>
+    <dgm:cxn modelId="{FB1CE51D-98C5-47BB-BA2D-7CDAF40BF557}" type="presParOf" srcId="{337D303D-3D8E-41F4-ABBB-C5D42B40D817}" destId="{036DF5B4-0332-407F-A9AB-0855C46DE47A}" srcOrd="2" destOrd="0" presId="urn:microsoft.com/office/officeart/2018/2/layout/IconVerticalSolidList"/>
+    <dgm:cxn modelId="{B0C877CF-7392-4E8F-BDDC-56B11D6DBE3A}" type="presParOf" srcId="{337D303D-3D8E-41F4-ABBB-C5D42B40D817}" destId="{4196FAC2-9200-492C-A28D-F4C6A1AD26EB}" srcOrd="3" destOrd="0" presId="urn:microsoft.com/office/officeart/2018/2/layout/IconVerticalSolidList"/>
+    <dgm:cxn modelId="{AEC01F20-6635-4353-AD73-DCDAE8B64809}" type="presParOf" srcId="{85D92723-05E3-4A10-9D58-3BFBF633D67E}" destId="{B8B9B467-41B1-41C4-8C30-52D48F3172BA}" srcOrd="3" destOrd="0" presId="urn:microsoft.com/office/officeart/2018/2/layout/IconVerticalSolidList"/>
+    <dgm:cxn modelId="{8FA19303-3257-44BE-B14E-439407A40955}" type="presParOf" srcId="{85D92723-05E3-4A10-9D58-3BFBF633D67E}" destId="{26C65E19-65A7-420B-830E-922EA3F3FBFF}" srcOrd="4" destOrd="0" presId="urn:microsoft.com/office/officeart/2018/2/layout/IconVerticalSolidList"/>
+    <dgm:cxn modelId="{A8FD6B66-831B-4604-92B7-3AB1934A59E7}" type="presParOf" srcId="{26C65E19-65A7-420B-830E-922EA3F3FBFF}" destId="{858E1150-10F3-439E-9025-9D16EB8E8B07}" srcOrd="0" destOrd="0" presId="urn:microsoft.com/office/officeart/2018/2/layout/IconVerticalSolidList"/>
+    <dgm:cxn modelId="{D1B626A3-109E-46A4-8962-63C9D2266A2E}" type="presParOf" srcId="{26C65E19-65A7-420B-830E-922EA3F3FBFF}" destId="{6FF78B2D-92A1-4147-AE9A-C7500263DCB8}" srcOrd="1" destOrd="0" presId="urn:microsoft.com/office/officeart/2018/2/layout/IconVerticalSolidList"/>
+    <dgm:cxn modelId="{4AD8456A-4EA6-4175-B3B1-5FA6765BAF0F}" type="presParOf" srcId="{26C65E19-65A7-420B-830E-922EA3F3FBFF}" destId="{83660EB7-B0C9-4DC8-B2BE-089F444CD86F}" srcOrd="2" destOrd="0" presId="urn:microsoft.com/office/officeart/2018/2/layout/IconVerticalSolidList"/>
+    <dgm:cxn modelId="{8FDDE971-2412-41F8-893F-99F0B56B22FF}" type="presParOf" srcId="{26C65E19-65A7-420B-830E-922EA3F3FBFF}" destId="{8FFD9FAC-31EE-447C-843B-548F3C21855A}" srcOrd="3" destOrd="0" presId="urn:microsoft.com/office/officeart/2018/2/layout/IconVerticalSolidList"/>
+  </dgm:cxnLst>
+  <dgm:bg/>
+  <dgm:whole/>
+  <dgm:extLst>
+    <a:ext uri="http://schemas.microsoft.com/office/drawing/2008/diagram">
+      <dsp:dataModelExt xmlns:dsp="http://schemas.microsoft.com/office/drawing/2008/diagram" relId="rId6" minVer="http://schemas.openxmlformats.org/drawingml/2006/diagram"/>
+    </a:ext>
+  </dgm:extLst>
+</dgm:dataModel>
+</file>
+
+<file path=ppt/diagrams/data2.xml><?xml version="1.0" encoding="utf-8"?>
 <dgm:dataModel xmlns:dgm="http://schemas.openxmlformats.org/drawingml/2006/diagram" xmlns:a="http://schemas.openxmlformats.org/drawingml/2006/main">
   <dgm:ptLst>
     <dgm:pt modelId="{D8357F67-12D7-4285-A20C-FAEC1B2B2127}" type="doc">
@@ -932,7 +2185,7 @@
           </a:pPr>
           <a:r>
             <a:rPr lang="es-CL" dirty="0"/>
-            <a:t>El efecto que tienen el glaciar en los acuíferos cercanos, mediante el cálculo del área de estos a través de los años.</a:t>
+            <a:t>El efecto que tienen el glaciar en los acuíferos cercanos, mediante el cálculo del aumento del área de estos a través de los años.</a:t>
           </a:r>
           <a:endParaRPr lang="en-US" dirty="0"/>
         </a:p>
@@ -973,10 +2226,10 @@
             </a:lnSpc>
           </a:pPr>
           <a:r>
-            <a:rPr lang="es-CL"/>
+            <a:rPr lang="es-CL" dirty="0"/>
             <a:t>Generalizar el cálculo de lo anterior para distintos años y tener un panorama de tiempo más amplio</a:t>
           </a:r>
-          <a:endParaRPr lang="en-US"/>
+          <a:endParaRPr lang="en-US" dirty="0"/>
         </a:p>
       </dgm:t>
     </dgm:pt>
@@ -1380,6 +2633,477 @@
       <dsp:cNvGrpSpPr/>
     </dsp:nvGrpSpPr>
     <dsp:grpSpPr/>
+    <dsp:sp modelId="{9988F60A-C9BF-4E26-940E-836E202531C3}">
+      <dsp:nvSpPr>
+        <dsp:cNvPr id="0" name=""/>
+        <dsp:cNvSpPr/>
+      </dsp:nvSpPr>
+      <dsp:spPr>
+        <a:xfrm>
+          <a:off x="0" y="682"/>
+          <a:ext cx="6245265" cy="1596566"/>
+        </a:xfrm>
+        <a:prstGeom prst="roundRect">
+          <a:avLst>
+            <a:gd name="adj" fmla="val 10000"/>
+          </a:avLst>
+        </a:prstGeom>
+        <a:solidFill>
+          <a:schemeClr val="bg1">
+            <a:lumMod val="95000"/>
+            <a:hueOff val="0"/>
+            <a:satOff val="0"/>
+            <a:lumOff val="0"/>
+            <a:alphaOff val="0"/>
+          </a:schemeClr>
+        </a:solidFill>
+        <a:ln>
+          <a:noFill/>
+        </a:ln>
+        <a:effectLst/>
+      </dsp:spPr>
+      <dsp:style>
+        <a:lnRef idx="0">
+          <a:scrgbClr r="0" g="0" b="0"/>
+        </a:lnRef>
+        <a:fillRef idx="1">
+          <a:scrgbClr r="0" g="0" b="0"/>
+        </a:fillRef>
+        <a:effectRef idx="0">
+          <a:scrgbClr r="0" g="0" b="0"/>
+        </a:effectRef>
+        <a:fontRef idx="minor"/>
+      </dsp:style>
+    </dsp:sp>
+    <dsp:sp modelId="{005384E1-B075-4827-B2B5-9223A2A9A76B}">
+      <dsp:nvSpPr>
+        <dsp:cNvPr id="0" name=""/>
+        <dsp:cNvSpPr/>
+      </dsp:nvSpPr>
+      <dsp:spPr>
+        <a:xfrm>
+          <a:off x="482961" y="359909"/>
+          <a:ext cx="878111" cy="878111"/>
+        </a:xfrm>
+        <a:prstGeom prst="rect">
+          <a:avLst/>
+        </a:prstGeom>
+        <a:blipFill>
+          <a:blip xmlns:r="http://schemas.openxmlformats.org/officeDocument/2006/relationships" r:embed="rId1">
+            <a:extLst>
+              <a:ext uri="{28A0092B-C50C-407E-A947-70E740481C1C}">
+                <a14:useLocalDpi xmlns:a14="http://schemas.microsoft.com/office/drawing/2010/main" val="0"/>
+              </a:ext>
+              <a:ext uri="{96DAC541-7B7A-43D3-8B79-37D633B846F1}">
+                <asvg:svgBlip xmlns:asvg="http://schemas.microsoft.com/office/drawing/2016/SVG/main" r:embed="rId2"/>
+              </a:ext>
+            </a:extLst>
+          </a:blip>
+          <a:stretch>
+            <a:fillRect/>
+          </a:stretch>
+        </a:blipFill>
+        <a:ln w="19050" cap="flat" cmpd="sng" algn="ctr">
+          <a:noFill/>
+          <a:prstDash val="solid"/>
+          <a:miter lim="800000"/>
+        </a:ln>
+        <a:effectLst/>
+      </dsp:spPr>
+      <dsp:style>
+        <a:lnRef idx="2">
+          <a:scrgbClr r="0" g="0" b="0"/>
+        </a:lnRef>
+        <a:fillRef idx="1">
+          <a:scrgbClr r="0" g="0" b="0"/>
+        </a:fillRef>
+        <a:effectRef idx="0">
+          <a:scrgbClr r="0" g="0" b="0"/>
+        </a:effectRef>
+        <a:fontRef idx="minor">
+          <a:schemeClr val="lt1"/>
+        </a:fontRef>
+      </dsp:style>
+    </dsp:sp>
+    <dsp:sp modelId="{654BDB6E-0F3E-4CEA-8140-60F4C7FF3F20}">
+      <dsp:nvSpPr>
+        <dsp:cNvPr id="0" name=""/>
+        <dsp:cNvSpPr/>
+      </dsp:nvSpPr>
+      <dsp:spPr>
+        <a:xfrm>
+          <a:off x="1844034" y="682"/>
+          <a:ext cx="4401230" cy="1596566"/>
+        </a:xfrm>
+        <a:prstGeom prst="rect">
+          <a:avLst/>
+        </a:prstGeom>
+        <a:noFill/>
+        <a:ln>
+          <a:noFill/>
+        </a:ln>
+        <a:effectLst/>
+      </dsp:spPr>
+      <dsp:style>
+        <a:lnRef idx="0">
+          <a:scrgbClr r="0" g="0" b="0"/>
+        </a:lnRef>
+        <a:fillRef idx="0">
+          <a:scrgbClr r="0" g="0" b="0"/>
+        </a:fillRef>
+        <a:effectRef idx="0">
+          <a:scrgbClr r="0" g="0" b="0"/>
+        </a:effectRef>
+        <a:fontRef idx="minor"/>
+      </dsp:style>
+      <dsp:txBody>
+        <a:bodyPr spcFirstLastPara="0" vert="horz" wrap="square" lIns="168970" tIns="168970" rIns="168970" bIns="168970" numCol="1" spcCol="1270" anchor="ctr" anchorCtr="0">
+          <a:noAutofit/>
+        </a:bodyPr>
+        <a:lstStyle/>
+        <a:p>
+          <a:pPr marL="0" lvl="0" indent="0" algn="l" defTabSz="800100">
+            <a:lnSpc>
+              <a:spcPct val="90000"/>
+            </a:lnSpc>
+            <a:spcBef>
+              <a:spcPct val="0"/>
+            </a:spcBef>
+            <a:spcAft>
+              <a:spcPct val="35000"/>
+            </a:spcAft>
+            <a:buNone/>
+          </a:pPr>
+          <a:r>
+            <a:rPr lang="es-CL" sz="1800" kern="1200"/>
+            <a:t>Realizamos los  ajustes correspondientes a las imágenes del satélite</a:t>
+          </a:r>
+          <a:endParaRPr lang="en-US" sz="1800" kern="1200"/>
+        </a:p>
+      </dsp:txBody>
+      <dsp:txXfrm>
+        <a:off x="1844034" y="682"/>
+        <a:ext cx="4401230" cy="1596566"/>
+      </dsp:txXfrm>
+    </dsp:sp>
+    <dsp:sp modelId="{30026BE6-1F6A-4762-B327-8CED5862791C}">
+      <dsp:nvSpPr>
+        <dsp:cNvPr id="0" name=""/>
+        <dsp:cNvSpPr/>
+      </dsp:nvSpPr>
+      <dsp:spPr>
+        <a:xfrm>
+          <a:off x="0" y="1996390"/>
+          <a:ext cx="6245265" cy="1596566"/>
+        </a:xfrm>
+        <a:prstGeom prst="roundRect">
+          <a:avLst>
+            <a:gd name="adj" fmla="val 10000"/>
+          </a:avLst>
+        </a:prstGeom>
+        <a:solidFill>
+          <a:schemeClr val="bg1">
+            <a:lumMod val="95000"/>
+            <a:hueOff val="0"/>
+            <a:satOff val="0"/>
+            <a:lumOff val="0"/>
+            <a:alphaOff val="0"/>
+          </a:schemeClr>
+        </a:solidFill>
+        <a:ln>
+          <a:noFill/>
+        </a:ln>
+        <a:effectLst/>
+      </dsp:spPr>
+      <dsp:style>
+        <a:lnRef idx="0">
+          <a:scrgbClr r="0" g="0" b="0"/>
+        </a:lnRef>
+        <a:fillRef idx="1">
+          <a:scrgbClr r="0" g="0" b="0"/>
+        </a:fillRef>
+        <a:effectRef idx="0">
+          <a:scrgbClr r="0" g="0" b="0"/>
+        </a:effectRef>
+        <a:fontRef idx="minor"/>
+      </dsp:style>
+    </dsp:sp>
+    <dsp:sp modelId="{6D555C7E-2D72-4ABC-BCBA-8E2FE2C3F56E}">
+      <dsp:nvSpPr>
+        <dsp:cNvPr id="0" name=""/>
+        <dsp:cNvSpPr/>
+      </dsp:nvSpPr>
+      <dsp:spPr>
+        <a:xfrm>
+          <a:off x="482961" y="2355617"/>
+          <a:ext cx="878111" cy="878111"/>
+        </a:xfrm>
+        <a:prstGeom prst="rect">
+          <a:avLst/>
+        </a:prstGeom>
+        <a:blipFill>
+          <a:blip xmlns:r="http://schemas.openxmlformats.org/officeDocument/2006/relationships" r:embed="rId3">
+            <a:extLst>
+              <a:ext uri="{28A0092B-C50C-407E-A947-70E740481C1C}">
+                <a14:useLocalDpi xmlns:a14="http://schemas.microsoft.com/office/drawing/2010/main" val="0"/>
+              </a:ext>
+              <a:ext uri="{96DAC541-7B7A-43D3-8B79-37D633B846F1}">
+                <asvg:svgBlip xmlns:asvg="http://schemas.microsoft.com/office/drawing/2016/SVG/main" r:embed="rId4"/>
+              </a:ext>
+            </a:extLst>
+          </a:blip>
+          <a:stretch>
+            <a:fillRect/>
+          </a:stretch>
+        </a:blipFill>
+        <a:ln w="19050" cap="flat" cmpd="sng" algn="ctr">
+          <a:noFill/>
+          <a:prstDash val="solid"/>
+          <a:miter lim="800000"/>
+        </a:ln>
+        <a:effectLst/>
+      </dsp:spPr>
+      <dsp:style>
+        <a:lnRef idx="2">
+          <a:scrgbClr r="0" g="0" b="0"/>
+        </a:lnRef>
+        <a:fillRef idx="1">
+          <a:scrgbClr r="0" g="0" b="0"/>
+        </a:fillRef>
+        <a:effectRef idx="0">
+          <a:scrgbClr r="0" g="0" b="0"/>
+        </a:effectRef>
+        <a:fontRef idx="minor">
+          <a:schemeClr val="lt1"/>
+        </a:fontRef>
+      </dsp:style>
+    </dsp:sp>
+    <dsp:sp modelId="{4196FAC2-9200-492C-A28D-F4C6A1AD26EB}">
+      <dsp:nvSpPr>
+        <dsp:cNvPr id="0" name=""/>
+        <dsp:cNvSpPr/>
+      </dsp:nvSpPr>
+      <dsp:spPr>
+        <a:xfrm>
+          <a:off x="1844034" y="1996390"/>
+          <a:ext cx="4401230" cy="1596566"/>
+        </a:xfrm>
+        <a:prstGeom prst="rect">
+          <a:avLst/>
+        </a:prstGeom>
+        <a:noFill/>
+        <a:ln>
+          <a:noFill/>
+        </a:ln>
+        <a:effectLst/>
+      </dsp:spPr>
+      <dsp:style>
+        <a:lnRef idx="0">
+          <a:scrgbClr r="0" g="0" b="0"/>
+        </a:lnRef>
+        <a:fillRef idx="0">
+          <a:scrgbClr r="0" g="0" b="0"/>
+        </a:fillRef>
+        <a:effectRef idx="0">
+          <a:scrgbClr r="0" g="0" b="0"/>
+        </a:effectRef>
+        <a:fontRef idx="minor"/>
+      </dsp:style>
+      <dsp:txBody>
+        <a:bodyPr spcFirstLastPara="0" vert="horz" wrap="square" lIns="168970" tIns="168970" rIns="168970" bIns="168970" numCol="1" spcCol="1270" anchor="ctr" anchorCtr="0">
+          <a:noAutofit/>
+        </a:bodyPr>
+        <a:lstStyle/>
+        <a:p>
+          <a:pPr marL="0" lvl="0" indent="0" algn="l" defTabSz="800100">
+            <a:lnSpc>
+              <a:spcPct val="90000"/>
+            </a:lnSpc>
+            <a:spcBef>
+              <a:spcPct val="0"/>
+            </a:spcBef>
+            <a:spcAft>
+              <a:spcPct val="35000"/>
+            </a:spcAft>
+            <a:buNone/>
+          </a:pPr>
+          <a:r>
+            <a:rPr lang="es-CL" sz="1800" kern="1200" dirty="0"/>
+            <a:t>Consideramos un conjunto de glaciares que se encuentran cercanos unos con otros, pero no descartamos usar técnicas de clustering, para determinar estos conjuntos.</a:t>
+          </a:r>
+          <a:endParaRPr lang="en-US" sz="1800" kern="1200" dirty="0"/>
+        </a:p>
+      </dsp:txBody>
+      <dsp:txXfrm>
+        <a:off x="1844034" y="1996390"/>
+        <a:ext cx="4401230" cy="1596566"/>
+      </dsp:txXfrm>
+    </dsp:sp>
+    <dsp:sp modelId="{858E1150-10F3-439E-9025-9D16EB8E8B07}">
+      <dsp:nvSpPr>
+        <dsp:cNvPr id="0" name=""/>
+        <dsp:cNvSpPr/>
+      </dsp:nvSpPr>
+      <dsp:spPr>
+        <a:xfrm>
+          <a:off x="0" y="3992098"/>
+          <a:ext cx="6245265" cy="1596566"/>
+        </a:xfrm>
+        <a:prstGeom prst="roundRect">
+          <a:avLst>
+            <a:gd name="adj" fmla="val 10000"/>
+          </a:avLst>
+        </a:prstGeom>
+        <a:solidFill>
+          <a:schemeClr val="bg1">
+            <a:lumMod val="95000"/>
+            <a:hueOff val="0"/>
+            <a:satOff val="0"/>
+            <a:lumOff val="0"/>
+            <a:alphaOff val="0"/>
+          </a:schemeClr>
+        </a:solidFill>
+        <a:ln>
+          <a:noFill/>
+        </a:ln>
+        <a:effectLst/>
+      </dsp:spPr>
+      <dsp:style>
+        <a:lnRef idx="0">
+          <a:scrgbClr r="0" g="0" b="0"/>
+        </a:lnRef>
+        <a:fillRef idx="1">
+          <a:scrgbClr r="0" g="0" b="0"/>
+        </a:fillRef>
+        <a:effectRef idx="0">
+          <a:scrgbClr r="0" g="0" b="0"/>
+        </a:effectRef>
+        <a:fontRef idx="minor"/>
+      </dsp:style>
+    </dsp:sp>
+    <dsp:sp modelId="{6FF78B2D-92A1-4147-AE9A-C7500263DCB8}">
+      <dsp:nvSpPr>
+        <dsp:cNvPr id="0" name=""/>
+        <dsp:cNvSpPr/>
+      </dsp:nvSpPr>
+      <dsp:spPr>
+        <a:xfrm>
+          <a:off x="482961" y="4351325"/>
+          <a:ext cx="878111" cy="878111"/>
+        </a:xfrm>
+        <a:prstGeom prst="rect">
+          <a:avLst/>
+        </a:prstGeom>
+        <a:blipFill>
+          <a:blip xmlns:r="http://schemas.openxmlformats.org/officeDocument/2006/relationships" r:embed="rId5">
+            <a:extLst>
+              <a:ext uri="{28A0092B-C50C-407E-A947-70E740481C1C}">
+                <a14:useLocalDpi xmlns:a14="http://schemas.microsoft.com/office/drawing/2010/main" val="0"/>
+              </a:ext>
+              <a:ext uri="{96DAC541-7B7A-43D3-8B79-37D633B846F1}">
+                <asvg:svgBlip xmlns:asvg="http://schemas.microsoft.com/office/drawing/2016/SVG/main" r:embed="rId6"/>
+              </a:ext>
+            </a:extLst>
+          </a:blip>
+          <a:stretch>
+            <a:fillRect/>
+          </a:stretch>
+        </a:blipFill>
+        <a:ln w="19050" cap="flat" cmpd="sng" algn="ctr">
+          <a:noFill/>
+          <a:prstDash val="solid"/>
+          <a:miter lim="800000"/>
+        </a:ln>
+        <a:effectLst/>
+      </dsp:spPr>
+      <dsp:style>
+        <a:lnRef idx="2">
+          <a:scrgbClr r="0" g="0" b="0"/>
+        </a:lnRef>
+        <a:fillRef idx="1">
+          <a:scrgbClr r="0" g="0" b="0"/>
+        </a:fillRef>
+        <a:effectRef idx="0">
+          <a:scrgbClr r="0" g="0" b="0"/>
+        </a:effectRef>
+        <a:fontRef idx="minor">
+          <a:schemeClr val="lt1"/>
+        </a:fontRef>
+      </dsp:style>
+    </dsp:sp>
+    <dsp:sp modelId="{8FFD9FAC-31EE-447C-843B-548F3C21855A}">
+      <dsp:nvSpPr>
+        <dsp:cNvPr id="0" name=""/>
+        <dsp:cNvSpPr/>
+      </dsp:nvSpPr>
+      <dsp:spPr>
+        <a:xfrm>
+          <a:off x="1844034" y="3992098"/>
+          <a:ext cx="4401230" cy="1596566"/>
+        </a:xfrm>
+        <a:prstGeom prst="rect">
+          <a:avLst/>
+        </a:prstGeom>
+        <a:noFill/>
+        <a:ln>
+          <a:noFill/>
+        </a:ln>
+        <a:effectLst/>
+      </dsp:spPr>
+      <dsp:style>
+        <a:lnRef idx="0">
+          <a:scrgbClr r="0" g="0" b="0"/>
+        </a:lnRef>
+        <a:fillRef idx="0">
+          <a:scrgbClr r="0" g="0" b="0"/>
+        </a:fillRef>
+        <a:effectRef idx="0">
+          <a:scrgbClr r="0" g="0" b="0"/>
+        </a:effectRef>
+        <a:fontRef idx="minor"/>
+      </dsp:style>
+      <dsp:txBody>
+        <a:bodyPr spcFirstLastPara="0" vert="horz" wrap="square" lIns="168970" tIns="168970" rIns="168970" bIns="168970" numCol="1" spcCol="1270" anchor="ctr" anchorCtr="0">
+          <a:noAutofit/>
+        </a:bodyPr>
+        <a:lstStyle/>
+        <a:p>
+          <a:pPr marL="0" lvl="0" indent="0" algn="l" defTabSz="800100">
+            <a:lnSpc>
+              <a:spcPct val="90000"/>
+            </a:lnSpc>
+            <a:spcBef>
+              <a:spcPct val="0"/>
+            </a:spcBef>
+            <a:spcAft>
+              <a:spcPct val="35000"/>
+            </a:spcAft>
+            <a:buNone/>
+          </a:pPr>
+          <a:r>
+            <a:rPr lang="es-CL" sz="1800" kern="1200" dirty="0"/>
+            <a:t>Una vez con las imágenes, realizamos cálculos de NDSI, NDGI, NDWI, para poder realizar cálculos de área para los glaciares, mediante técnicas de clustering</a:t>
+          </a:r>
+          <a:endParaRPr lang="en-US" sz="1800" kern="1200" dirty="0"/>
+        </a:p>
+      </dsp:txBody>
+      <dsp:txXfrm>
+        <a:off x="1844034" y="3992098"/>
+        <a:ext cx="4401230" cy="1596566"/>
+      </dsp:txXfrm>
+    </dsp:sp>
+  </dsp:spTree>
+</dsp:drawing>
+</file>
+
+<file path=ppt/diagrams/drawing2.xml><?xml version="1.0" encoding="utf-8"?>
+<dsp:drawing xmlns:dgm="http://schemas.openxmlformats.org/drawingml/2006/diagram" xmlns:dsp="http://schemas.microsoft.com/office/drawing/2008/diagram" xmlns:a="http://schemas.openxmlformats.org/drawingml/2006/main">
+  <dsp:spTree>
+    <dsp:nvGrpSpPr>
+      <dsp:cNvPr id="0" name=""/>
+      <dsp:cNvGrpSpPr/>
+    </dsp:nvGrpSpPr>
+    <dsp:grpSpPr/>
     <dsp:sp modelId="{B1FF951A-98C6-47F2-8EB9-D030F1E7A635}">
       <dsp:nvSpPr>
         <dsp:cNvPr id="0" name=""/>
@@ -1606,7 +3330,7 @@
           </a:pPr>
           <a:r>
             <a:rPr lang="es-CL" sz="1100" kern="1200" dirty="0"/>
-            <a:t>El efecto que tienen el glaciar en los acuíferos cercanos, mediante el cálculo del área de estos a través de los años.</a:t>
+            <a:t>El efecto que tienen el glaciar en los acuíferos cercanos, mediante el cálculo del aumento del área de estos a través de los años.</a:t>
           </a:r>
           <a:endParaRPr lang="en-US" sz="1100" kern="1200" dirty="0"/>
         </a:p>
@@ -1723,10 +3447,10 @@
             <a:buNone/>
           </a:pPr>
           <a:r>
-            <a:rPr lang="es-CL" sz="1100" kern="1200"/>
+            <a:rPr lang="es-CL" sz="1100" kern="1200" dirty="0"/>
             <a:t>Generalizar el cálculo de lo anterior para distintos años y tener un panorama de tiempo más amplio</a:t>
           </a:r>
-          <a:endParaRPr lang="en-US" sz="1100" kern="1200"/>
+          <a:endParaRPr lang="en-US" sz="1100" kern="1200" dirty="0"/>
         </a:p>
       </dsp:txBody>
       <dsp:txXfrm>
@@ -1978,6 +3702,300 @@
 </file>
 
 <file path=ppt/diagrams/layout1.xml><?xml version="1.0" encoding="utf-8"?>
+<dgm:layoutDef xmlns:dgm="http://schemas.openxmlformats.org/drawingml/2006/diagram" xmlns:a="http://schemas.openxmlformats.org/drawingml/2006/main" uniqueId="urn:microsoft.com/office/officeart/2018/2/layout/IconVerticalSolidList">
+  <dgm:title val="Icon Vertical Solid List"/>
+  <dgm:desc val="Use to show a series of visuals from top to bottom with Level 1 or Level 1 and Level 2 text grouped in a shape. Works best with icons or small pictures with lengthier descriptions."/>
+  <dgm:catLst>
+    <dgm:cat type="icon" pri="500"/>
+  </dgm:catLst>
+  <dgm:sampData useDef="1">
+    <dgm:dataModel>
+      <dgm:ptLst/>
+      <dgm:bg/>
+      <dgm:whole/>
+    </dgm:dataModel>
+  </dgm:sampData>
+  <dgm:styleData useDef="1">
+    <dgm:dataModel>
+      <dgm:ptLst/>
+      <dgm:bg/>
+      <dgm:whole/>
+    </dgm:dataModel>
+  </dgm:styleData>
+  <dgm:clrData useDef="1">
+    <dgm:dataModel>
+      <dgm:ptLst/>
+      <dgm:bg/>
+      <dgm:whole/>
+    </dgm:dataModel>
+  </dgm:clrData>
+  <dgm:layoutNode name="root">
+    <dgm:varLst>
+      <dgm:dir/>
+      <dgm:resizeHandles val="exact"/>
+    </dgm:varLst>
+    <dgm:choose name="Name0">
+      <dgm:if name="Name1" axis="self" func="var" arg="dir" op="equ" val="norm">
+        <dgm:alg type="lin">
+          <dgm:param type="linDir" val="fromT"/>
+          <dgm:param type="nodeHorzAlign" val="l"/>
+        </dgm:alg>
+      </dgm:if>
+      <dgm:else name="Name2">
+        <dgm:alg type="lin">
+          <dgm:param type="linDir" val="fromT"/>
+          <dgm:param type="nodeHorzAlign" val="r"/>
+        </dgm:alg>
+      </dgm:else>
+    </dgm:choose>
+    <dgm:shape xmlns:r="http://schemas.openxmlformats.org/officeDocument/2006/relationships" r:blip="">
+      <dgm:adjLst/>
+    </dgm:shape>
+    <dgm:presOf/>
+    <dgm:choose name="Name3">
+      <dgm:if name="Name4" axis="ch" ptType="node" func="cnt" op="lte" val="3">
+        <dgm:constrLst>
+          <dgm:constr type="h" for="ch" forName="compNode" refType="h" fact="0.3"/>
+          <dgm:constr type="w" for="ch" forName="compNode" refType="w"/>
+          <dgm:constr type="h" for="ch" forName="sibTrans" refType="h" refFor="ch" refForName="compNode" fact="0.25"/>
+          <dgm:constr type="primFontSz" for="des" forName="parTx" val="25"/>
+          <dgm:constr type="primFontSz" for="des" forName="desTx" refType="primFontSz" refFor="des" refForName="parTx" op="lte" fact="0.75"/>
+          <dgm:constr type="h" for="des" forName="compNode" op="equ"/>
+          <dgm:constr type="h" for="des" forName="bgRect" op="equ"/>
+          <dgm:constr type="h" for="des" forName="iconRect" op="equ"/>
+          <dgm:constr type="w" for="des" forName="iconRect" op="equ"/>
+          <dgm:constr type="h" for="des" forName="spaceRect" op="equ"/>
+          <dgm:constr type="h" for="des" forName="parTx" op="equ"/>
+          <dgm:constr type="h" for="des" forName="desTx" op="equ"/>
+        </dgm:constrLst>
+      </dgm:if>
+      <dgm:if name="Name5" axis="ch" ptType="node" func="cnt" op="lte" val="4">
+        <dgm:constrLst>
+          <dgm:constr type="h" for="ch" forName="compNode" refType="h" fact="0.3"/>
+          <dgm:constr type="w" for="ch" forName="compNode" refType="w"/>
+          <dgm:constr type="h" for="ch" forName="sibTrans" refType="h" refFor="ch" refForName="compNode" fact="0.25"/>
+          <dgm:constr type="primFontSz" for="des" forName="parTx" val="22"/>
+          <dgm:constr type="primFontSz" for="des" forName="desTx" refType="primFontSz" refFor="des" refForName="parTx" op="lte" fact="0.75"/>
+          <dgm:constr type="h" for="des" forName="compNode" op="equ"/>
+          <dgm:constr type="h" for="des" forName="bgRect" op="equ"/>
+          <dgm:constr type="h" for="des" forName="iconRect" op="equ"/>
+          <dgm:constr type="w" for="des" forName="iconRect" op="equ"/>
+          <dgm:constr type="h" for="des" forName="spaceRect" op="equ"/>
+          <dgm:constr type="h" for="des" forName="parTx" op="equ"/>
+          <dgm:constr type="h" for="des" forName="desTx" op="equ"/>
+        </dgm:constrLst>
+      </dgm:if>
+      <dgm:if name="Name6" axis="ch" ptType="node" func="cnt" op="lte" val="6">
+        <dgm:constrLst>
+          <dgm:constr type="h" for="ch" forName="compNode" refType="h" fact="0.3"/>
+          <dgm:constr type="w" for="ch" forName="compNode" refType="w"/>
+          <dgm:constr type="h" for="ch" forName="sibTrans" refType="h" refFor="ch" refForName="compNode" fact="0.25"/>
+          <dgm:constr type="primFontSz" for="des" forName="parTx" val="19"/>
+          <dgm:constr type="primFontSz" for="des" forName="desTx" refType="primFontSz" refFor="des" refForName="parTx" op="lte" fact="0.75"/>
+          <dgm:constr type="h" for="des" forName="compNode" op="equ"/>
+          <dgm:constr type="h" for="des" forName="bgRect" op="equ"/>
+          <dgm:constr type="h" for="des" forName="iconRect" op="equ"/>
+          <dgm:constr type="w" for="des" forName="iconRect" op="equ"/>
+          <dgm:constr type="h" for="des" forName="spaceRect" op="equ"/>
+          <dgm:constr type="h" for="des" forName="parTx" op="equ"/>
+          <dgm:constr type="h" for="des" forName="desTx" op="equ"/>
+        </dgm:constrLst>
+      </dgm:if>
+      <dgm:else name="Name7">
+        <dgm:constrLst>
+          <dgm:constr type="h" for="ch" forName="compNode" refType="h" fact="0.3"/>
+          <dgm:constr type="w" for="ch" forName="compNode" refType="w"/>
+          <dgm:constr type="h" for="ch" forName="sibTrans" refType="h" refFor="ch" refForName="compNode" fact="0.25"/>
+          <dgm:constr type="primFontSz" for="des" forName="parTx" val="16"/>
+          <dgm:constr type="primFontSz" for="des" forName="desTx" refType="primFontSz" refFor="des" refForName="parTx" op="lte" fact="0.75"/>
+          <dgm:constr type="h" for="des" forName="compNode" op="equ"/>
+          <dgm:constr type="h" for="des" forName="bgRect" op="equ"/>
+          <dgm:constr type="h" for="des" forName="iconRect" op="equ"/>
+          <dgm:constr type="w" for="des" forName="iconRect" op="equ"/>
+          <dgm:constr type="h" for="des" forName="spaceRect" op="equ"/>
+          <dgm:constr type="h" for="des" forName="parTx" op="equ"/>
+          <dgm:constr type="h" for="des" forName="desTx" op="equ"/>
+        </dgm:constrLst>
+      </dgm:else>
+    </dgm:choose>
+    <dgm:ruleLst>
+      <dgm:rule type="h" for="ch" forName="compNode" val="0" fact="NaN" max="NaN"/>
+    </dgm:ruleLst>
+    <dgm:forEach name="Name8" axis="ch" ptType="node">
+      <dgm:layoutNode name="compNode">
+        <dgm:alg type="composite"/>
+        <dgm:shape xmlns:r="http://schemas.openxmlformats.org/officeDocument/2006/relationships" r:blip="">
+          <dgm:adjLst/>
+        </dgm:shape>
+        <dgm:presOf axis="self"/>
+        <dgm:choose name="Name9">
+          <dgm:if name="Name10" axis="ch" ptType="node" func="cnt" op="gte" val="1">
+            <dgm:constrLst>
+              <dgm:constr type="w" for="ch" forName="bgRect" refType="w"/>
+              <dgm:constr type="h" for="ch" forName="bgRect" refType="h"/>
+              <dgm:constr type="l" for="ch" forName="bgRect"/>
+              <dgm:constr type="t" for="ch" forName="bgRect"/>
+              <dgm:constr type="h" for="ch" forName="iconRect" refType="h" fact="0.55"/>
+              <dgm:constr type="w" for="ch" forName="iconRect" refType="h" refFor="ch" refForName="iconRect"/>
+              <dgm:constr type="l" for="ch" forName="iconRect" refType="h" refFor="ch" refForName="iconRect" fact="0.55"/>
+              <dgm:constr type="ctrY" for="ch" forName="iconRect" refType="ctrY" refFor="ch" refForName="bgRect"/>
+              <dgm:constr type="w" for="ch" forName="spaceRect" refType="l" refFor="ch" refForName="iconRect"/>
+              <dgm:constr type="h" for="ch" forName="spaceRect" refType="h"/>
+              <dgm:constr type="l" for="ch" forName="spaceRect" refType="r" refFor="ch" refForName="iconRect"/>
+              <dgm:constr type="t" for="ch" forName="spaceRect"/>
+              <dgm:constr type="w" for="ch" forName="parTx" refType="w" fact="0.45"/>
+              <dgm:constr type="h" for="ch" forName="parTx" refType="h"/>
+              <dgm:constr type="l" for="ch" forName="parTx" refType="r" refFor="ch" refForName="spaceRect"/>
+              <dgm:constr type="t" for="ch" forName="parTx"/>
+              <dgm:constr type="h" for="ch" forName="desTx" refType="h"/>
+              <dgm:constr type="l" for="ch" forName="desTx" refType="r" refFor="ch" refForName="parTx"/>
+              <dgm:constr type="t" for="ch" forName="desTx"/>
+            </dgm:constrLst>
+          </dgm:if>
+          <dgm:else name="Name11">
+            <dgm:constrLst>
+              <dgm:constr type="w" for="ch" forName="bgRect" refType="w"/>
+              <dgm:constr type="h" for="ch" forName="bgRect" refType="h"/>
+              <dgm:constr type="l" for="ch" forName="bgRect"/>
+              <dgm:constr type="t" for="ch" forName="bgRect"/>
+              <dgm:constr type="h" for="ch" forName="iconRect" refType="h" fact="0.55"/>
+              <dgm:constr type="w" for="ch" forName="iconRect" refType="h" refFor="ch" refForName="iconRect"/>
+              <dgm:constr type="l" for="ch" forName="iconRect" refType="h" refFor="ch" refForName="iconRect" fact="0.55"/>
+              <dgm:constr type="ctrY" for="ch" forName="iconRect" refType="ctrY" refFor="ch" refForName="bgRect"/>
+              <dgm:constr type="w" for="ch" forName="spaceRect" refType="l" refFor="ch" refForName="iconRect"/>
+              <dgm:constr type="h" for="ch" forName="spaceRect" refType="h"/>
+              <dgm:constr type="l" for="ch" forName="spaceRect" refType="r" refFor="ch" refForName="iconRect"/>
+              <dgm:constr type="t" for="ch" forName="spaceRect"/>
+              <dgm:constr type="h" for="ch" forName="parTx" refType="h"/>
+              <dgm:constr type="l" for="ch" forName="parTx" refType="r" refFor="ch" refForName="spaceRect"/>
+              <dgm:constr type="t" for="ch" forName="parTx"/>
+            </dgm:constrLst>
+          </dgm:else>
+        </dgm:choose>
+        <dgm:ruleLst>
+          <dgm:rule type="h" val="INF" fact="NaN" max="NaN"/>
+        </dgm:ruleLst>
+        <dgm:layoutNode name="bgRect" styleLbl="bgShp">
+          <dgm:alg type="sp"/>
+          <dgm:shape xmlns:r="http://schemas.openxmlformats.org/officeDocument/2006/relationships" type="roundRect" r:blip="">
+            <dgm:adjLst>
+              <dgm:adj idx="1" val="0.1"/>
+            </dgm:adjLst>
+          </dgm:shape>
+          <dgm:presOf/>
+          <dgm:constrLst/>
+          <dgm:ruleLst/>
+        </dgm:layoutNode>
+        <dgm:layoutNode name="iconRect" styleLbl="node1">
+          <dgm:alg type="sp"/>
+          <dgm:shape xmlns:r="http://schemas.openxmlformats.org/officeDocument/2006/relationships" type="rect" r:blip="" blipPhldr="1">
+            <dgm:adjLst/>
+          </dgm:shape>
+          <dgm:presOf/>
+          <dgm:constrLst/>
+          <dgm:ruleLst/>
+        </dgm:layoutNode>
+        <dgm:layoutNode name="spaceRect">
+          <dgm:alg type="sp"/>
+          <dgm:shape xmlns:r="http://schemas.openxmlformats.org/officeDocument/2006/relationships" r:blip="">
+            <dgm:adjLst/>
+          </dgm:shape>
+          <dgm:presOf/>
+          <dgm:constrLst/>
+          <dgm:ruleLst/>
+        </dgm:layoutNode>
+        <dgm:layoutNode name="parTx" styleLbl="revTx">
+          <dgm:varLst>
+            <dgm:chMax val="0"/>
+            <dgm:chPref val="0"/>
+          </dgm:varLst>
+          <dgm:alg type="tx">
+            <dgm:param type="txAnchorVert" val="mid"/>
+            <dgm:param type="parTxLTRAlign" val="l"/>
+            <dgm:param type="shpTxLTRAlignCh" val="l"/>
+            <dgm:param type="parTxRTLAlign" val="r"/>
+            <dgm:param type="shpTxRTLAlignCh" val="r"/>
+          </dgm:alg>
+          <dgm:shape xmlns:r="http://schemas.openxmlformats.org/officeDocument/2006/relationships" type="rect" r:blip="">
+            <dgm:adjLst/>
+          </dgm:shape>
+          <dgm:presOf axis="self" ptType="node"/>
+          <dgm:constrLst>
+            <dgm:constr type="lMarg" refType="h" fact="0.3"/>
+            <dgm:constr type="rMarg" refType="h" fact="0.3"/>
+            <dgm:constr type="tMarg" refType="h" fact="0.3"/>
+            <dgm:constr type="bMarg" refType="h" fact="0.3"/>
+          </dgm:constrLst>
+          <dgm:ruleLst>
+            <dgm:rule type="primFontSz" val="14" fact="NaN" max="NaN"/>
+            <dgm:rule type="h" val="INF" fact="NaN" max="NaN"/>
+          </dgm:ruleLst>
+        </dgm:layoutNode>
+        <dgm:choose name="Name12">
+          <dgm:if name="Name13" axis="ch" ptType="node" func="cnt" op="gte" val="1">
+            <dgm:layoutNode name="desTx" styleLbl="revTx">
+              <dgm:varLst/>
+              <dgm:alg type="tx">
+                <dgm:param type="txAnchorVertCh" val="mid"/>
+                <dgm:param type="parTxLTRAlign" val="l"/>
+                <dgm:param type="shpTxLTRAlignCh" val="l"/>
+                <dgm:param type="parTxRTLAlign" val="r"/>
+                <dgm:param type="shpTxRTLAlignCh" val="r"/>
+                <dgm:param type="stBulletLvl" val="0"/>
+              </dgm:alg>
+              <dgm:shape xmlns:r="http://schemas.openxmlformats.org/officeDocument/2006/relationships" type="rect" r:blip="">
+                <dgm:adjLst/>
+              </dgm:shape>
+              <dgm:presOf axis="des" ptType="node"/>
+              <dgm:constrLst>
+                <dgm:constr type="primFontSz" val="18"/>
+                <dgm:constr type="secFontSz" refType="primFontSz"/>
+                <dgm:constr type="lMarg" refType="h" fact="0.3"/>
+                <dgm:constr type="rMarg" refType="h" fact="0.3"/>
+                <dgm:constr type="tMarg" refType="h" fact="0.3"/>
+                <dgm:constr type="bMarg" refType="h" fact="0.3"/>
+              </dgm:constrLst>
+              <dgm:ruleLst>
+                <dgm:rule type="primFontSz" val="11" fact="NaN" max="NaN"/>
+              </dgm:ruleLst>
+            </dgm:layoutNode>
+          </dgm:if>
+          <dgm:else name="Name14"/>
+        </dgm:choose>
+      </dgm:layoutNode>
+      <dgm:forEach name="Name15" axis="followSib" ptType="sibTrans" cnt="1">
+        <dgm:layoutNode name="sibTrans">
+          <dgm:alg type="sp"/>
+          <dgm:shape xmlns:r="http://schemas.openxmlformats.org/officeDocument/2006/relationships" r:blip="">
+            <dgm:adjLst/>
+          </dgm:shape>
+          <dgm:presOf axis="self"/>
+          <dgm:constrLst/>
+          <dgm:ruleLst/>
+        </dgm:layoutNode>
+      </dgm:forEach>
+    </dgm:forEach>
+  </dgm:layoutNode>
+  <dgm:extLst>
+    <a:ext uri="{68A01E43-0DF5-4B5B-8FA6-DAF915123BFB}">
+      <dgm1612:lstStyle xmlns:dgm1612="http://schemas.microsoft.com/office/drawing/2016/12/diagram">
+        <a:lvl1pPr>
+          <a:lnSpc>
+            <a:spcPct val="100000"/>
+          </a:lnSpc>
+        </a:lvl1pPr>
+        <a:lvl2pPr>
+          <a:lnSpc>
+            <a:spcPct val="100000"/>
+          </a:lnSpc>
+        </a:lvl2pPr>
+      </dgm1612:lstStyle>
+    </a:ext>
+  </dgm:extLst>
+</dgm:layoutDef>
+</file>
+
+<file path=ppt/diagrams/layout2.xml><?xml version="1.0" encoding="utf-8"?>
 <dgm:layoutDef xmlns:dgm="http://schemas.openxmlformats.org/drawingml/2006/diagram" xmlns:a="http://schemas.openxmlformats.org/drawingml/2006/main" uniqueId="urn:microsoft.com/office/officeart/2018/2/layout/IconLabelList">
   <dgm:title val="Icon Label List"/>
   <dgm:desc val="Use to show non-sequential or grouped chunks of information accompanied by a related visuals. Works best with icons or small pictures with short text captions."/>
@@ -3201,6 +5219,1040 @@
 </dgm:styleDef>
 </file>
 
+<file path=ppt/diagrams/quickStyle2.xml><?xml version="1.0" encoding="utf-8"?>
+<dgm:styleDef xmlns:dgm="http://schemas.openxmlformats.org/drawingml/2006/diagram" xmlns:a="http://schemas.openxmlformats.org/drawingml/2006/main" uniqueId="urn:microsoft.com/office/officeart/2005/8/quickstyle/simple1">
+  <dgm:title val=""/>
+  <dgm:desc val=""/>
+  <dgm:catLst>
+    <dgm:cat type="simple" pri="10100"/>
+  </dgm:catLst>
+  <dgm:scene3d>
+    <a:camera prst="orthographicFront"/>
+    <a:lightRig rig="threePt" dir="t"/>
+  </dgm:scene3d>
+  <dgm:styleLbl name="node0">
+    <dgm:scene3d>
+      <a:camera prst="orthographicFront"/>
+      <a:lightRig rig="threePt" dir="t"/>
+    </dgm:scene3d>
+    <dgm:sp3d/>
+    <dgm:txPr/>
+    <dgm:style>
+      <a:lnRef idx="2">
+        <a:scrgbClr r="0" g="0" b="0"/>
+      </a:lnRef>
+      <a:fillRef idx="1">
+        <a:scrgbClr r="0" g="0" b="0"/>
+      </a:fillRef>
+      <a:effectRef idx="0">
+        <a:scrgbClr r="0" g="0" b="0"/>
+      </a:effectRef>
+      <a:fontRef idx="minor">
+        <a:schemeClr val="lt1"/>
+      </a:fontRef>
+    </dgm:style>
+  </dgm:styleLbl>
+  <dgm:styleLbl name="lnNode1">
+    <dgm:scene3d>
+      <a:camera prst="orthographicFront"/>
+      <a:lightRig rig="threePt" dir="t"/>
+    </dgm:scene3d>
+    <dgm:sp3d/>
+    <dgm:txPr/>
+    <dgm:style>
+      <a:lnRef idx="2">
+        <a:scrgbClr r="0" g="0" b="0"/>
+      </a:lnRef>
+      <a:fillRef idx="1">
+        <a:scrgbClr r="0" g="0" b="0"/>
+      </a:fillRef>
+      <a:effectRef idx="0">
+        <a:scrgbClr r="0" g="0" b="0"/>
+      </a:effectRef>
+      <a:fontRef idx="minor">
+        <a:schemeClr val="lt1"/>
+      </a:fontRef>
+    </dgm:style>
+  </dgm:styleLbl>
+  <dgm:styleLbl name="vennNode1">
+    <dgm:scene3d>
+      <a:camera prst="orthographicFront"/>
+      <a:lightRig rig="threePt" dir="t"/>
+    </dgm:scene3d>
+    <dgm:sp3d/>
+    <dgm:txPr/>
+    <dgm:style>
+      <a:lnRef idx="2">
+        <a:scrgbClr r="0" g="0" b="0"/>
+      </a:lnRef>
+      <a:fillRef idx="1">
+        <a:scrgbClr r="0" g="0" b="0"/>
+      </a:fillRef>
+      <a:effectRef idx="0">
+        <a:scrgbClr r="0" g="0" b="0"/>
+      </a:effectRef>
+      <a:fontRef idx="minor">
+        <a:schemeClr val="tx1"/>
+      </a:fontRef>
+    </dgm:style>
+  </dgm:styleLbl>
+  <dgm:styleLbl name="alignNode1">
+    <dgm:scene3d>
+      <a:camera prst="orthographicFront"/>
+      <a:lightRig rig="threePt" dir="t"/>
+    </dgm:scene3d>
+    <dgm:sp3d/>
+    <dgm:txPr/>
+    <dgm:style>
+      <a:lnRef idx="2">
+        <a:scrgbClr r="0" g="0" b="0"/>
+      </a:lnRef>
+      <a:fillRef idx="1">
+        <a:scrgbClr r="0" g="0" b="0"/>
+      </a:fillRef>
+      <a:effectRef idx="0">
+        <a:scrgbClr r="0" g="0" b="0"/>
+      </a:effectRef>
+      <a:fontRef idx="minor">
+        <a:schemeClr val="lt1"/>
+      </a:fontRef>
+    </dgm:style>
+  </dgm:styleLbl>
+  <dgm:styleLbl name="node1">
+    <dgm:scene3d>
+      <a:camera prst="orthographicFront"/>
+      <a:lightRig rig="threePt" dir="t"/>
+    </dgm:scene3d>
+    <dgm:sp3d/>
+    <dgm:txPr/>
+    <dgm:style>
+      <a:lnRef idx="2">
+        <a:scrgbClr r="0" g="0" b="0"/>
+      </a:lnRef>
+      <a:fillRef idx="1">
+        <a:scrgbClr r="0" g="0" b="0"/>
+      </a:fillRef>
+      <a:effectRef idx="0">
+        <a:scrgbClr r="0" g="0" b="0"/>
+      </a:effectRef>
+      <a:fontRef idx="minor">
+        <a:schemeClr val="lt1"/>
+      </a:fontRef>
+    </dgm:style>
+  </dgm:styleLbl>
+  <dgm:styleLbl name="node2">
+    <dgm:scene3d>
+      <a:camera prst="orthographicFront"/>
+      <a:lightRig rig="threePt" dir="t"/>
+    </dgm:scene3d>
+    <dgm:sp3d/>
+    <dgm:txPr/>
+    <dgm:style>
+      <a:lnRef idx="2">
+        <a:scrgbClr r="0" g="0" b="0"/>
+      </a:lnRef>
+      <a:fillRef idx="1">
+        <a:scrgbClr r="0" g="0" b="0"/>
+      </a:fillRef>
+      <a:effectRef idx="0">
+        <a:scrgbClr r="0" g="0" b="0"/>
+      </a:effectRef>
+      <a:fontRef idx="minor">
+        <a:schemeClr val="lt1"/>
+      </a:fontRef>
+    </dgm:style>
+  </dgm:styleLbl>
+  <dgm:styleLbl name="node3">
+    <dgm:scene3d>
+      <a:camera prst="orthographicFront"/>
+      <a:lightRig rig="threePt" dir="t"/>
+    </dgm:scene3d>
+    <dgm:sp3d/>
+    <dgm:txPr/>
+    <dgm:style>
+      <a:lnRef idx="2">
+        <a:scrgbClr r="0" g="0" b="0"/>
+      </a:lnRef>
+      <a:fillRef idx="1">
+        <a:scrgbClr r="0" g="0" b="0"/>
+      </a:fillRef>
+      <a:effectRef idx="0">
+        <a:scrgbClr r="0" g="0" b="0"/>
+      </a:effectRef>
+      <a:fontRef idx="minor">
+        <a:schemeClr val="lt1"/>
+      </a:fontRef>
+    </dgm:style>
+  </dgm:styleLbl>
+  <dgm:styleLbl name="node4">
+    <dgm:scene3d>
+      <a:camera prst="orthographicFront"/>
+      <a:lightRig rig="threePt" dir="t"/>
+    </dgm:scene3d>
+    <dgm:sp3d/>
+    <dgm:txPr/>
+    <dgm:style>
+      <a:lnRef idx="2">
+        <a:scrgbClr r="0" g="0" b="0"/>
+      </a:lnRef>
+      <a:fillRef idx="1">
+        <a:scrgbClr r="0" g="0" b="0"/>
+      </a:fillRef>
+      <a:effectRef idx="0">
+        <a:scrgbClr r="0" g="0" b="0"/>
+      </a:effectRef>
+      <a:fontRef idx="minor">
+        <a:schemeClr val="lt1"/>
+      </a:fontRef>
+    </dgm:style>
+  </dgm:styleLbl>
+  <dgm:styleLbl name="fgImgPlace1">
+    <dgm:scene3d>
+      <a:camera prst="orthographicFront"/>
+      <a:lightRig rig="threePt" dir="t"/>
+    </dgm:scene3d>
+    <dgm:sp3d/>
+    <dgm:txPr/>
+    <dgm:style>
+      <a:lnRef idx="2">
+        <a:scrgbClr r="0" g="0" b="0"/>
+      </a:lnRef>
+      <a:fillRef idx="1">
+        <a:scrgbClr r="0" g="0" b="0"/>
+      </a:fillRef>
+      <a:effectRef idx="0">
+        <a:scrgbClr r="0" g="0" b="0"/>
+      </a:effectRef>
+      <a:fontRef idx="minor"/>
+    </dgm:style>
+  </dgm:styleLbl>
+  <dgm:styleLbl name="alignImgPlace1">
+    <dgm:scene3d>
+      <a:camera prst="orthographicFront"/>
+      <a:lightRig rig="threePt" dir="t"/>
+    </dgm:scene3d>
+    <dgm:sp3d/>
+    <dgm:txPr/>
+    <dgm:style>
+      <a:lnRef idx="2">
+        <a:scrgbClr r="0" g="0" b="0"/>
+      </a:lnRef>
+      <a:fillRef idx="1">
+        <a:scrgbClr r="0" g="0" b="0"/>
+      </a:fillRef>
+      <a:effectRef idx="0">
+        <a:scrgbClr r="0" g="0" b="0"/>
+      </a:effectRef>
+      <a:fontRef idx="minor"/>
+    </dgm:style>
+  </dgm:styleLbl>
+  <dgm:styleLbl name="bgImgPlace1">
+    <dgm:scene3d>
+      <a:camera prst="orthographicFront"/>
+      <a:lightRig rig="threePt" dir="t"/>
+    </dgm:scene3d>
+    <dgm:sp3d/>
+    <dgm:txPr/>
+    <dgm:style>
+      <a:lnRef idx="2">
+        <a:scrgbClr r="0" g="0" b="0"/>
+      </a:lnRef>
+      <a:fillRef idx="1">
+        <a:scrgbClr r="0" g="0" b="0"/>
+      </a:fillRef>
+      <a:effectRef idx="0">
+        <a:scrgbClr r="0" g="0" b="0"/>
+      </a:effectRef>
+      <a:fontRef idx="minor"/>
+    </dgm:style>
+  </dgm:styleLbl>
+  <dgm:styleLbl name="sibTrans2D1">
+    <dgm:scene3d>
+      <a:camera prst="orthographicFront"/>
+      <a:lightRig rig="threePt" dir="t"/>
+    </dgm:scene3d>
+    <dgm:sp3d/>
+    <dgm:txPr/>
+    <dgm:style>
+      <a:lnRef idx="0">
+        <a:scrgbClr r="0" g="0" b="0"/>
+      </a:lnRef>
+      <a:fillRef idx="1">
+        <a:scrgbClr r="0" g="0" b="0"/>
+      </a:fillRef>
+      <a:effectRef idx="0">
+        <a:scrgbClr r="0" g="0" b="0"/>
+      </a:effectRef>
+      <a:fontRef idx="minor">
+        <a:schemeClr val="lt1"/>
+      </a:fontRef>
+    </dgm:style>
+  </dgm:styleLbl>
+  <dgm:styleLbl name="fgSibTrans2D1">
+    <dgm:scene3d>
+      <a:camera prst="orthographicFront"/>
+      <a:lightRig rig="threePt" dir="t"/>
+    </dgm:scene3d>
+    <dgm:sp3d/>
+    <dgm:txPr/>
+    <dgm:style>
+      <a:lnRef idx="0">
+        <a:scrgbClr r="0" g="0" b="0"/>
+      </a:lnRef>
+      <a:fillRef idx="1">
+        <a:scrgbClr r="0" g="0" b="0"/>
+      </a:fillRef>
+      <a:effectRef idx="0">
+        <a:scrgbClr r="0" g="0" b="0"/>
+      </a:effectRef>
+      <a:fontRef idx="minor">
+        <a:schemeClr val="lt1"/>
+      </a:fontRef>
+    </dgm:style>
+  </dgm:styleLbl>
+  <dgm:styleLbl name="bgSibTrans2D1">
+    <dgm:scene3d>
+      <a:camera prst="orthographicFront"/>
+      <a:lightRig rig="threePt" dir="t"/>
+    </dgm:scene3d>
+    <dgm:sp3d/>
+    <dgm:txPr/>
+    <dgm:style>
+      <a:lnRef idx="0">
+        <a:scrgbClr r="0" g="0" b="0"/>
+      </a:lnRef>
+      <a:fillRef idx="1">
+        <a:scrgbClr r="0" g="0" b="0"/>
+      </a:fillRef>
+      <a:effectRef idx="0">
+        <a:scrgbClr r="0" g="0" b="0"/>
+      </a:effectRef>
+      <a:fontRef idx="minor">
+        <a:schemeClr val="lt1"/>
+      </a:fontRef>
+    </dgm:style>
+  </dgm:styleLbl>
+  <dgm:styleLbl name="sibTrans1D1">
+    <dgm:scene3d>
+      <a:camera prst="orthographicFront"/>
+      <a:lightRig rig="threePt" dir="t"/>
+    </dgm:scene3d>
+    <dgm:sp3d/>
+    <dgm:txPr/>
+    <dgm:style>
+      <a:lnRef idx="1">
+        <a:scrgbClr r="0" g="0" b="0"/>
+      </a:lnRef>
+      <a:fillRef idx="0">
+        <a:scrgbClr r="0" g="0" b="0"/>
+      </a:fillRef>
+      <a:effectRef idx="0">
+        <a:scrgbClr r="0" g="0" b="0"/>
+      </a:effectRef>
+      <a:fontRef idx="minor"/>
+    </dgm:style>
+  </dgm:styleLbl>
+  <dgm:styleLbl name="callout">
+    <dgm:scene3d>
+      <a:camera prst="orthographicFront"/>
+      <a:lightRig rig="threePt" dir="t"/>
+    </dgm:scene3d>
+    <dgm:sp3d/>
+    <dgm:txPr/>
+    <dgm:style>
+      <a:lnRef idx="2">
+        <a:scrgbClr r="0" g="0" b="0"/>
+      </a:lnRef>
+      <a:fillRef idx="1">
+        <a:scrgbClr r="0" g="0" b="0"/>
+      </a:fillRef>
+      <a:effectRef idx="0">
+        <a:scrgbClr r="0" g="0" b="0"/>
+      </a:effectRef>
+      <a:fontRef idx="minor"/>
+    </dgm:style>
+  </dgm:styleLbl>
+  <dgm:styleLbl name="asst0">
+    <dgm:scene3d>
+      <a:camera prst="orthographicFront"/>
+      <a:lightRig rig="threePt" dir="t"/>
+    </dgm:scene3d>
+    <dgm:sp3d/>
+    <dgm:txPr/>
+    <dgm:style>
+      <a:lnRef idx="2">
+        <a:scrgbClr r="0" g="0" b="0"/>
+      </a:lnRef>
+      <a:fillRef idx="1">
+        <a:scrgbClr r="0" g="0" b="0"/>
+      </a:fillRef>
+      <a:effectRef idx="0">
+        <a:scrgbClr r="0" g="0" b="0"/>
+      </a:effectRef>
+      <a:fontRef idx="minor">
+        <a:schemeClr val="lt1"/>
+      </a:fontRef>
+    </dgm:style>
+  </dgm:styleLbl>
+  <dgm:styleLbl name="asst1">
+    <dgm:scene3d>
+      <a:camera prst="orthographicFront"/>
+      <a:lightRig rig="threePt" dir="t"/>
+    </dgm:scene3d>
+    <dgm:sp3d/>
+    <dgm:txPr/>
+    <dgm:style>
+      <a:lnRef idx="2">
+        <a:scrgbClr r="0" g="0" b="0"/>
+      </a:lnRef>
+      <a:fillRef idx="1">
+        <a:scrgbClr r="0" g="0" b="0"/>
+      </a:fillRef>
+      <a:effectRef idx="0">
+        <a:scrgbClr r="0" g="0" b="0"/>
+      </a:effectRef>
+      <a:fontRef idx="minor">
+        <a:schemeClr val="lt1"/>
+      </a:fontRef>
+    </dgm:style>
+  </dgm:styleLbl>
+  <dgm:styleLbl name="asst2">
+    <dgm:scene3d>
+      <a:camera prst="orthographicFront"/>
+      <a:lightRig rig="threePt" dir="t"/>
+    </dgm:scene3d>
+    <dgm:sp3d/>
+    <dgm:txPr/>
+    <dgm:style>
+      <a:lnRef idx="2">
+        <a:scrgbClr r="0" g="0" b="0"/>
+      </a:lnRef>
+      <a:fillRef idx="1">
+        <a:scrgbClr r="0" g="0" b="0"/>
+      </a:fillRef>
+      <a:effectRef idx="0">
+        <a:scrgbClr r="0" g="0" b="0"/>
+      </a:effectRef>
+      <a:fontRef idx="minor">
+        <a:schemeClr val="lt1"/>
+      </a:fontRef>
+    </dgm:style>
+  </dgm:styleLbl>
+  <dgm:styleLbl name="asst3">
+    <dgm:scene3d>
+      <a:camera prst="orthographicFront"/>
+      <a:lightRig rig="threePt" dir="t"/>
+    </dgm:scene3d>
+    <dgm:sp3d/>
+    <dgm:txPr/>
+    <dgm:style>
+      <a:lnRef idx="2">
+        <a:scrgbClr r="0" g="0" b="0"/>
+      </a:lnRef>
+      <a:fillRef idx="1">
+        <a:scrgbClr r="0" g="0" b="0"/>
+      </a:fillRef>
+      <a:effectRef idx="0">
+        <a:scrgbClr r="0" g="0" b="0"/>
+      </a:effectRef>
+      <a:fontRef idx="minor">
+        <a:schemeClr val="lt1"/>
+      </a:fontRef>
+    </dgm:style>
+  </dgm:styleLbl>
+  <dgm:styleLbl name="asst4">
+    <dgm:scene3d>
+      <a:camera prst="orthographicFront"/>
+      <a:lightRig rig="threePt" dir="t"/>
+    </dgm:scene3d>
+    <dgm:sp3d/>
+    <dgm:txPr/>
+    <dgm:style>
+      <a:lnRef idx="2">
+        <a:scrgbClr r="0" g="0" b="0"/>
+      </a:lnRef>
+      <a:fillRef idx="1">
+        <a:scrgbClr r="0" g="0" b="0"/>
+      </a:fillRef>
+      <a:effectRef idx="0">
+        <a:scrgbClr r="0" g="0" b="0"/>
+      </a:effectRef>
+      <a:fontRef idx="minor">
+        <a:schemeClr val="lt1"/>
+      </a:fontRef>
+    </dgm:style>
+  </dgm:styleLbl>
+  <dgm:styleLbl name="parChTrans2D1">
+    <dgm:scene3d>
+      <a:camera prst="orthographicFront"/>
+      <a:lightRig rig="threePt" dir="t"/>
+    </dgm:scene3d>
+    <dgm:sp3d/>
+    <dgm:txPr/>
+    <dgm:style>
+      <a:lnRef idx="2">
+        <a:scrgbClr r="0" g="0" b="0"/>
+      </a:lnRef>
+      <a:fillRef idx="1">
+        <a:scrgbClr r="0" g="0" b="0"/>
+      </a:fillRef>
+      <a:effectRef idx="0">
+        <a:scrgbClr r="0" g="0" b="0"/>
+      </a:effectRef>
+      <a:fontRef idx="minor">
+        <a:schemeClr val="lt1"/>
+      </a:fontRef>
+    </dgm:style>
+  </dgm:styleLbl>
+  <dgm:styleLbl name="parChTrans2D2">
+    <dgm:scene3d>
+      <a:camera prst="orthographicFront"/>
+      <a:lightRig rig="threePt" dir="t"/>
+    </dgm:scene3d>
+    <dgm:sp3d/>
+    <dgm:txPr/>
+    <dgm:style>
+      <a:lnRef idx="2">
+        <a:scrgbClr r="0" g="0" b="0"/>
+      </a:lnRef>
+      <a:fillRef idx="1">
+        <a:scrgbClr r="0" g="0" b="0"/>
+      </a:fillRef>
+      <a:effectRef idx="0">
+        <a:scrgbClr r="0" g="0" b="0"/>
+      </a:effectRef>
+      <a:fontRef idx="minor">
+        <a:schemeClr val="lt1"/>
+      </a:fontRef>
+    </dgm:style>
+  </dgm:styleLbl>
+  <dgm:styleLbl name="parChTrans2D3">
+    <dgm:scene3d>
+      <a:camera prst="orthographicFront"/>
+      <a:lightRig rig="threePt" dir="t"/>
+    </dgm:scene3d>
+    <dgm:sp3d/>
+    <dgm:txPr/>
+    <dgm:style>
+      <a:lnRef idx="2">
+        <a:scrgbClr r="0" g="0" b="0"/>
+      </a:lnRef>
+      <a:fillRef idx="1">
+        <a:scrgbClr r="0" g="0" b="0"/>
+      </a:fillRef>
+      <a:effectRef idx="0">
+        <a:scrgbClr r="0" g="0" b="0"/>
+      </a:effectRef>
+      <a:fontRef idx="minor">
+        <a:schemeClr val="lt1"/>
+      </a:fontRef>
+    </dgm:style>
+  </dgm:styleLbl>
+  <dgm:styleLbl name="parChTrans2D4">
+    <dgm:scene3d>
+      <a:camera prst="orthographicFront"/>
+      <a:lightRig rig="threePt" dir="t"/>
+    </dgm:scene3d>
+    <dgm:sp3d/>
+    <dgm:txPr/>
+    <dgm:style>
+      <a:lnRef idx="2">
+        <a:scrgbClr r="0" g="0" b="0"/>
+      </a:lnRef>
+      <a:fillRef idx="1">
+        <a:scrgbClr r="0" g="0" b="0"/>
+      </a:fillRef>
+      <a:effectRef idx="0">
+        <a:scrgbClr r="0" g="0" b="0"/>
+      </a:effectRef>
+      <a:fontRef idx="minor">
+        <a:schemeClr val="lt1"/>
+      </a:fontRef>
+    </dgm:style>
+  </dgm:styleLbl>
+  <dgm:styleLbl name="parChTrans1D1">
+    <dgm:scene3d>
+      <a:camera prst="orthographicFront"/>
+      <a:lightRig rig="threePt" dir="t"/>
+    </dgm:scene3d>
+    <dgm:sp3d/>
+    <dgm:txPr/>
+    <dgm:style>
+      <a:lnRef idx="2">
+        <a:scrgbClr r="0" g="0" b="0"/>
+      </a:lnRef>
+      <a:fillRef idx="0">
+        <a:scrgbClr r="0" g="0" b="0"/>
+      </a:fillRef>
+      <a:effectRef idx="0">
+        <a:scrgbClr r="0" g="0" b="0"/>
+      </a:effectRef>
+      <a:fontRef idx="minor"/>
+    </dgm:style>
+  </dgm:styleLbl>
+  <dgm:styleLbl name="parChTrans1D2">
+    <dgm:scene3d>
+      <a:camera prst="orthographicFront"/>
+      <a:lightRig rig="threePt" dir="t"/>
+    </dgm:scene3d>
+    <dgm:sp3d/>
+    <dgm:txPr/>
+    <dgm:style>
+      <a:lnRef idx="2">
+        <a:scrgbClr r="0" g="0" b="0"/>
+      </a:lnRef>
+      <a:fillRef idx="0">
+        <a:scrgbClr r="0" g="0" b="0"/>
+      </a:fillRef>
+      <a:effectRef idx="0">
+        <a:scrgbClr r="0" g="0" b="0"/>
+      </a:effectRef>
+      <a:fontRef idx="minor"/>
+    </dgm:style>
+  </dgm:styleLbl>
+  <dgm:styleLbl name="parChTrans1D3">
+    <dgm:scene3d>
+      <a:camera prst="orthographicFront"/>
+      <a:lightRig rig="threePt" dir="t"/>
+    </dgm:scene3d>
+    <dgm:sp3d/>
+    <dgm:txPr/>
+    <dgm:style>
+      <a:lnRef idx="2">
+        <a:scrgbClr r="0" g="0" b="0"/>
+      </a:lnRef>
+      <a:fillRef idx="0">
+        <a:scrgbClr r="0" g="0" b="0"/>
+      </a:fillRef>
+      <a:effectRef idx="0">
+        <a:scrgbClr r="0" g="0" b="0"/>
+      </a:effectRef>
+      <a:fontRef idx="minor"/>
+    </dgm:style>
+  </dgm:styleLbl>
+  <dgm:styleLbl name="parChTrans1D4">
+    <dgm:scene3d>
+      <a:camera prst="orthographicFront"/>
+      <a:lightRig rig="threePt" dir="t"/>
+    </dgm:scene3d>
+    <dgm:sp3d/>
+    <dgm:txPr/>
+    <dgm:style>
+      <a:lnRef idx="2">
+        <a:scrgbClr r="0" g="0" b="0"/>
+      </a:lnRef>
+      <a:fillRef idx="0">
+        <a:scrgbClr r="0" g="0" b="0"/>
+      </a:fillRef>
+      <a:effectRef idx="0">
+        <a:scrgbClr r="0" g="0" b="0"/>
+      </a:effectRef>
+      <a:fontRef idx="minor"/>
+    </dgm:style>
+  </dgm:styleLbl>
+  <dgm:styleLbl name="fgAcc1">
+    <dgm:scene3d>
+      <a:camera prst="orthographicFront"/>
+      <a:lightRig rig="threePt" dir="t"/>
+    </dgm:scene3d>
+    <dgm:sp3d/>
+    <dgm:txPr/>
+    <dgm:style>
+      <a:lnRef idx="2">
+        <a:scrgbClr r="0" g="0" b="0"/>
+      </a:lnRef>
+      <a:fillRef idx="1">
+        <a:scrgbClr r="0" g="0" b="0"/>
+      </a:fillRef>
+      <a:effectRef idx="0">
+        <a:scrgbClr r="0" g="0" b="0"/>
+      </a:effectRef>
+      <a:fontRef idx="minor"/>
+    </dgm:style>
+  </dgm:styleLbl>
+  <dgm:styleLbl name="conFgAcc1">
+    <dgm:scene3d>
+      <a:camera prst="orthographicFront"/>
+      <a:lightRig rig="threePt" dir="t"/>
+    </dgm:scene3d>
+    <dgm:sp3d/>
+    <dgm:txPr/>
+    <dgm:style>
+      <a:lnRef idx="2">
+        <a:scrgbClr r="0" g="0" b="0"/>
+      </a:lnRef>
+      <a:fillRef idx="1">
+        <a:scrgbClr r="0" g="0" b="0"/>
+      </a:fillRef>
+      <a:effectRef idx="0">
+        <a:scrgbClr r="0" g="0" b="0"/>
+      </a:effectRef>
+      <a:fontRef idx="minor"/>
+    </dgm:style>
+  </dgm:styleLbl>
+  <dgm:styleLbl name="alignAcc1">
+    <dgm:scene3d>
+      <a:camera prst="orthographicFront"/>
+      <a:lightRig rig="threePt" dir="t"/>
+    </dgm:scene3d>
+    <dgm:sp3d/>
+    <dgm:txPr/>
+    <dgm:style>
+      <a:lnRef idx="2">
+        <a:scrgbClr r="0" g="0" b="0"/>
+      </a:lnRef>
+      <a:fillRef idx="1">
+        <a:scrgbClr r="0" g="0" b="0"/>
+      </a:fillRef>
+      <a:effectRef idx="0">
+        <a:scrgbClr r="0" g="0" b="0"/>
+      </a:effectRef>
+      <a:fontRef idx="minor"/>
+    </dgm:style>
+  </dgm:styleLbl>
+  <dgm:styleLbl name="trAlignAcc1">
+    <dgm:scene3d>
+      <a:camera prst="orthographicFront"/>
+      <a:lightRig rig="threePt" dir="t"/>
+    </dgm:scene3d>
+    <dgm:sp3d/>
+    <dgm:txPr/>
+    <dgm:style>
+      <a:lnRef idx="1">
+        <a:scrgbClr r="0" g="0" b="0"/>
+      </a:lnRef>
+      <a:fillRef idx="1">
+        <a:scrgbClr r="0" g="0" b="0"/>
+      </a:fillRef>
+      <a:effectRef idx="0">
+        <a:scrgbClr r="0" g="0" b="0"/>
+      </a:effectRef>
+      <a:fontRef idx="minor"/>
+    </dgm:style>
+  </dgm:styleLbl>
+  <dgm:styleLbl name="bgAcc1">
+    <dgm:scene3d>
+      <a:camera prst="orthographicFront"/>
+      <a:lightRig rig="threePt" dir="t"/>
+    </dgm:scene3d>
+    <dgm:sp3d/>
+    <dgm:txPr/>
+    <dgm:style>
+      <a:lnRef idx="2">
+        <a:scrgbClr r="0" g="0" b="0"/>
+      </a:lnRef>
+      <a:fillRef idx="1">
+        <a:scrgbClr r="0" g="0" b="0"/>
+      </a:fillRef>
+      <a:effectRef idx="0">
+        <a:scrgbClr r="0" g="0" b="0"/>
+      </a:effectRef>
+      <a:fontRef idx="minor"/>
+    </dgm:style>
+  </dgm:styleLbl>
+  <dgm:styleLbl name="solidFgAcc1">
+    <dgm:scene3d>
+      <a:camera prst="orthographicFront"/>
+      <a:lightRig rig="threePt" dir="t"/>
+    </dgm:scene3d>
+    <dgm:sp3d/>
+    <dgm:txPr/>
+    <dgm:style>
+      <a:lnRef idx="2">
+        <a:scrgbClr r="0" g="0" b="0"/>
+      </a:lnRef>
+      <a:fillRef idx="1">
+        <a:scrgbClr r="0" g="0" b="0"/>
+      </a:fillRef>
+      <a:effectRef idx="0">
+        <a:scrgbClr r="0" g="0" b="0"/>
+      </a:effectRef>
+      <a:fontRef idx="minor"/>
+    </dgm:style>
+  </dgm:styleLbl>
+  <dgm:styleLbl name="solidAlignAcc1">
+    <dgm:scene3d>
+      <a:camera prst="orthographicFront"/>
+      <a:lightRig rig="threePt" dir="t"/>
+    </dgm:scene3d>
+    <dgm:sp3d/>
+    <dgm:txPr/>
+    <dgm:style>
+      <a:lnRef idx="2">
+        <a:scrgbClr r="0" g="0" b="0"/>
+      </a:lnRef>
+      <a:fillRef idx="1">
+        <a:scrgbClr r="0" g="0" b="0"/>
+      </a:fillRef>
+      <a:effectRef idx="0">
+        <a:scrgbClr r="0" g="0" b="0"/>
+      </a:effectRef>
+      <a:fontRef idx="minor"/>
+    </dgm:style>
+  </dgm:styleLbl>
+  <dgm:styleLbl name="solidBgAcc1">
+    <dgm:scene3d>
+      <a:camera prst="orthographicFront"/>
+      <a:lightRig rig="threePt" dir="t"/>
+    </dgm:scene3d>
+    <dgm:sp3d/>
+    <dgm:txPr/>
+    <dgm:style>
+      <a:lnRef idx="2">
+        <a:scrgbClr r="0" g="0" b="0"/>
+      </a:lnRef>
+      <a:fillRef idx="1">
+        <a:scrgbClr r="0" g="0" b="0"/>
+      </a:fillRef>
+      <a:effectRef idx="0">
+        <a:scrgbClr r="0" g="0" b="0"/>
+      </a:effectRef>
+      <a:fontRef idx="minor"/>
+    </dgm:style>
+  </dgm:styleLbl>
+  <dgm:styleLbl name="fgAccFollowNode1">
+    <dgm:scene3d>
+      <a:camera prst="orthographicFront"/>
+      <a:lightRig rig="threePt" dir="t"/>
+    </dgm:scene3d>
+    <dgm:sp3d/>
+    <dgm:txPr/>
+    <dgm:style>
+      <a:lnRef idx="2">
+        <a:scrgbClr r="0" g="0" b="0"/>
+      </a:lnRef>
+      <a:fillRef idx="1">
+        <a:scrgbClr r="0" g="0" b="0"/>
+      </a:fillRef>
+      <a:effectRef idx="0">
+        <a:scrgbClr r="0" g="0" b="0"/>
+      </a:effectRef>
+      <a:fontRef idx="minor"/>
+    </dgm:style>
+  </dgm:styleLbl>
+  <dgm:styleLbl name="alignAccFollowNode1">
+    <dgm:scene3d>
+      <a:camera prst="orthographicFront"/>
+      <a:lightRig rig="threePt" dir="t"/>
+    </dgm:scene3d>
+    <dgm:sp3d/>
+    <dgm:txPr/>
+    <dgm:style>
+      <a:lnRef idx="2">
+        <a:scrgbClr r="0" g="0" b="0"/>
+      </a:lnRef>
+      <a:fillRef idx="1">
+        <a:scrgbClr r="0" g="0" b="0"/>
+      </a:fillRef>
+      <a:effectRef idx="0">
+        <a:scrgbClr r="0" g="0" b="0"/>
+      </a:effectRef>
+      <a:fontRef idx="minor"/>
+    </dgm:style>
+  </dgm:styleLbl>
+  <dgm:styleLbl name="bgAccFollowNode1">
+    <dgm:scene3d>
+      <a:camera prst="orthographicFront"/>
+      <a:lightRig rig="threePt" dir="t"/>
+    </dgm:scene3d>
+    <dgm:sp3d/>
+    <dgm:txPr/>
+    <dgm:style>
+      <a:lnRef idx="2">
+        <a:scrgbClr r="0" g="0" b="0"/>
+      </a:lnRef>
+      <a:fillRef idx="1">
+        <a:scrgbClr r="0" g="0" b="0"/>
+      </a:fillRef>
+      <a:effectRef idx="0">
+        <a:scrgbClr r="0" g="0" b="0"/>
+      </a:effectRef>
+      <a:fontRef idx="minor"/>
+    </dgm:style>
+  </dgm:styleLbl>
+  <dgm:styleLbl name="fgAcc0">
+    <dgm:scene3d>
+      <a:camera prst="orthographicFront"/>
+      <a:lightRig rig="threePt" dir="t"/>
+    </dgm:scene3d>
+    <dgm:sp3d/>
+    <dgm:txPr/>
+    <dgm:style>
+      <a:lnRef idx="2">
+        <a:scrgbClr r="0" g="0" b="0"/>
+      </a:lnRef>
+      <a:fillRef idx="1">
+        <a:scrgbClr r="0" g="0" b="0"/>
+      </a:fillRef>
+      <a:effectRef idx="0">
+        <a:scrgbClr r="0" g="0" b="0"/>
+      </a:effectRef>
+      <a:fontRef idx="minor"/>
+    </dgm:style>
+  </dgm:styleLbl>
+  <dgm:styleLbl name="fgAcc2">
+    <dgm:scene3d>
+      <a:camera prst="orthographicFront"/>
+      <a:lightRig rig="threePt" dir="t"/>
+    </dgm:scene3d>
+    <dgm:sp3d/>
+    <dgm:txPr/>
+    <dgm:style>
+      <a:lnRef idx="2">
+        <a:scrgbClr r="0" g="0" b="0"/>
+      </a:lnRef>
+      <a:fillRef idx="1">
+        <a:scrgbClr r="0" g="0" b="0"/>
+      </a:fillRef>
+      <a:effectRef idx="0">
+        <a:scrgbClr r="0" g="0" b="0"/>
+      </a:effectRef>
+      <a:fontRef idx="minor"/>
+    </dgm:style>
+  </dgm:styleLbl>
+  <dgm:styleLbl name="fgAcc3">
+    <dgm:scene3d>
+      <a:camera prst="orthographicFront"/>
+      <a:lightRig rig="threePt" dir="t"/>
+    </dgm:scene3d>
+    <dgm:sp3d/>
+    <dgm:txPr/>
+    <dgm:style>
+      <a:lnRef idx="2">
+        <a:scrgbClr r="0" g="0" b="0"/>
+      </a:lnRef>
+      <a:fillRef idx="1">
+        <a:scrgbClr r="0" g="0" b="0"/>
+      </a:fillRef>
+      <a:effectRef idx="0">
+        <a:scrgbClr r="0" g="0" b="0"/>
+      </a:effectRef>
+      <a:fontRef idx="minor"/>
+    </dgm:style>
+  </dgm:styleLbl>
+  <dgm:styleLbl name="fgAcc4">
+    <dgm:scene3d>
+      <a:camera prst="orthographicFront"/>
+      <a:lightRig rig="threePt" dir="t"/>
+    </dgm:scene3d>
+    <dgm:sp3d/>
+    <dgm:txPr/>
+    <dgm:style>
+      <a:lnRef idx="2">
+        <a:scrgbClr r="0" g="0" b="0"/>
+      </a:lnRef>
+      <a:fillRef idx="1">
+        <a:scrgbClr r="0" g="0" b="0"/>
+      </a:fillRef>
+      <a:effectRef idx="0">
+        <a:scrgbClr r="0" g="0" b="0"/>
+      </a:effectRef>
+      <a:fontRef idx="minor"/>
+    </dgm:style>
+  </dgm:styleLbl>
+  <dgm:styleLbl name="bgShp">
+    <dgm:scene3d>
+      <a:camera prst="orthographicFront"/>
+      <a:lightRig rig="threePt" dir="t"/>
+    </dgm:scene3d>
+    <dgm:sp3d/>
+    <dgm:txPr/>
+    <dgm:style>
+      <a:lnRef idx="0">
+        <a:scrgbClr r="0" g="0" b="0"/>
+      </a:lnRef>
+      <a:fillRef idx="1">
+        <a:scrgbClr r="0" g="0" b="0"/>
+      </a:fillRef>
+      <a:effectRef idx="0">
+        <a:scrgbClr r="0" g="0" b="0"/>
+      </a:effectRef>
+      <a:fontRef idx="minor"/>
+    </dgm:style>
+  </dgm:styleLbl>
+  <dgm:styleLbl name="dkBgShp">
+    <dgm:scene3d>
+      <a:camera prst="orthographicFront"/>
+      <a:lightRig rig="threePt" dir="t"/>
+    </dgm:scene3d>
+    <dgm:sp3d/>
+    <dgm:txPr/>
+    <dgm:style>
+      <a:lnRef idx="0">
+        <a:scrgbClr r="0" g="0" b="0"/>
+      </a:lnRef>
+      <a:fillRef idx="1">
+        <a:scrgbClr r="0" g="0" b="0"/>
+      </a:fillRef>
+      <a:effectRef idx="0">
+        <a:scrgbClr r="0" g="0" b="0"/>
+      </a:effectRef>
+      <a:fontRef idx="minor"/>
+    </dgm:style>
+  </dgm:styleLbl>
+  <dgm:styleLbl name="trBgShp">
+    <dgm:scene3d>
+      <a:camera prst="orthographicFront"/>
+      <a:lightRig rig="threePt" dir="t"/>
+    </dgm:scene3d>
+    <dgm:sp3d/>
+    <dgm:txPr/>
+    <dgm:style>
+      <a:lnRef idx="0">
+        <a:scrgbClr r="0" g="0" b="0"/>
+      </a:lnRef>
+      <a:fillRef idx="1">
+        <a:scrgbClr r="0" g="0" b="0"/>
+      </a:fillRef>
+      <a:effectRef idx="0">
+        <a:scrgbClr r="0" g="0" b="0"/>
+      </a:effectRef>
+      <a:fontRef idx="minor"/>
+    </dgm:style>
+  </dgm:styleLbl>
+  <dgm:styleLbl name="fgShp">
+    <dgm:scene3d>
+      <a:camera prst="orthographicFront"/>
+      <a:lightRig rig="threePt" dir="t"/>
+    </dgm:scene3d>
+    <dgm:sp3d/>
+    <dgm:txPr/>
+    <dgm:style>
+      <a:lnRef idx="2">
+        <a:scrgbClr r="0" g="0" b="0"/>
+      </a:lnRef>
+      <a:fillRef idx="1">
+        <a:scrgbClr r="0" g="0" b="0"/>
+      </a:fillRef>
+      <a:effectRef idx="0">
+        <a:scrgbClr r="0" g="0" b="0"/>
+      </a:effectRef>
+      <a:fontRef idx="minor"/>
+    </dgm:style>
+  </dgm:styleLbl>
+  <dgm:styleLbl name="revTx">
+    <dgm:scene3d>
+      <a:camera prst="orthographicFront"/>
+      <a:lightRig rig="threePt" dir="t"/>
+    </dgm:scene3d>
+    <dgm:sp3d/>
+    <dgm:txPr/>
+    <dgm:style>
+      <a:lnRef idx="0">
+        <a:scrgbClr r="0" g="0" b="0"/>
+      </a:lnRef>
+      <a:fillRef idx="0">
+        <a:scrgbClr r="0" g="0" b="0"/>
+      </a:fillRef>
+      <a:effectRef idx="0">
+        <a:scrgbClr r="0" g="0" b="0"/>
+      </a:effectRef>
+      <a:fontRef idx="minor"/>
+    </dgm:style>
+  </dgm:styleLbl>
+</dgm:styleDef>
+</file>
+
 <file path=ppt/notesMasters/notesMaster1.xml><?xml version="1.0" encoding="utf-8"?>
 <p:notesMaster xmlns:a="http://schemas.openxmlformats.org/drawingml/2006/main" xmlns:r="http://schemas.openxmlformats.org/officeDocument/2006/relationships" xmlns:p="http://schemas.openxmlformats.org/presentationml/2006/main">
   <p:cSld>
@@ -3283,7 +6335,7 @@
           <a:p>
             <a:fld id="{D34A9591-081E-46BD-AB50-459BCE9C6F42}" type="datetimeFigureOut">
               <a:rPr lang="es-CL" smtClean="0"/>
-              <a:t>07-06-2024</a:t>
+              <a:t>08-06-2024</a:t>
             </a:fld>
             <a:endParaRPr lang="es-CL"/>
           </a:p>
@@ -3616,7 +6668,7 @@
           <a:p>
             <a:fld id="{F58A8C7B-6F5B-4E8A-A0D2-4F96119657D0}" type="slidenum">
               <a:rPr lang="es-CL" smtClean="0"/>
-              <a:t>5</a:t>
+              <a:t>6</a:t>
             </a:fld>
             <a:endParaRPr lang="es-CL"/>
           </a:p>
@@ -3784,7 +6836,7 @@
           <a:p>
             <a:fld id="{46175AED-1DAC-4804-921B-08FF94198418}" type="datetimeFigureOut">
               <a:rPr lang="es-CL" smtClean="0"/>
-              <a:t>07-06-2024</a:t>
+              <a:t>08-06-2024</a:t>
             </a:fld>
             <a:endParaRPr lang="es-CL"/>
           </a:p>
@@ -3984,7 +7036,7 @@
           <a:p>
             <a:fld id="{46175AED-1DAC-4804-921B-08FF94198418}" type="datetimeFigureOut">
               <a:rPr lang="es-CL" smtClean="0"/>
-              <a:t>07-06-2024</a:t>
+              <a:t>08-06-2024</a:t>
             </a:fld>
             <a:endParaRPr lang="es-CL"/>
           </a:p>
@@ -4194,7 +7246,7 @@
           <a:p>
             <a:fld id="{46175AED-1DAC-4804-921B-08FF94198418}" type="datetimeFigureOut">
               <a:rPr lang="es-CL" smtClean="0"/>
-              <a:t>07-06-2024</a:t>
+              <a:t>08-06-2024</a:t>
             </a:fld>
             <a:endParaRPr lang="es-CL"/>
           </a:p>
@@ -4394,7 +7446,7 @@
           <a:p>
             <a:fld id="{46175AED-1DAC-4804-921B-08FF94198418}" type="datetimeFigureOut">
               <a:rPr lang="es-CL" smtClean="0"/>
-              <a:t>07-06-2024</a:t>
+              <a:t>08-06-2024</a:t>
             </a:fld>
             <a:endParaRPr lang="es-CL"/>
           </a:p>
@@ -4670,7 +7722,7 @@
           <a:p>
             <a:fld id="{46175AED-1DAC-4804-921B-08FF94198418}" type="datetimeFigureOut">
               <a:rPr lang="es-CL" smtClean="0"/>
-              <a:t>07-06-2024</a:t>
+              <a:t>08-06-2024</a:t>
             </a:fld>
             <a:endParaRPr lang="es-CL"/>
           </a:p>
@@ -4938,7 +7990,7 @@
           <a:p>
             <a:fld id="{46175AED-1DAC-4804-921B-08FF94198418}" type="datetimeFigureOut">
               <a:rPr lang="es-CL" smtClean="0"/>
-              <a:t>07-06-2024</a:t>
+              <a:t>08-06-2024</a:t>
             </a:fld>
             <a:endParaRPr lang="es-CL"/>
           </a:p>
@@ -5353,7 +8405,7 @@
           <a:p>
             <a:fld id="{46175AED-1DAC-4804-921B-08FF94198418}" type="datetimeFigureOut">
               <a:rPr lang="es-CL" smtClean="0"/>
-              <a:t>07-06-2024</a:t>
+              <a:t>08-06-2024</a:t>
             </a:fld>
             <a:endParaRPr lang="es-CL"/>
           </a:p>
@@ -5495,7 +8547,7 @@
           <a:p>
             <a:fld id="{46175AED-1DAC-4804-921B-08FF94198418}" type="datetimeFigureOut">
               <a:rPr lang="es-CL" smtClean="0"/>
-              <a:t>07-06-2024</a:t>
+              <a:t>08-06-2024</a:t>
             </a:fld>
             <a:endParaRPr lang="es-CL"/>
           </a:p>
@@ -5608,7 +8660,7 @@
           <a:p>
             <a:fld id="{46175AED-1DAC-4804-921B-08FF94198418}" type="datetimeFigureOut">
               <a:rPr lang="es-CL" smtClean="0"/>
-              <a:t>07-06-2024</a:t>
+              <a:t>08-06-2024</a:t>
             </a:fld>
             <a:endParaRPr lang="es-CL"/>
           </a:p>
@@ -5921,7 +8973,7 @@
           <a:p>
             <a:fld id="{46175AED-1DAC-4804-921B-08FF94198418}" type="datetimeFigureOut">
               <a:rPr lang="es-CL" smtClean="0"/>
-              <a:t>07-06-2024</a:t>
+              <a:t>08-06-2024</a:t>
             </a:fld>
             <a:endParaRPr lang="es-CL"/>
           </a:p>
@@ -6210,7 +9262,7 @@
           <a:p>
             <a:fld id="{46175AED-1DAC-4804-921B-08FF94198418}" type="datetimeFigureOut">
               <a:rPr lang="es-CL" smtClean="0"/>
-              <a:t>07-06-2024</a:t>
+              <a:t>08-06-2024</a:t>
             </a:fld>
             <a:endParaRPr lang="es-CL"/>
           </a:p>
@@ -6453,7 +9505,7 @@
           <a:p>
             <a:fld id="{46175AED-1DAC-4804-921B-08FF94198418}" type="datetimeFigureOut">
               <a:rPr lang="es-CL" smtClean="0"/>
-              <a:t>07-06-2024</a:t>
+              <a:t>08-06-2024</a:t>
             </a:fld>
             <a:endParaRPr lang="es-CL"/>
           </a:p>
@@ -6934,7 +9986,7 @@
           <a:lstStyle/>
           <a:p>
             <a:pPr algn="ctr"/>
-            <a:endParaRPr lang="en-US"/>
+            <a:endParaRPr lang="en-US" dirty="0"/>
           </a:p>
         </p:txBody>
       </p:sp>
@@ -6968,7 +10020,7 @@
           <a:p>
             <a:pPr algn="l"/>
             <a:br>
-              <a:rPr lang="es-CL" sz="5000" b="0" i="0">
+              <a:rPr lang="es-CL" sz="5000" b="0" i="0" dirty="0">
                 <a:effectLst/>
                 <a:highlight>
                   <a:srgbClr val="F2F2F2"/>
@@ -6977,7 +10029,7 @@
               </a:rPr>
             </a:br>
             <a:br>
-              <a:rPr lang="es-CL" sz="5000" b="0" i="0">
+              <a:rPr lang="es-CL" sz="5000" b="0" i="0" dirty="0">
                 <a:effectLst/>
                 <a:highlight>
                   <a:srgbClr val="F2F2F2"/>
@@ -6986,17 +10038,17 @@
               </a:rPr>
             </a:br>
             <a:br>
-              <a:rPr lang="es-CL" sz="5000"/>
+              <a:rPr lang="es-CL" sz="5000" dirty="0"/>
             </a:br>
             <a:r>
-              <a:rPr lang="es-CL" sz="5000"/>
+              <a:rPr lang="es-CL" sz="5000" dirty="0"/>
               <a:t>Trabajo Final</a:t>
             </a:r>
             <a:br>
-              <a:rPr lang="es-CL" sz="5000"/>
+              <a:rPr lang="es-CL" sz="5000" dirty="0"/>
             </a:br>
             <a:r>
-              <a:rPr lang="es-CL" sz="5000"/>
+              <a:rPr lang="es-CL" sz="5000" dirty="0"/>
               <a:t>Entrega 1</a:t>
             </a:r>
           </a:p>
@@ -7545,7 +10597,7 @@
           <a:lstStyle/>
           <a:p>
             <a:pPr algn="ctr"/>
-            <a:endParaRPr lang="en-US"/>
+            <a:endParaRPr lang="en-US" dirty="0"/>
           </a:p>
         </p:txBody>
       </p:sp>
@@ -7643,7 +10695,7 @@
           <a:lstStyle/>
           <a:p>
             <a:pPr algn="ctr"/>
-            <a:endParaRPr lang="en-US"/>
+            <a:endParaRPr lang="en-US" dirty="0"/>
           </a:p>
         </p:txBody>
       </p:sp>
@@ -8722,7 +11774,7 @@
             <a:bodyPr rtlCol="0" anchor="ctr"/>
             <a:lstStyle/>
             <a:p>
-              <a:endParaRPr lang="en-US"/>
+              <a:endParaRPr lang="en-US" dirty="0"/>
             </a:p>
           </p:txBody>
         </p:sp>
@@ -9633,7 +12685,7 @@
             <a:bodyPr rtlCol="0" anchor="ctr"/>
             <a:lstStyle/>
             <a:p>
-              <a:endParaRPr lang="en-US"/>
+              <a:endParaRPr lang="en-US" dirty="0"/>
             </a:p>
           </p:txBody>
         </p:sp>
@@ -10649,7 +13701,7 @@
             <a:lstStyle/>
             <a:p>
               <a:pPr algn="ctr"/>
-              <a:endParaRPr lang="en-US">
+              <a:endParaRPr lang="en-US" dirty="0">
                 <a:solidFill>
                   <a:schemeClr val="lt1"/>
                 </a:solidFill>
@@ -10923,7 +13975,7 @@
           <a:lstStyle/>
           <a:p>
             <a:r>
-              <a:rPr lang="en-US" sz="3600">
+              <a:rPr lang="es-CL" sz="3600" dirty="0">
                 <a:solidFill>
                   <a:schemeClr val="tx2"/>
                 </a:solidFill>
@@ -10960,7 +14012,7 @@
           </a:bodyPr>
           <a:lstStyle/>
           <a:p>
-            <a:pPr indent="-228600">
+            <a:pPr indent="-228600" algn="just">
               <a:lnSpc>
                 <a:spcPct val="90000"/>
               </a:lnSpc>
@@ -10971,361 +14023,12 @@
               <a:buChar char="•"/>
             </a:pPr>
             <a:r>
-              <a:rPr lang="en-US" sz="1500" dirty="0" err="1">
+              <a:rPr lang="es-CL" sz="1500" dirty="0">
                 <a:solidFill>
                   <a:schemeClr val="tx2"/>
                 </a:solidFill>
               </a:rPr>
-              <a:t>Análisis</a:t>
-            </a:r>
-            <a:r>
-              <a:rPr lang="en-US" sz="1500" dirty="0">
-                <a:solidFill>
-                  <a:schemeClr val="tx2"/>
-                </a:solidFill>
-              </a:rPr>
-              <a:t> </a:t>
-            </a:r>
-            <a:r>
-              <a:rPr lang="en-US" sz="1500" dirty="0" err="1">
-                <a:solidFill>
-                  <a:schemeClr val="tx2"/>
-                </a:solidFill>
-              </a:rPr>
-              <a:t>cuantitativos</a:t>
-            </a:r>
-            <a:r>
-              <a:rPr lang="en-US" sz="1500" dirty="0">
-                <a:solidFill>
-                  <a:schemeClr val="tx2"/>
-                </a:solidFill>
-              </a:rPr>
-              <a:t> y </a:t>
-            </a:r>
-            <a:r>
-              <a:rPr lang="en-US" sz="1500" dirty="0" err="1">
-                <a:solidFill>
-                  <a:schemeClr val="tx2"/>
-                </a:solidFill>
-              </a:rPr>
-              <a:t>monitoreo</a:t>
-            </a:r>
-            <a:r>
-              <a:rPr lang="en-US" sz="1500" dirty="0">
-                <a:solidFill>
-                  <a:schemeClr val="tx2"/>
-                </a:solidFill>
-              </a:rPr>
-              <a:t> de </a:t>
-            </a:r>
-            <a:r>
-              <a:rPr lang="en-US" sz="1500" dirty="0" err="1">
-                <a:solidFill>
-                  <a:schemeClr val="tx2"/>
-                </a:solidFill>
-              </a:rPr>
-              <a:t>glaciares</a:t>
-            </a:r>
-            <a:r>
-              <a:rPr lang="en-US" sz="1500" dirty="0">
-                <a:solidFill>
-                  <a:schemeClr val="tx2"/>
-                </a:solidFill>
-              </a:rPr>
-              <a:t>.</a:t>
-            </a:r>
-          </a:p>
-          <a:p>
-            <a:pPr indent="-228600">
-              <a:lnSpc>
-                <a:spcPct val="90000"/>
-              </a:lnSpc>
-              <a:spcAft>
-                <a:spcPts val="600"/>
-              </a:spcAft>
-              <a:buFont typeface="Arial" panose="020B0604020202020204" pitchFamily="34" charset="0"/>
-              <a:buChar char="•"/>
-            </a:pPr>
-            <a:endParaRPr lang="en-US" sz="1500" dirty="0">
-              <a:solidFill>
-                <a:schemeClr val="tx2"/>
-              </a:solidFill>
-            </a:endParaRPr>
-          </a:p>
-          <a:p>
-            <a:pPr indent="-228600">
-              <a:lnSpc>
-                <a:spcPct val="90000"/>
-              </a:lnSpc>
-              <a:spcAft>
-                <a:spcPts val="600"/>
-              </a:spcAft>
-              <a:buFont typeface="Arial" panose="020B0604020202020204" pitchFamily="34" charset="0"/>
-              <a:buChar char="•"/>
-            </a:pPr>
-            <a:r>
-              <a:rPr lang="en-US" sz="1500" dirty="0">
-                <a:solidFill>
-                  <a:schemeClr val="tx2"/>
-                </a:solidFill>
-              </a:rPr>
-              <a:t>El </a:t>
-            </a:r>
-            <a:r>
-              <a:rPr lang="en-US" sz="1500" dirty="0" err="1">
-                <a:solidFill>
-                  <a:schemeClr val="tx2"/>
-                </a:solidFill>
-              </a:rPr>
-              <a:t>objetivo</a:t>
-            </a:r>
-            <a:r>
-              <a:rPr lang="en-US" sz="1500" dirty="0">
-                <a:solidFill>
-                  <a:schemeClr val="tx2"/>
-                </a:solidFill>
-              </a:rPr>
-              <a:t> es </a:t>
-            </a:r>
-            <a:r>
-              <a:rPr lang="en-US" sz="1500" dirty="0" err="1">
-                <a:solidFill>
-                  <a:schemeClr val="tx2"/>
-                </a:solidFill>
-              </a:rPr>
-              <a:t>poder</a:t>
-            </a:r>
-            <a:r>
-              <a:rPr lang="en-US" sz="1500" dirty="0">
-                <a:solidFill>
-                  <a:schemeClr val="tx2"/>
-                </a:solidFill>
-              </a:rPr>
-              <a:t> </a:t>
-            </a:r>
-            <a:r>
-              <a:rPr lang="en-US" sz="1500" dirty="0" err="1">
-                <a:solidFill>
-                  <a:schemeClr val="tx2"/>
-                </a:solidFill>
-              </a:rPr>
-              <a:t>determinar</a:t>
-            </a:r>
-            <a:r>
-              <a:rPr lang="en-US" sz="1500" dirty="0">
-                <a:solidFill>
-                  <a:schemeClr val="tx2"/>
-                </a:solidFill>
-              </a:rPr>
-              <a:t> </a:t>
-            </a:r>
-            <a:r>
-              <a:rPr lang="en-US" sz="1500" dirty="0" err="1">
-                <a:solidFill>
-                  <a:schemeClr val="tx2"/>
-                </a:solidFill>
-              </a:rPr>
-              <a:t>cuanto</a:t>
-            </a:r>
-            <a:r>
-              <a:rPr lang="en-US" sz="1500" dirty="0">
-                <a:solidFill>
-                  <a:schemeClr val="tx2"/>
-                </a:solidFill>
-              </a:rPr>
-              <a:t> a </a:t>
-            </a:r>
-            <a:r>
-              <a:rPr lang="en-US" sz="1500" dirty="0" err="1">
-                <a:solidFill>
-                  <a:schemeClr val="tx2"/>
-                </a:solidFill>
-              </a:rPr>
-              <a:t>variado</a:t>
-            </a:r>
-            <a:r>
-              <a:rPr lang="en-US" sz="1500" dirty="0">
-                <a:solidFill>
-                  <a:schemeClr val="tx2"/>
-                </a:solidFill>
-              </a:rPr>
-              <a:t> </a:t>
-            </a:r>
-            <a:r>
-              <a:rPr lang="en-US" sz="1500" dirty="0" err="1">
-                <a:solidFill>
-                  <a:schemeClr val="tx2"/>
-                </a:solidFill>
-              </a:rPr>
-              <a:t>el</a:t>
-            </a:r>
-            <a:r>
-              <a:rPr lang="en-US" sz="1500" dirty="0">
-                <a:solidFill>
-                  <a:schemeClr val="tx2"/>
-                </a:solidFill>
-              </a:rPr>
-              <a:t> </a:t>
-            </a:r>
-            <a:r>
-              <a:rPr lang="en-US" sz="1500" dirty="0" err="1">
-                <a:solidFill>
-                  <a:schemeClr val="tx2"/>
-                </a:solidFill>
-              </a:rPr>
-              <a:t>tamaño</a:t>
-            </a:r>
-            <a:r>
-              <a:rPr lang="en-US" sz="1500" dirty="0">
-                <a:solidFill>
-                  <a:schemeClr val="tx2"/>
-                </a:solidFill>
-              </a:rPr>
-              <a:t> de un </a:t>
-            </a:r>
-            <a:r>
-              <a:rPr lang="en-US" sz="1500" dirty="0" err="1">
-                <a:solidFill>
-                  <a:schemeClr val="tx2"/>
-                </a:solidFill>
-              </a:rPr>
-              <a:t>glaciar</a:t>
-            </a:r>
-            <a:r>
-              <a:rPr lang="en-US" sz="1500" dirty="0">
-                <a:solidFill>
-                  <a:schemeClr val="tx2"/>
-                </a:solidFill>
-              </a:rPr>
-              <a:t> o conjunto de </a:t>
-            </a:r>
-            <a:r>
-              <a:rPr lang="en-US" sz="1500" dirty="0" err="1">
-                <a:solidFill>
-                  <a:schemeClr val="tx2"/>
-                </a:solidFill>
-              </a:rPr>
-              <a:t>glaciar</a:t>
-            </a:r>
-            <a:r>
-              <a:rPr lang="en-US" sz="1500" dirty="0">
-                <a:solidFill>
-                  <a:schemeClr val="tx2"/>
-                </a:solidFill>
-              </a:rPr>
-              <a:t> al pasar de </a:t>
-            </a:r>
-            <a:r>
-              <a:rPr lang="en-US" sz="1500" dirty="0" err="1">
-                <a:solidFill>
-                  <a:schemeClr val="tx2"/>
-                </a:solidFill>
-              </a:rPr>
-              <a:t>los</a:t>
-            </a:r>
-            <a:r>
-              <a:rPr lang="en-US" sz="1500" dirty="0">
-                <a:solidFill>
-                  <a:schemeClr val="tx2"/>
-                </a:solidFill>
-              </a:rPr>
-              <a:t> </a:t>
-            </a:r>
-            <a:r>
-              <a:rPr lang="en-US" sz="1500" dirty="0" err="1">
-                <a:solidFill>
-                  <a:schemeClr val="tx2"/>
-                </a:solidFill>
-              </a:rPr>
-              <a:t>años</a:t>
-            </a:r>
-            <a:r>
-              <a:rPr lang="en-US" sz="1500" dirty="0">
-                <a:solidFill>
-                  <a:schemeClr val="tx2"/>
-                </a:solidFill>
-              </a:rPr>
-              <a:t> y </a:t>
-            </a:r>
-            <a:r>
-              <a:rPr lang="en-US" sz="1500" dirty="0" err="1">
-                <a:solidFill>
-                  <a:schemeClr val="tx2"/>
-                </a:solidFill>
-              </a:rPr>
-              <a:t>su</a:t>
-            </a:r>
-            <a:r>
-              <a:rPr lang="en-US" sz="1500" dirty="0">
-                <a:solidFill>
-                  <a:schemeClr val="tx2"/>
-                </a:solidFill>
-              </a:rPr>
-              <a:t> </a:t>
-            </a:r>
-            <a:r>
-              <a:rPr lang="en-US" sz="1500" dirty="0" err="1">
-                <a:solidFill>
-                  <a:schemeClr val="tx2"/>
-                </a:solidFill>
-              </a:rPr>
-              <a:t>efecto</a:t>
-            </a:r>
-            <a:r>
-              <a:rPr lang="en-US" sz="1500" dirty="0">
-                <a:solidFill>
-                  <a:schemeClr val="tx2"/>
-                </a:solidFill>
-              </a:rPr>
-              <a:t> </a:t>
-            </a:r>
-            <a:r>
-              <a:rPr lang="en-US" sz="1500" dirty="0" err="1">
-                <a:solidFill>
-                  <a:schemeClr val="tx2"/>
-                </a:solidFill>
-              </a:rPr>
-              <a:t>en</a:t>
-            </a:r>
-            <a:r>
-              <a:rPr lang="en-US" sz="1500" dirty="0">
-                <a:solidFill>
-                  <a:schemeClr val="tx2"/>
-                </a:solidFill>
-              </a:rPr>
-              <a:t> las </a:t>
-            </a:r>
-            <a:r>
-              <a:rPr lang="en-US" sz="1500" dirty="0" err="1">
-                <a:solidFill>
-                  <a:schemeClr val="tx2"/>
-                </a:solidFill>
-              </a:rPr>
-              <a:t>cuencas</a:t>
-            </a:r>
-            <a:r>
-              <a:rPr lang="en-US" sz="1500" dirty="0">
-                <a:solidFill>
-                  <a:schemeClr val="tx2"/>
-                </a:solidFill>
-              </a:rPr>
-              <a:t> </a:t>
-            </a:r>
-            <a:r>
-              <a:rPr lang="en-US" sz="1500" dirty="0" err="1">
-                <a:solidFill>
-                  <a:schemeClr val="tx2"/>
-                </a:solidFill>
-              </a:rPr>
-              <a:t>aledañas</a:t>
-            </a:r>
-            <a:r>
-              <a:rPr lang="en-US" sz="1500" dirty="0">
-                <a:solidFill>
-                  <a:schemeClr val="tx2"/>
-                </a:solidFill>
-              </a:rPr>
-              <a:t>.</a:t>
+              <a:t>Buscamos realizar un análisis cuantitativo y monitoreo de glaciares, con ello el objetivo es poder determinar cuanto a variado el tamaño de un glaciar o conjunto de glaciar al pasar de los años y su efecto en las cuencas aledañas.</a:t>
             </a:r>
           </a:p>
         </p:txBody>
@@ -11446,7 +14149,7 @@
         </p:nvSpPr>
         <p:spPr>
           <a:xfrm>
-            <a:off x="838201" y="365125"/>
+            <a:off x="843160" y="401701"/>
             <a:ext cx="5251316" cy="1807305"/>
           </a:xfrm>
         </p:spPr>
@@ -11457,7 +14160,7 @@
           <a:lstStyle/>
           <a:p>
             <a:r>
-              <a:rPr lang="en-US" sz="4100"/>
+              <a:rPr lang="es-CL" sz="4100" dirty="0"/>
               <a:t>Identificación y Descripción de Datos a utilizar</a:t>
             </a:r>
           </a:p>
@@ -11486,11 +14189,11 @@
         </p:spPr>
         <p:txBody>
           <a:bodyPr vert="horz" lIns="91440" tIns="45720" rIns="91440" bIns="45720" rtlCol="0">
-            <a:normAutofit/>
+            <a:normAutofit fontScale="92500" lnSpcReduction="20000"/>
           </a:bodyPr>
           <a:lstStyle/>
           <a:p>
-            <a:pPr indent="-228600">
+            <a:pPr indent="-228600" algn="just">
               <a:lnSpc>
                 <a:spcPct val="90000"/>
               </a:lnSpc>
@@ -11501,32 +14204,65 @@
               <a:buChar char="•"/>
             </a:pPr>
             <a:r>
-              <a:rPr lang="en-US" sz="2000" dirty="0"/>
-              <a:t>Para </a:t>
+              <a:rPr lang="es-CL" sz="2000" dirty="0"/>
+              <a:t>Para el problema consideramos:</a:t>
+            </a:r>
+          </a:p>
+          <a:p>
+            <a:pPr lvl="1" indent="-228600" algn="just">
+              <a:lnSpc>
+                <a:spcPct val="90000"/>
+              </a:lnSpc>
+              <a:spcAft>
+                <a:spcPts val="600"/>
+              </a:spcAft>
+              <a:buFont typeface="Arial" panose="020B0604020202020204" pitchFamily="34" charset="0"/>
+              <a:buChar char="•"/>
+            </a:pPr>
+            <a:r>
+              <a:rPr lang="es-CL" sz="2000" dirty="0"/>
+              <a:t>Datos referenciados geoespacialmente, de los glaciares presentes en Chile, los cuales son de uso público y  son aportados por Infraestructura de Datos Geoespaciales de Chile (IDEchile).</a:t>
+            </a:r>
+          </a:p>
+          <a:p>
+            <a:pPr lvl="1" indent="-228600" algn="just">
+              <a:lnSpc>
+                <a:spcPct val="90000"/>
+              </a:lnSpc>
+              <a:spcAft>
+                <a:spcPts val="600"/>
+              </a:spcAft>
+              <a:buFont typeface="Arial" panose="020B0604020202020204" pitchFamily="34" charset="0"/>
+              <a:buChar char="•"/>
+            </a:pPr>
+            <a:r>
+              <a:rPr lang="es-CL" sz="2000" dirty="0"/>
+              <a:t>Uso de imágenes satelitales como LANDSAT 8, LANDSAT 7, entre otras, las cuales permiten identificar mediante bandas el deterioro o aumento de los glaciares.</a:t>
+            </a:r>
+          </a:p>
+          <a:p>
+            <a:pPr lvl="1" indent="-228600" algn="just">
+              <a:lnSpc>
+                <a:spcPct val="90000"/>
+              </a:lnSpc>
+              <a:spcAft>
+                <a:spcPts val="600"/>
+              </a:spcAft>
+              <a:buFont typeface="Arial" panose="020B0604020202020204" pitchFamily="34" charset="0"/>
+              <a:buChar char="•"/>
+            </a:pPr>
+            <a:r>
+              <a:rPr lang="es-CL" sz="2000" dirty="0"/>
+              <a:t>Uso de imagen cartográfica del Mapoteca de la </a:t>
             </a:r>
             <a:r>
-              <a:rPr lang="en-US" sz="2000" dirty="0" err="1"/>
-              <a:t>el</a:t>
-            </a:r>
-            <a:r>
-              <a:rPr lang="en-US" sz="2000" dirty="0"/>
-              <a:t> </a:t>
-            </a:r>
-            <a:r>
-              <a:rPr lang="en-US" sz="2000" dirty="0" err="1"/>
-              <a:t>problema</a:t>
-            </a:r>
-            <a:r>
-              <a:rPr lang="en-US" sz="2000" dirty="0"/>
-              <a:t> </a:t>
-            </a:r>
-            <a:r>
-              <a:rPr lang="en-US" sz="2000" dirty="0" err="1"/>
-              <a:t>consideramos</a:t>
-            </a:r>
-            <a:r>
-              <a:rPr lang="en-US" sz="2000" dirty="0"/>
-              <a:t>:</a:t>
+              <a:rPr lang="es-CL" sz="2000" i="0" dirty="0">
+                <a:effectLst/>
+                <a:highlight>
+                  <a:srgbClr val="FFFFFF"/>
+                </a:highlight>
+              </a:rPr>
+              <a:t>Biblioteca del Congreso Nacional de Chile</a:t>
             </a:r>
           </a:p>
           <a:p>
@@ -11540,262 +14276,7 @@
               <a:buFont typeface="Arial" panose="020B0604020202020204" pitchFamily="34" charset="0"/>
               <a:buChar char="•"/>
             </a:pPr>
-            <a:r>
-              <a:rPr lang="en-US" sz="2000" dirty="0"/>
-              <a:t>Datos </a:t>
-            </a:r>
-            <a:r>
-              <a:rPr lang="en-US" sz="2000" dirty="0" err="1"/>
-              <a:t>referenciados</a:t>
-            </a:r>
-            <a:r>
-              <a:rPr lang="en-US" sz="2000" dirty="0"/>
-              <a:t> </a:t>
-            </a:r>
-            <a:r>
-              <a:rPr lang="en-US" sz="2000" dirty="0" err="1"/>
-              <a:t>geoespacialmente</a:t>
-            </a:r>
-            <a:r>
-              <a:rPr lang="en-US" sz="2000" dirty="0"/>
-              <a:t>, de </a:t>
-            </a:r>
-            <a:r>
-              <a:rPr lang="en-US" sz="2000" dirty="0" err="1"/>
-              <a:t>los</a:t>
-            </a:r>
-            <a:r>
-              <a:rPr lang="en-US" sz="2000" dirty="0"/>
-              <a:t> </a:t>
-            </a:r>
-            <a:r>
-              <a:rPr lang="en-US" sz="2000" dirty="0" err="1"/>
-              <a:t>glaciares</a:t>
-            </a:r>
-            <a:r>
-              <a:rPr lang="en-US" sz="2000" dirty="0"/>
-              <a:t> </a:t>
-            </a:r>
-            <a:r>
-              <a:rPr lang="en-US" sz="2000" dirty="0" err="1"/>
-              <a:t>presentes</a:t>
-            </a:r>
-            <a:r>
-              <a:rPr lang="en-US" sz="2000" dirty="0"/>
-              <a:t> </a:t>
-            </a:r>
-            <a:r>
-              <a:rPr lang="en-US" sz="2000" dirty="0" err="1"/>
-              <a:t>en</a:t>
-            </a:r>
-            <a:r>
-              <a:rPr lang="en-US" sz="2000" dirty="0"/>
-              <a:t> Chile, </a:t>
-            </a:r>
-            <a:r>
-              <a:rPr lang="en-US" sz="2000" dirty="0" err="1"/>
-              <a:t>los</a:t>
-            </a:r>
-            <a:r>
-              <a:rPr lang="en-US" sz="2000" dirty="0"/>
-              <a:t> </a:t>
-            </a:r>
-            <a:r>
-              <a:rPr lang="en-US" sz="2000" dirty="0" err="1"/>
-              <a:t>cuales</a:t>
-            </a:r>
-            <a:r>
-              <a:rPr lang="en-US" sz="2000" dirty="0"/>
-              <a:t> son de </a:t>
-            </a:r>
-            <a:r>
-              <a:rPr lang="en-US" sz="2000" dirty="0" err="1"/>
-              <a:t>uso</a:t>
-            </a:r>
-            <a:r>
-              <a:rPr lang="en-US" sz="2000" dirty="0"/>
-              <a:t> </a:t>
-            </a:r>
-            <a:r>
-              <a:rPr lang="en-US" sz="2000" dirty="0" err="1"/>
-              <a:t>publico</a:t>
-            </a:r>
-            <a:r>
-              <a:rPr lang="en-US" sz="2000" dirty="0"/>
-              <a:t> y  son </a:t>
-            </a:r>
-            <a:r>
-              <a:rPr lang="en-US" sz="2000" dirty="0" err="1"/>
-              <a:t>aportados</a:t>
-            </a:r>
-            <a:r>
-              <a:rPr lang="en-US" sz="2000" dirty="0"/>
-              <a:t> </a:t>
-            </a:r>
-            <a:r>
-              <a:rPr lang="en-US" sz="2000" dirty="0" err="1"/>
-              <a:t>por</a:t>
-            </a:r>
-            <a:r>
-              <a:rPr lang="en-US" sz="2000" dirty="0"/>
-              <a:t> </a:t>
-            </a:r>
-            <a:r>
-              <a:rPr lang="en-US" sz="2000" dirty="0" err="1"/>
-              <a:t>Infraestructura</a:t>
-            </a:r>
-            <a:r>
-              <a:rPr lang="en-US" sz="2000" dirty="0"/>
-              <a:t> de Datos </a:t>
-            </a:r>
-            <a:r>
-              <a:rPr lang="en-US" sz="2000" dirty="0" err="1"/>
-              <a:t>Geospaciales</a:t>
-            </a:r>
-            <a:r>
-              <a:rPr lang="en-US" sz="2000" dirty="0"/>
-              <a:t> de Chile (</a:t>
-            </a:r>
-            <a:r>
-              <a:rPr lang="en-US" sz="2000" dirty="0" err="1"/>
-              <a:t>IDEchile</a:t>
-            </a:r>
-            <a:r>
-              <a:rPr lang="en-US" sz="2000" dirty="0"/>
-              <a:t>).</a:t>
-            </a:r>
-          </a:p>
-          <a:p>
-            <a:pPr lvl="1" indent="-228600">
-              <a:lnSpc>
-                <a:spcPct val="90000"/>
-              </a:lnSpc>
-              <a:spcAft>
-                <a:spcPts val="600"/>
-              </a:spcAft>
-              <a:buFont typeface="Arial" panose="020B0604020202020204" pitchFamily="34" charset="0"/>
-              <a:buChar char="•"/>
-            </a:pPr>
-            <a:r>
-              <a:rPr lang="en-US" sz="2000" dirty="0" err="1"/>
-              <a:t>Uso</a:t>
-            </a:r>
-            <a:r>
-              <a:rPr lang="en-US" sz="2000" dirty="0"/>
-              <a:t> de </a:t>
-            </a:r>
-            <a:r>
-              <a:rPr lang="en-US" sz="2000" dirty="0" err="1"/>
-              <a:t>imagenes</a:t>
-            </a:r>
-            <a:r>
-              <a:rPr lang="en-US" sz="2000" dirty="0"/>
-              <a:t> </a:t>
-            </a:r>
-            <a:r>
-              <a:rPr lang="en-US" sz="2000" dirty="0" err="1"/>
-              <a:t>satelitales</a:t>
-            </a:r>
-            <a:r>
-              <a:rPr lang="en-US" sz="2000" dirty="0"/>
-              <a:t> </a:t>
-            </a:r>
-            <a:r>
-              <a:rPr lang="en-US" sz="2000" dirty="0" err="1"/>
-              <a:t>como</a:t>
-            </a:r>
-            <a:r>
-              <a:rPr lang="en-US" sz="2000" dirty="0"/>
-              <a:t> LANDSAT 8, LANDSAT 7, entre </a:t>
-            </a:r>
-            <a:r>
-              <a:rPr lang="en-US" sz="2000" dirty="0" err="1"/>
-              <a:t>otras</a:t>
-            </a:r>
-            <a:r>
-              <a:rPr lang="en-US" sz="2000" dirty="0"/>
-              <a:t>, las </a:t>
-            </a:r>
-            <a:r>
-              <a:rPr lang="en-US" sz="2000" dirty="0" err="1"/>
-              <a:t>cuales</a:t>
-            </a:r>
-            <a:r>
-              <a:rPr lang="en-US" sz="2000" dirty="0"/>
-              <a:t> </a:t>
-            </a:r>
-            <a:r>
-              <a:rPr lang="en-US" sz="2000" dirty="0" err="1"/>
-              <a:t>permiten</a:t>
-            </a:r>
-            <a:r>
-              <a:rPr lang="en-US" sz="2000" dirty="0"/>
-              <a:t> </a:t>
-            </a:r>
-            <a:r>
-              <a:rPr lang="en-US" sz="2000" dirty="0" err="1"/>
-              <a:t>identificar</a:t>
-            </a:r>
-            <a:r>
-              <a:rPr lang="en-US" sz="2000" dirty="0"/>
-              <a:t> </a:t>
-            </a:r>
-            <a:r>
-              <a:rPr lang="en-US" sz="2000" dirty="0" err="1"/>
-              <a:t>mediante</a:t>
-            </a:r>
-            <a:r>
-              <a:rPr lang="en-US" sz="2000" dirty="0"/>
-              <a:t> </a:t>
-            </a:r>
-            <a:r>
-              <a:rPr lang="en-US" sz="2000" dirty="0" err="1"/>
-              <a:t>bandas</a:t>
-            </a:r>
-            <a:r>
-              <a:rPr lang="en-US" sz="2000" dirty="0"/>
-              <a:t> </a:t>
-            </a:r>
-            <a:r>
-              <a:rPr lang="en-US" sz="2000" dirty="0" err="1"/>
-              <a:t>el</a:t>
-            </a:r>
-            <a:r>
-              <a:rPr lang="en-US" sz="2000" dirty="0"/>
-              <a:t> </a:t>
-            </a:r>
-            <a:r>
-              <a:rPr lang="en-US" sz="2000" dirty="0" err="1"/>
-              <a:t>deterioro</a:t>
-            </a:r>
-            <a:r>
-              <a:rPr lang="en-US" sz="2000" dirty="0"/>
-              <a:t> o </a:t>
-            </a:r>
-            <a:r>
-              <a:rPr lang="en-US" sz="2000" dirty="0" err="1"/>
-              <a:t>aumento</a:t>
-            </a:r>
-            <a:r>
-              <a:rPr lang="en-US" sz="2000" dirty="0"/>
-              <a:t> de </a:t>
-            </a:r>
-            <a:r>
-              <a:rPr lang="en-US" sz="2000" dirty="0" err="1"/>
-              <a:t>los</a:t>
-            </a:r>
-            <a:r>
-              <a:rPr lang="en-US" sz="2000" dirty="0"/>
-              <a:t> </a:t>
-            </a:r>
-            <a:r>
-              <a:rPr lang="en-US" sz="2000" dirty="0" err="1"/>
-              <a:t>glaciares</a:t>
-            </a:r>
-            <a:r>
-              <a:rPr lang="en-US" sz="2000" dirty="0"/>
-              <a:t>.</a:t>
-            </a:r>
+            <a:endParaRPr lang="es-CL" sz="2000" dirty="0"/>
           </a:p>
         </p:txBody>
       </p:sp>
@@ -11820,7 +14301,7 @@
         </p:blipFill>
         <p:spPr>
           <a:xfrm>
-            <a:off x="6229215" y="10"/>
+            <a:off x="6229215" y="0"/>
             <a:ext cx="5962785" cy="6857990"/>
           </a:xfrm>
           <a:custGeom>
@@ -12424,10 +14905,10 @@
       </p:grpSpPr>
       <p:sp useBgFill="1">
         <p:nvSpPr>
-          <p:cNvPr id="25" name="Rectangle 24">
+          <p:cNvPr id="63" name="Rectangle 62">
             <a:extLst>
               <a:ext uri="{FF2B5EF4-FFF2-40B4-BE49-F238E27FC236}">
-                <a16:creationId xmlns:a16="http://schemas.microsoft.com/office/drawing/2014/main" id="{F13C74B1-5B17-4795-BED0-7140497B445A}"/>
+                <a16:creationId xmlns:a16="http://schemas.microsoft.com/office/drawing/2014/main" id="{2659FDB4-FCBE-4A89-B46D-43D4FA54464D}"/>
               </a:ext>
               <a:ext uri="{C183D7F6-B498-43B3-948B-1728B52AA6E4}">
                 <adec:decorative xmlns:adec="http://schemas.microsoft.com/office/drawing/2017/decorative" val="1"/>
@@ -12447,8 +14928,8 @@
         </p:nvSpPr>
         <p:spPr>
           <a:xfrm>
-            <a:off x="0" y="0"/>
-            <a:ext cx="12188952" cy="6858000"/>
+            <a:off x="0" y="8313"/>
+            <a:ext cx="12192000" cy="6858000"/>
           </a:xfrm>
           <a:prstGeom prst="rect">
             <a:avLst/>
@@ -12478,7 +14959,11 @@
           <a:lstStyle/>
           <a:p>
             <a:pPr algn="ctr"/>
-            <a:endParaRPr lang="en-US"/>
+            <a:endParaRPr lang="en-US">
+              <a:solidFill>
+                <a:schemeClr val="bg1"/>
+              </a:solidFill>
+            </a:endParaRPr>
           </a:p>
         </p:txBody>
       </p:sp>
@@ -12500,47 +14985,46 @@
         </p:nvSpPr>
         <p:spPr>
           <a:xfrm>
-            <a:off x="640080" y="325369"/>
-            <a:ext cx="4368602" cy="1956841"/>
+            <a:off x="479394" y="1070800"/>
+            <a:ext cx="3939688" cy="5583126"/>
           </a:xfrm>
         </p:spPr>
         <p:txBody>
-          <a:bodyPr vert="horz" lIns="91440" tIns="45720" rIns="91440" bIns="45720" rtlCol="0" anchor="b">
+          <a:bodyPr vert="horz" lIns="91440" tIns="45720" rIns="91440" bIns="45720" rtlCol="0" anchor="ctr">
             <a:normAutofit/>
           </a:bodyPr>
           <a:lstStyle/>
           <a:p>
+            <a:pPr algn="r"/>
             <a:r>
-              <a:rPr lang="en-US" sz="4200" dirty="0" err="1"/>
-              <a:t>Procesamiento</a:t>
+              <a:rPr lang="en-US" kern="1200">
+                <a:solidFill>
+                  <a:schemeClr val="tx1"/>
+                </a:solidFill>
+                <a:latin typeface="+mj-lt"/>
+                <a:ea typeface="+mj-ea"/>
+                <a:cs typeface="+mj-cs"/>
+              </a:rPr>
+              <a:t>Procesamiento de Datos Geoespaciales</a:t>
             </a:r>
-            <a:r>
-              <a:rPr lang="en-US" sz="4200" dirty="0"/>
-              <a:t> de Datos </a:t>
-            </a:r>
-            <a:r>
-              <a:rPr lang="en-US" sz="4200" dirty="0" err="1"/>
-              <a:t>Geoespaciales</a:t>
-            </a:r>
-            <a:endParaRPr lang="en-US" sz="4200" dirty="0"/>
           </a:p>
         </p:txBody>
       </p:sp>
-      <p:sp>
-        <p:nvSpPr>
-          <p:cNvPr id="27" name="sketchy line">
+      <p:cxnSp>
+        <p:nvCxnSpPr>
+          <p:cNvPr id="65" name="Straight Connector 64">
             <a:extLst>
               <a:ext uri="{FF2B5EF4-FFF2-40B4-BE49-F238E27FC236}">
-                <a16:creationId xmlns:a16="http://schemas.microsoft.com/office/drawing/2014/main" id="{D4974D33-8DC5-464E-8C6D-BE58F0669C17}"/>
+                <a16:creationId xmlns:a16="http://schemas.microsoft.com/office/drawing/2014/main" id="{C8F51B3F-8331-4E4A-AE96-D47B1006EEAD}"/>
               </a:ext>
               <a:ext uri="{C183D7F6-B498-43B3-948B-1728B52AA6E4}">
                 <adec:decorative xmlns:adec="http://schemas.microsoft.com/office/drawing/2017/decorative" val="1"/>
               </a:ext>
             </a:extLst>
           </p:cNvPr>
-          <p:cNvSpPr>
-            <a:spLocks noGrp="1" noRot="1" noChangeAspect="1" noMove="1" noResize="1" noEditPoints="1" noAdjustHandles="1" noChangeArrowheads="1" noChangeShapeType="1" noTextEdit="1"/>
-          </p:cNvSpPr>
+          <p:cNvCxnSpPr>
+            <a:cxnSpLocks noGrp="1" noRot="1" noChangeAspect="1" noMove="1" noResize="1" noEditPoints="1" noAdjustHandles="1" noChangeArrowheads="1" noChangeShapeType="1"/>
+          </p:cNvCxnSpPr>
           <p:nvPr>
             <p:extLst>
               <p:ext uri="{386F3935-93C4-4BCD-93E2-E3B085C9AB24}">
@@ -12548,781 +15032,74 @@
               </p:ext>
             </p:extLst>
           </p:nvPr>
-        </p:nvSpPr>
+        </p:nvCxnSpPr>
         <p:spPr>
           <a:xfrm>
-            <a:off x="640080" y="2586994"/>
-            <a:ext cx="3474720" cy="18288"/>
+            <a:off x="4728053" y="1132114"/>
+            <a:ext cx="0" cy="5717573"/>
           </a:xfrm>
-          <a:custGeom>
+          <a:prstGeom prst="line">
             <a:avLst/>
-            <a:gdLst>
-              <a:gd name="connsiteX0" fmla="*/ 0 w 3474720"/>
-              <a:gd name="connsiteY0" fmla="*/ 0 h 18288"/>
-              <a:gd name="connsiteX1" fmla="*/ 694944 w 3474720"/>
-              <a:gd name="connsiteY1" fmla="*/ 0 h 18288"/>
-              <a:gd name="connsiteX2" fmla="*/ 1355141 w 3474720"/>
-              <a:gd name="connsiteY2" fmla="*/ 0 h 18288"/>
-              <a:gd name="connsiteX3" fmla="*/ 2015338 w 3474720"/>
-              <a:gd name="connsiteY3" fmla="*/ 0 h 18288"/>
-              <a:gd name="connsiteX4" fmla="*/ 2779776 w 3474720"/>
-              <a:gd name="connsiteY4" fmla="*/ 0 h 18288"/>
-              <a:gd name="connsiteX5" fmla="*/ 3474720 w 3474720"/>
-              <a:gd name="connsiteY5" fmla="*/ 0 h 18288"/>
-              <a:gd name="connsiteX6" fmla="*/ 3474720 w 3474720"/>
-              <a:gd name="connsiteY6" fmla="*/ 18288 h 18288"/>
-              <a:gd name="connsiteX7" fmla="*/ 2779776 w 3474720"/>
-              <a:gd name="connsiteY7" fmla="*/ 18288 h 18288"/>
-              <a:gd name="connsiteX8" fmla="*/ 2189074 w 3474720"/>
-              <a:gd name="connsiteY8" fmla="*/ 18288 h 18288"/>
-              <a:gd name="connsiteX9" fmla="*/ 1528877 w 3474720"/>
-              <a:gd name="connsiteY9" fmla="*/ 18288 h 18288"/>
-              <a:gd name="connsiteX10" fmla="*/ 868680 w 3474720"/>
-              <a:gd name="connsiteY10" fmla="*/ 18288 h 18288"/>
-              <a:gd name="connsiteX11" fmla="*/ 0 w 3474720"/>
-              <a:gd name="connsiteY11" fmla="*/ 18288 h 18288"/>
-              <a:gd name="connsiteX12" fmla="*/ 0 w 3474720"/>
-              <a:gd name="connsiteY12" fmla="*/ 0 h 18288"/>
-            </a:gdLst>
-            <a:ahLst/>
-            <a:cxnLst>
-              <a:cxn ang="0">
-                <a:pos x="connsiteX0" y="connsiteY0"/>
-              </a:cxn>
-              <a:cxn ang="0">
-                <a:pos x="connsiteX1" y="connsiteY1"/>
-              </a:cxn>
-              <a:cxn ang="0">
-                <a:pos x="connsiteX2" y="connsiteY2"/>
-              </a:cxn>
-              <a:cxn ang="0">
-                <a:pos x="connsiteX3" y="connsiteY3"/>
-              </a:cxn>
-              <a:cxn ang="0">
-                <a:pos x="connsiteX4" y="connsiteY4"/>
-              </a:cxn>
-              <a:cxn ang="0">
-                <a:pos x="connsiteX5" y="connsiteY5"/>
-              </a:cxn>
-              <a:cxn ang="0">
-                <a:pos x="connsiteX6" y="connsiteY6"/>
-              </a:cxn>
-              <a:cxn ang="0">
-                <a:pos x="connsiteX7" y="connsiteY7"/>
-              </a:cxn>
-              <a:cxn ang="0">
-                <a:pos x="connsiteX8" y="connsiteY8"/>
-              </a:cxn>
-              <a:cxn ang="0">
-                <a:pos x="connsiteX9" y="connsiteY9"/>
-              </a:cxn>
-              <a:cxn ang="0">
-                <a:pos x="connsiteX10" y="connsiteY10"/>
-              </a:cxn>
-              <a:cxn ang="0">
-                <a:pos x="connsiteX11" y="connsiteY11"/>
-              </a:cxn>
-              <a:cxn ang="0">
-                <a:pos x="connsiteX12" y="connsiteY12"/>
-              </a:cxn>
-            </a:cxnLst>
-            <a:rect l="l" t="t" r="r" b="b"/>
-            <a:pathLst>
-              <a:path w="3474720" h="18288" fill="none" extrusionOk="0">
-                <a:moveTo>
-                  <a:pt x="0" y="0"/>
-                </a:moveTo>
-                <a:cubicBezTo>
-                  <a:pt x="224454" y="-14544"/>
-                  <a:pt x="495407" y="26540"/>
-                  <a:pt x="694944" y="0"/>
-                </a:cubicBezTo>
-                <a:cubicBezTo>
-                  <a:pt x="894481" y="-26540"/>
-                  <a:pt x="1130063" y="24713"/>
-                  <a:pt x="1355141" y="0"/>
-                </a:cubicBezTo>
-                <a:cubicBezTo>
-                  <a:pt x="1580219" y="-24713"/>
-                  <a:pt x="1820099" y="26695"/>
-                  <a:pt x="2015338" y="0"/>
-                </a:cubicBezTo>
-                <a:cubicBezTo>
-                  <a:pt x="2210577" y="-26695"/>
-                  <a:pt x="2402045" y="165"/>
-                  <a:pt x="2779776" y="0"/>
-                </a:cubicBezTo>
-                <a:cubicBezTo>
-                  <a:pt x="3157507" y="-165"/>
-                  <a:pt x="3286859" y="-15571"/>
-                  <a:pt x="3474720" y="0"/>
-                </a:cubicBezTo>
-                <a:cubicBezTo>
-                  <a:pt x="3474286" y="7551"/>
-                  <a:pt x="3474253" y="9822"/>
-                  <a:pt x="3474720" y="18288"/>
-                </a:cubicBezTo>
-                <a:cubicBezTo>
-                  <a:pt x="3233904" y="29845"/>
-                  <a:pt x="2945134" y="-5256"/>
-                  <a:pt x="2779776" y="18288"/>
-                </a:cubicBezTo>
-                <a:cubicBezTo>
-                  <a:pt x="2614418" y="41832"/>
-                  <a:pt x="2339768" y="22709"/>
-                  <a:pt x="2189074" y="18288"/>
-                </a:cubicBezTo>
-                <a:cubicBezTo>
-                  <a:pt x="2038380" y="13867"/>
-                  <a:pt x="1817434" y="-4947"/>
-                  <a:pt x="1528877" y="18288"/>
-                </a:cubicBezTo>
-                <a:cubicBezTo>
-                  <a:pt x="1240320" y="41523"/>
-                  <a:pt x="1042447" y="37198"/>
-                  <a:pt x="868680" y="18288"/>
-                </a:cubicBezTo>
-                <a:cubicBezTo>
-                  <a:pt x="694913" y="-622"/>
-                  <a:pt x="233232" y="44909"/>
-                  <a:pt x="0" y="18288"/>
-                </a:cubicBezTo>
-                <a:cubicBezTo>
-                  <a:pt x="60" y="11696"/>
-                  <a:pt x="66" y="3758"/>
-                  <a:pt x="0" y="0"/>
-                </a:cubicBezTo>
-                <a:close/>
-              </a:path>
-              <a:path w="3474720" h="18288" stroke="0" extrusionOk="0">
-                <a:moveTo>
-                  <a:pt x="0" y="0"/>
-                </a:moveTo>
-                <a:cubicBezTo>
-                  <a:pt x="202328" y="-14716"/>
-                  <a:pt x="332722" y="-11499"/>
-                  <a:pt x="625450" y="0"/>
-                </a:cubicBezTo>
-                <a:cubicBezTo>
-                  <a:pt x="918178" y="11499"/>
-                  <a:pt x="1096688" y="5123"/>
-                  <a:pt x="1389888" y="0"/>
-                </a:cubicBezTo>
-                <a:cubicBezTo>
-                  <a:pt x="1683088" y="-5123"/>
-                  <a:pt x="1835981" y="-14038"/>
-                  <a:pt x="1980590" y="0"/>
-                </a:cubicBezTo>
-                <a:cubicBezTo>
-                  <a:pt x="2125199" y="14038"/>
-                  <a:pt x="2396099" y="-7203"/>
-                  <a:pt x="2571293" y="0"/>
-                </a:cubicBezTo>
-                <a:cubicBezTo>
-                  <a:pt x="2746487" y="7203"/>
-                  <a:pt x="3041609" y="-12036"/>
-                  <a:pt x="3474720" y="0"/>
-                </a:cubicBezTo>
-                <a:cubicBezTo>
-                  <a:pt x="3474638" y="4406"/>
-                  <a:pt x="3474631" y="9982"/>
-                  <a:pt x="3474720" y="18288"/>
-                </a:cubicBezTo>
-                <a:cubicBezTo>
-                  <a:pt x="3324873" y="21876"/>
-                  <a:pt x="3136771" y="12587"/>
-                  <a:pt x="2814523" y="18288"/>
-                </a:cubicBezTo>
-                <a:cubicBezTo>
-                  <a:pt x="2492275" y="23989"/>
-                  <a:pt x="2294402" y="47111"/>
-                  <a:pt x="2154326" y="18288"/>
-                </a:cubicBezTo>
-                <a:cubicBezTo>
-                  <a:pt x="2014250" y="-10535"/>
-                  <a:pt x="1820317" y="33903"/>
-                  <a:pt x="1494130" y="18288"/>
-                </a:cubicBezTo>
-                <a:cubicBezTo>
-                  <a:pt x="1167943" y="2673"/>
-                  <a:pt x="948432" y="14868"/>
-                  <a:pt x="729691" y="18288"/>
-                </a:cubicBezTo>
-                <a:cubicBezTo>
-                  <a:pt x="510950" y="21708"/>
-                  <a:pt x="264032" y="24354"/>
-                  <a:pt x="0" y="18288"/>
-                </a:cubicBezTo>
-                <a:cubicBezTo>
-                  <a:pt x="189" y="14288"/>
-                  <a:pt x="-703" y="3747"/>
-                  <a:pt x="0" y="0"/>
-                </a:cubicBezTo>
-                <a:close/>
-              </a:path>
-            </a:pathLst>
-          </a:custGeom>
-          <a:solidFill>
-            <a:schemeClr val="accent2"/>
-          </a:solidFill>
-          <a:ln w="44450" cap="rnd">
-            <a:solidFill>
-              <a:schemeClr val="accent2"/>
-            </a:solidFill>
-            <a:round/>
-            <a:extLst>
-              <a:ext uri="{C807C97D-BFC1-408E-A445-0C87EB9F89A2}">
-                <ask:lineSketchStyleProps xmlns:ask="http://schemas.microsoft.com/office/drawing/2018/sketchyshapes" sd="2863741219">
-                  <a:prstGeom prst="rect">
-                    <a:avLst/>
-                  </a:prstGeom>
-                  <ask:type>
-                    <ask:lineSketchFreehand/>
-                  </ask:type>
-                </ask:lineSketchStyleProps>
-              </a:ext>
-            </a:extLst>
+          </a:prstGeom>
+          <a:ln w="25400" cap="sq">
+            <a:gradFill flip="none" rotWithShape="1">
+              <a:gsLst>
+                <a:gs pos="0">
+                  <a:schemeClr val="accent1"/>
+                </a:gs>
+                <a:gs pos="100000">
+                  <a:schemeClr val="accent2"/>
+                </a:gs>
+              </a:gsLst>
+              <a:lin ang="16200000" scaled="1"/>
+              <a:tileRect/>
+            </a:gradFill>
+            <a:bevel/>
           </a:ln>
         </p:spPr>
         <p:style>
-          <a:lnRef idx="2">
-            <a:schemeClr val="accent1">
-              <a:shade val="50000"/>
-            </a:schemeClr>
+          <a:lnRef idx="1">
+            <a:schemeClr val="accent1"/>
           </a:lnRef>
-          <a:fillRef idx="1">
+          <a:fillRef idx="0">
             <a:schemeClr val="accent1"/>
           </a:fillRef>
           <a:effectRef idx="0">
             <a:schemeClr val="accent1"/>
           </a:effectRef>
           <a:fontRef idx="minor">
-            <a:schemeClr val="lt1"/>
+            <a:schemeClr val="tx1"/>
           </a:fontRef>
         </p:style>
-        <p:txBody>
-          <a:bodyPr rtlCol="0" anchor="ctr"/>
-          <a:lstStyle/>
-          <a:p>
-            <a:pPr algn="ctr"/>
-            <a:endParaRPr lang="en-US"/>
-          </a:p>
-        </p:txBody>
-      </p:sp>
-      <p:sp>
-        <p:nvSpPr>
-          <p:cNvPr id="4" name="CuadroTexto 3">
+      </p:cxnSp>
+      <p:graphicFrame>
+        <p:nvGraphicFramePr>
+          <p:cNvPr id="59" name="CuadroTexto 3">
             <a:extLst>
               <a:ext uri="{FF2B5EF4-FFF2-40B4-BE49-F238E27FC236}">
-                <a16:creationId xmlns:a16="http://schemas.microsoft.com/office/drawing/2014/main" id="{E8B2A059-2B14-6B61-BA7C-BE421F7520FD}"/>
+                <a16:creationId xmlns:a16="http://schemas.microsoft.com/office/drawing/2014/main" id="{480B6CF8-A2DC-2496-9E68-5BB06CB23D0A}"/>
               </a:ext>
             </a:extLst>
           </p:cNvPr>
-          <p:cNvSpPr txBox="1"/>
-          <p:nvPr/>
-        </p:nvSpPr>
-        <p:spPr>
-          <a:xfrm>
-            <a:off x="640080" y="2872899"/>
-            <a:ext cx="4243589" cy="3320668"/>
-          </a:xfrm>
-          <a:prstGeom prst="rect">
-            <a:avLst/>
-          </a:prstGeom>
-        </p:spPr>
-        <p:txBody>
-          <a:bodyPr vert="horz" lIns="91440" tIns="45720" rIns="91440" bIns="45720" rtlCol="0">
-            <a:normAutofit/>
-          </a:bodyPr>
-          <a:lstStyle/>
-          <a:p>
-            <a:pPr indent="-228600">
-              <a:lnSpc>
-                <a:spcPct val="90000"/>
-              </a:lnSpc>
-              <a:spcAft>
-                <a:spcPts val="600"/>
-              </a:spcAft>
-              <a:buFont typeface="Arial" panose="020B0604020202020204" pitchFamily="34" charset="0"/>
-              <a:buChar char="•"/>
-            </a:pPr>
-            <a:r>
-              <a:rPr lang="en-US" sz="1500" dirty="0" err="1"/>
-              <a:t>Realizamos</a:t>
-            </a:r>
-            <a:r>
-              <a:rPr lang="en-US" sz="1500" dirty="0"/>
-              <a:t> </a:t>
-            </a:r>
-            <a:r>
-              <a:rPr lang="en-US" sz="1500" dirty="0" err="1"/>
-              <a:t>los</a:t>
-            </a:r>
-            <a:r>
-              <a:rPr lang="en-US" sz="1500" dirty="0"/>
-              <a:t>  </a:t>
-            </a:r>
-            <a:r>
-              <a:rPr lang="en-US" sz="1500" dirty="0" err="1"/>
-              <a:t>ajustes</a:t>
-            </a:r>
-            <a:r>
-              <a:rPr lang="en-US" sz="1500" dirty="0"/>
-              <a:t> </a:t>
-            </a:r>
-            <a:r>
-              <a:rPr lang="en-US" sz="1500" dirty="0" err="1"/>
-              <a:t>correspondientes</a:t>
-            </a:r>
-            <a:r>
-              <a:rPr lang="en-US" sz="1500" dirty="0"/>
-              <a:t> a las </a:t>
-            </a:r>
-            <a:r>
-              <a:rPr lang="en-US" sz="1500" dirty="0" err="1"/>
-              <a:t>imagenes</a:t>
-            </a:r>
-            <a:r>
-              <a:rPr lang="en-US" sz="1500" dirty="0"/>
-              <a:t> del </a:t>
-            </a:r>
-            <a:r>
-              <a:rPr lang="en-US" sz="1500" dirty="0" err="1"/>
-              <a:t>satelite</a:t>
-            </a:r>
-            <a:endParaRPr lang="en-US" sz="1500" dirty="0"/>
-          </a:p>
-          <a:p>
-            <a:pPr indent="-228600">
-              <a:lnSpc>
-                <a:spcPct val="90000"/>
-              </a:lnSpc>
-              <a:spcAft>
-                <a:spcPts val="600"/>
-              </a:spcAft>
-              <a:buFont typeface="Arial" panose="020B0604020202020204" pitchFamily="34" charset="0"/>
-              <a:buChar char="•"/>
-            </a:pPr>
-            <a:r>
-              <a:rPr lang="en-US" sz="1500" dirty="0" err="1"/>
-              <a:t>Consideramos</a:t>
-            </a:r>
-            <a:r>
-              <a:rPr lang="en-US" sz="1500" dirty="0"/>
-              <a:t> un conjunto de </a:t>
-            </a:r>
-            <a:r>
-              <a:rPr lang="en-US" sz="1500" dirty="0" err="1"/>
-              <a:t>glaciares</a:t>
-            </a:r>
-            <a:r>
-              <a:rPr lang="en-US" sz="1500" dirty="0"/>
-              <a:t> que se </a:t>
-            </a:r>
-            <a:r>
-              <a:rPr lang="en-US" sz="1500" dirty="0" err="1"/>
-              <a:t>encuentran</a:t>
-            </a:r>
-            <a:r>
-              <a:rPr lang="en-US" sz="1500" dirty="0"/>
-              <a:t> </a:t>
-            </a:r>
-            <a:r>
-              <a:rPr lang="en-US" sz="1500" dirty="0" err="1"/>
-              <a:t>cercanos</a:t>
-            </a:r>
-            <a:r>
-              <a:rPr lang="en-US" sz="1500" dirty="0"/>
-              <a:t> </a:t>
-            </a:r>
-            <a:r>
-              <a:rPr lang="en-US" sz="1500" dirty="0" err="1"/>
-              <a:t>unos</a:t>
-            </a:r>
-            <a:r>
-              <a:rPr lang="en-US" sz="1500" dirty="0"/>
-              <a:t> con </a:t>
-            </a:r>
-            <a:r>
-              <a:rPr lang="en-US" sz="1500" dirty="0" err="1"/>
-              <a:t>otros</a:t>
-            </a:r>
-            <a:r>
-              <a:rPr lang="en-US" sz="1500" dirty="0"/>
-              <a:t>, </a:t>
-            </a:r>
-            <a:r>
-              <a:rPr lang="en-US" sz="1500" dirty="0" err="1"/>
-              <a:t>pero</a:t>
-            </a:r>
-            <a:r>
-              <a:rPr lang="en-US" sz="1500" dirty="0"/>
-              <a:t> no </a:t>
-            </a:r>
-            <a:r>
-              <a:rPr lang="en-US" sz="1500" dirty="0" err="1"/>
-              <a:t>descartamos</a:t>
-            </a:r>
-            <a:r>
-              <a:rPr lang="en-US" sz="1500" dirty="0"/>
-              <a:t> usar </a:t>
-            </a:r>
-            <a:r>
-              <a:rPr lang="en-US" sz="1500" dirty="0" err="1"/>
-              <a:t>tecnicas</a:t>
-            </a:r>
-            <a:r>
-              <a:rPr lang="en-US" sz="1500" dirty="0"/>
-              <a:t> de clustering, para determiner </a:t>
-            </a:r>
-            <a:r>
-              <a:rPr lang="en-US" sz="1500" dirty="0" err="1"/>
-              <a:t>estos</a:t>
-            </a:r>
-            <a:r>
-              <a:rPr lang="en-US" sz="1500" dirty="0"/>
-              <a:t> conjuntos.</a:t>
-            </a:r>
-          </a:p>
-          <a:p>
-            <a:pPr indent="-228600">
-              <a:lnSpc>
-                <a:spcPct val="90000"/>
-              </a:lnSpc>
-              <a:spcAft>
-                <a:spcPts val="600"/>
-              </a:spcAft>
-              <a:buFont typeface="Arial" panose="020B0604020202020204" pitchFamily="34" charset="0"/>
-              <a:buChar char="•"/>
-            </a:pPr>
-            <a:r>
-              <a:rPr lang="en-US" sz="1500" dirty="0"/>
-              <a:t>Una </a:t>
-            </a:r>
-            <a:r>
-              <a:rPr lang="en-US" sz="1500" dirty="0" err="1"/>
-              <a:t>vez</a:t>
-            </a:r>
-            <a:r>
-              <a:rPr lang="en-US" sz="1500" dirty="0"/>
-              <a:t> con las </a:t>
-            </a:r>
-            <a:r>
-              <a:rPr lang="en-US" sz="1500" dirty="0" err="1"/>
-              <a:t>imagenes</a:t>
-            </a:r>
-            <a:r>
-              <a:rPr lang="en-US" sz="1500" dirty="0"/>
-              <a:t>, </a:t>
-            </a:r>
-            <a:r>
-              <a:rPr lang="en-US" sz="1500" dirty="0" err="1"/>
-              <a:t>realizamos</a:t>
-            </a:r>
-            <a:r>
-              <a:rPr lang="en-US" sz="1500" dirty="0"/>
-              <a:t> </a:t>
-            </a:r>
-            <a:r>
-              <a:rPr lang="en-US" sz="1500" dirty="0" err="1"/>
-              <a:t>calculos</a:t>
-            </a:r>
-            <a:r>
-              <a:rPr lang="en-US" sz="1500" dirty="0"/>
-              <a:t> de NDSI, NDGI, NDWI, para </a:t>
-            </a:r>
-            <a:r>
-              <a:rPr lang="en-US" sz="1500" dirty="0" err="1"/>
-              <a:t>poder</a:t>
-            </a:r>
-            <a:r>
-              <a:rPr lang="en-US" sz="1500" dirty="0"/>
-              <a:t> </a:t>
-            </a:r>
-            <a:r>
-              <a:rPr lang="en-US" sz="1500" dirty="0" err="1"/>
-              <a:t>realizar</a:t>
-            </a:r>
-            <a:r>
-              <a:rPr lang="en-US" sz="1500" dirty="0"/>
-              <a:t> </a:t>
-            </a:r>
-            <a:r>
-              <a:rPr lang="en-US" sz="1500" dirty="0" err="1"/>
-              <a:t>calculos</a:t>
-            </a:r>
-            <a:r>
-              <a:rPr lang="en-US" sz="1500" dirty="0"/>
-              <a:t> de area para </a:t>
-            </a:r>
-            <a:r>
-              <a:rPr lang="en-US" sz="1500" dirty="0" err="1"/>
-              <a:t>los</a:t>
-            </a:r>
-            <a:r>
-              <a:rPr lang="en-US" sz="1500" dirty="0"/>
-              <a:t> </a:t>
-            </a:r>
-            <a:r>
-              <a:rPr lang="en-US" sz="1500" dirty="0" err="1"/>
-              <a:t>glaciares</a:t>
-            </a:r>
-            <a:endParaRPr lang="en-US" sz="1500" dirty="0"/>
-          </a:p>
-          <a:p>
-            <a:pPr indent="-228600">
-              <a:lnSpc>
-                <a:spcPct val="90000"/>
-              </a:lnSpc>
-              <a:spcAft>
-                <a:spcPts val="600"/>
-              </a:spcAft>
-              <a:buFont typeface="Arial" panose="020B0604020202020204" pitchFamily="34" charset="0"/>
-              <a:buChar char="•"/>
-            </a:pPr>
-            <a:r>
-              <a:rPr lang="en-US" sz="1500" dirty="0"/>
-              <a:t>Se </a:t>
-            </a:r>
-            <a:r>
-              <a:rPr lang="en-US" sz="1500" dirty="0" err="1"/>
-              <a:t>considera</a:t>
-            </a:r>
-            <a:r>
-              <a:rPr lang="en-US" sz="1500" dirty="0"/>
-              <a:t> </a:t>
-            </a:r>
-            <a:r>
-              <a:rPr lang="en-US" sz="1500" dirty="0" err="1"/>
-              <a:t>hacer</a:t>
-            </a:r>
-            <a:r>
-              <a:rPr lang="en-US" sz="1500" dirty="0"/>
-              <a:t> </a:t>
-            </a:r>
-            <a:r>
-              <a:rPr lang="en-US" sz="1500" dirty="0" err="1"/>
-              <a:t>uso</a:t>
-            </a:r>
-            <a:r>
-              <a:rPr lang="en-US" sz="1500" dirty="0"/>
-              <a:t> de </a:t>
-            </a:r>
-            <a:r>
-              <a:rPr lang="en-US" sz="1500" dirty="0" err="1"/>
-              <a:t>imagenes</a:t>
-            </a:r>
-            <a:r>
-              <a:rPr lang="en-US" sz="1500" dirty="0"/>
-              <a:t> de relieve para </a:t>
-            </a:r>
-            <a:r>
-              <a:rPr lang="en-US" sz="1500" dirty="0" err="1"/>
-              <a:t>estimar</a:t>
-            </a:r>
-            <a:r>
-              <a:rPr lang="en-US" sz="1500" dirty="0"/>
-              <a:t> </a:t>
-            </a:r>
-            <a:r>
-              <a:rPr lang="en-US" sz="1500" dirty="0" err="1"/>
-              <a:t>el</a:t>
-            </a:r>
-            <a:r>
-              <a:rPr lang="en-US" sz="1500" dirty="0"/>
-              <a:t> </a:t>
-            </a:r>
-            <a:r>
-              <a:rPr lang="en-US" sz="1500" dirty="0" err="1"/>
-              <a:t>volumen</a:t>
-            </a:r>
-            <a:r>
-              <a:rPr lang="en-US" sz="1500" dirty="0"/>
-              <a:t> de </a:t>
-            </a:r>
-            <a:r>
-              <a:rPr lang="en-US" sz="1500" dirty="0" err="1"/>
-              <a:t>los</a:t>
-            </a:r>
-            <a:r>
-              <a:rPr lang="en-US" sz="1500" dirty="0"/>
-              <a:t> </a:t>
-            </a:r>
-            <a:r>
-              <a:rPr lang="en-US" sz="1500" dirty="0" err="1"/>
-              <a:t>glaciares</a:t>
-            </a:r>
-            <a:endParaRPr lang="en-US" sz="1500" dirty="0"/>
-          </a:p>
-          <a:p>
-            <a:pPr indent="-228600">
-              <a:lnSpc>
-                <a:spcPct val="90000"/>
-              </a:lnSpc>
-              <a:spcAft>
-                <a:spcPts val="600"/>
-              </a:spcAft>
-              <a:buFont typeface="Arial" panose="020B0604020202020204" pitchFamily="34" charset="0"/>
-              <a:buChar char="•"/>
-            </a:pPr>
-            <a:endParaRPr lang="en-US" sz="1500" dirty="0"/>
-          </a:p>
-          <a:p>
-            <a:pPr indent="-228600">
-              <a:lnSpc>
-                <a:spcPct val="90000"/>
-              </a:lnSpc>
-              <a:spcAft>
-                <a:spcPts val="600"/>
-              </a:spcAft>
-              <a:buFont typeface="Arial" panose="020B0604020202020204" pitchFamily="34" charset="0"/>
-              <a:buChar char="•"/>
-            </a:pPr>
-            <a:endParaRPr lang="en-US" sz="1500" dirty="0"/>
-          </a:p>
-        </p:txBody>
-      </p:sp>
-      <p:pic>
-        <p:nvPicPr>
-          <p:cNvPr id="11" name="Picture 10" descr="Fondo abstracto de datos">
-            <a:extLst>
-              <a:ext uri="{FF2B5EF4-FFF2-40B4-BE49-F238E27FC236}">
-                <a16:creationId xmlns:a16="http://schemas.microsoft.com/office/drawing/2014/main" id="{5826CDC7-61E7-E7D1-5882-CF7E3C0563FC}"/>
-              </a:ext>
-            </a:extLst>
-          </p:cNvPr>
-          <p:cNvPicPr>
-            <a:picLocks noChangeAspect="1"/>
-          </p:cNvPicPr>
-          <p:nvPr/>
-        </p:nvPicPr>
-        <p:blipFill rotWithShape="1">
-          <a:blip r:embed="rId2"/>
-          <a:srcRect l="17656" r="25924"/>
-          <a:stretch/>
-        </p:blipFill>
-        <p:spPr>
-          <a:xfrm>
-            <a:off x="5311702" y="10"/>
-            <a:ext cx="6878775" cy="6857990"/>
-          </a:xfrm>
-          <a:custGeom>
-            <a:avLst/>
-            <a:gdLst/>
-            <a:ahLst/>
-            <a:cxnLst/>
-            <a:rect l="l" t="t" r="r" b="b"/>
-            <a:pathLst>
-              <a:path w="6878775" h="6858000">
-                <a:moveTo>
-                  <a:pt x="1102973" y="0"/>
-                </a:moveTo>
-                <a:lnTo>
-                  <a:pt x="1160688" y="0"/>
-                </a:lnTo>
-                <a:lnTo>
-                  <a:pt x="983189" y="331786"/>
-                </a:lnTo>
-                <a:cubicBezTo>
-                  <a:pt x="914866" y="469145"/>
-                  <a:pt x="850355" y="608712"/>
-                  <a:pt x="789261" y="750263"/>
-                </a:cubicBezTo>
-                <a:cubicBezTo>
-                  <a:pt x="774307" y="784928"/>
-                  <a:pt x="759992" y="819849"/>
-                  <a:pt x="745295" y="854514"/>
-                </a:cubicBezTo>
-                <a:cubicBezTo>
-                  <a:pt x="756682" y="845393"/>
-                  <a:pt x="765489" y="833492"/>
-                  <a:pt x="770857" y="819975"/>
-                </a:cubicBezTo>
-                <a:cubicBezTo>
-                  <a:pt x="879943" y="589569"/>
-                  <a:pt x="999605" y="365513"/>
-                  <a:pt x="1131329" y="148742"/>
-                </a:cubicBezTo>
-                <a:lnTo>
-                  <a:pt x="1227589" y="0"/>
-                </a:lnTo>
-                <a:lnTo>
-                  <a:pt x="6878775" y="0"/>
-                </a:lnTo>
-                <a:lnTo>
-                  <a:pt x="6878775" y="6858000"/>
-                </a:lnTo>
-                <a:lnTo>
-                  <a:pt x="713521" y="6858000"/>
-                </a:lnTo>
-                <a:lnTo>
-                  <a:pt x="625642" y="6670527"/>
-                </a:lnTo>
-                <a:cubicBezTo>
-                  <a:pt x="507232" y="6398531"/>
-                  <a:pt x="403083" y="6118381"/>
-                  <a:pt x="312785" y="5830359"/>
-                </a:cubicBezTo>
-                <a:cubicBezTo>
-                  <a:pt x="278149" y="5719759"/>
-                  <a:pt x="248879" y="5607635"/>
-                  <a:pt x="212198" y="5480401"/>
-                </a:cubicBezTo>
-                <a:cubicBezTo>
-                  <a:pt x="212208" y="5491601"/>
-                  <a:pt x="212803" y="5502788"/>
-                  <a:pt x="213988" y="5513923"/>
-                </a:cubicBezTo>
-                <a:cubicBezTo>
-                  <a:pt x="264089" y="5723695"/>
-                  <a:pt x="307290" y="5935370"/>
-                  <a:pt x="365826" y="6142729"/>
-                </a:cubicBezTo>
-                <a:cubicBezTo>
-                  <a:pt x="433152" y="6380817"/>
-                  <a:pt x="510068" y="6614016"/>
-                  <a:pt x="597975" y="6841549"/>
-                </a:cubicBezTo>
-                <a:lnTo>
-                  <a:pt x="604824" y="6858000"/>
-                </a:lnTo>
-                <a:lnTo>
-                  <a:pt x="552056" y="6858000"/>
-                </a:lnTo>
-                <a:lnTo>
-                  <a:pt x="539576" y="6828295"/>
-                </a:lnTo>
-                <a:cubicBezTo>
-                  <a:pt x="380597" y="6414594"/>
-                  <a:pt x="260223" y="5988893"/>
-                  <a:pt x="171555" y="5552906"/>
-                </a:cubicBezTo>
-                <a:cubicBezTo>
-                  <a:pt x="91163" y="5157998"/>
-                  <a:pt x="43746" y="4758899"/>
-                  <a:pt x="12305" y="4357388"/>
-                </a:cubicBezTo>
-                <a:cubicBezTo>
-                  <a:pt x="-14281" y="4013908"/>
-                  <a:pt x="4507" y="3672965"/>
-                  <a:pt x="46684" y="3331516"/>
-                </a:cubicBezTo>
-                <a:cubicBezTo>
-                  <a:pt x="127203" y="2664286"/>
-                  <a:pt x="277819" y="2007265"/>
-                  <a:pt x="496065" y="1371196"/>
-                </a:cubicBezTo>
-                <a:cubicBezTo>
-                  <a:pt x="636273" y="966066"/>
-                  <a:pt x="800445" y="573253"/>
-                  <a:pt x="995723" y="196614"/>
-                </a:cubicBezTo>
-                <a:close/>
-              </a:path>
-            </a:pathLst>
-          </a:custGeom>
-        </p:spPr>
-      </p:pic>
+          <p:cNvGraphicFramePr/>
+          <p:nvPr>
+            <p:extLst>
+              <p:ext uri="{D42A27DB-BD31-4B8C-83A1-F6EECF244321}">
+                <p14:modId xmlns:p14="http://schemas.microsoft.com/office/powerpoint/2010/main" val="1193159711"/>
+              </p:ext>
+            </p:extLst>
+          </p:nvPr>
+        </p:nvGraphicFramePr>
+        <p:xfrm>
+          <a:off x="5108535" y="1070800"/>
+          <a:ext cx="6245265" cy="5589347"/>
+        </p:xfrm>
+        <a:graphic>
+          <a:graphicData uri="http://schemas.openxmlformats.org/drawingml/2006/diagram">
+            <dgm:relIds xmlns:dgm="http://schemas.openxmlformats.org/drawingml/2006/diagram" xmlns:r="http://schemas.openxmlformats.org/officeDocument/2006/relationships" r:dm="rId2" r:lo="rId3" r:qs="rId4" r:cs="rId5"/>
+          </a:graphicData>
+        </a:graphic>
+      </p:graphicFrame>
     </p:spTree>
     <p:extLst>
       <p:ext uri="{BB962C8B-B14F-4D97-AF65-F5344CB8AC3E}">
@@ -13455,7 +15232,291 @@
       </p:grpSpPr>
       <p:sp useBgFill="1">
         <p:nvSpPr>
-          <p:cNvPr id="86" name="Rectangle 78">
+          <p:cNvPr id="48" name="Rectangle 47">
+            <a:extLst>
+              <a:ext uri="{FF2B5EF4-FFF2-40B4-BE49-F238E27FC236}">
+                <a16:creationId xmlns:a16="http://schemas.microsoft.com/office/drawing/2014/main" id="{8329E8A2-157C-4049-BCB2-7EF4A2F6FF39}"/>
+              </a:ext>
+              <a:ext uri="{C183D7F6-B498-43B3-948B-1728B52AA6E4}">
+                <adec:decorative xmlns:adec="http://schemas.microsoft.com/office/drawing/2017/decorative" val="1"/>
+              </a:ext>
+            </a:extLst>
+          </p:cNvPr>
+          <p:cNvSpPr>
+            <a:spLocks noGrp="1" noRot="1" noChangeAspect="1" noMove="1" noResize="1" noEditPoints="1" noAdjustHandles="1" noChangeArrowheads="1" noChangeShapeType="1" noTextEdit="1"/>
+          </p:cNvSpPr>
+          <p:nvPr>
+            <p:extLst>
+              <p:ext uri="{386F3935-93C4-4BCD-93E2-E3B085C9AB24}">
+                <p16:designElem xmlns:p16="http://schemas.microsoft.com/office/powerpoint/2015/main" val="1"/>
+              </p:ext>
+            </p:extLst>
+          </p:nvPr>
+        </p:nvSpPr>
+        <p:spPr>
+          <a:xfrm>
+            <a:off x="-1" y="0"/>
+            <a:ext cx="12188952" cy="6858000"/>
+          </a:xfrm>
+          <a:prstGeom prst="rect">
+            <a:avLst/>
+          </a:prstGeom>
+          <a:ln>
+            <a:noFill/>
+          </a:ln>
+        </p:spPr>
+        <p:style>
+          <a:lnRef idx="2">
+            <a:schemeClr val="accent1">
+              <a:shade val="50000"/>
+            </a:schemeClr>
+          </a:lnRef>
+          <a:fillRef idx="1">
+            <a:schemeClr val="accent1"/>
+          </a:fillRef>
+          <a:effectRef idx="0">
+            <a:schemeClr val="accent1"/>
+          </a:effectRef>
+          <a:fontRef idx="minor">
+            <a:schemeClr val="lt1"/>
+          </a:fontRef>
+        </p:style>
+        <p:txBody>
+          <a:bodyPr rtlCol="0" anchor="ctr"/>
+          <a:lstStyle/>
+          <a:p>
+            <a:pPr algn="ctr"/>
+            <a:endParaRPr lang="en-US"/>
+          </a:p>
+        </p:txBody>
+      </p:sp>
+      <p:sp>
+        <p:nvSpPr>
+          <p:cNvPr id="5" name="Título 4">
+            <a:extLst>
+              <a:ext uri="{FF2B5EF4-FFF2-40B4-BE49-F238E27FC236}">
+                <a16:creationId xmlns:a16="http://schemas.microsoft.com/office/drawing/2014/main" id="{817B80C5-D1DA-46A1-8C42-35FA80B15500}"/>
+              </a:ext>
+            </a:extLst>
+          </p:cNvPr>
+          <p:cNvSpPr>
+            <a:spLocks noGrp="1"/>
+          </p:cNvSpPr>
+          <p:nvPr>
+            <p:ph type="title"/>
+          </p:nvPr>
+        </p:nvSpPr>
+        <p:spPr>
+          <a:xfrm>
+            <a:off x="838200" y="563526"/>
+            <a:ext cx="6804610" cy="1658679"/>
+          </a:xfrm>
+        </p:spPr>
+        <p:txBody>
+          <a:bodyPr anchor="b">
+            <a:normAutofit/>
+          </a:bodyPr>
+          <a:lstStyle/>
+          <a:p>
+            <a:r>
+              <a:rPr lang="es-CL" sz="4000" kern="1200">
+                <a:latin typeface="+mj-lt"/>
+                <a:ea typeface="+mj-ea"/>
+                <a:cs typeface="+mj-cs"/>
+              </a:rPr>
+              <a:t>Procesamiento de Datos Geoespaciales</a:t>
+            </a:r>
+            <a:endParaRPr lang="es-CL" sz="4000"/>
+          </a:p>
+        </p:txBody>
+      </p:sp>
+      <p:sp>
+        <p:nvSpPr>
+          <p:cNvPr id="3" name="Marcador de contenido 2">
+            <a:extLst>
+              <a:ext uri="{FF2B5EF4-FFF2-40B4-BE49-F238E27FC236}">
+                <a16:creationId xmlns:a16="http://schemas.microsoft.com/office/drawing/2014/main" id="{E3179A2C-CF73-CC6E-7447-BA66B90B3892}"/>
+              </a:ext>
+            </a:extLst>
+          </p:cNvPr>
+          <p:cNvSpPr>
+            <a:spLocks noGrp="1"/>
+          </p:cNvSpPr>
+          <p:nvPr>
+            <p:ph idx="1"/>
+          </p:nvPr>
+        </p:nvSpPr>
+        <p:spPr>
+          <a:xfrm>
+            <a:off x="838200" y="2415500"/>
+            <a:ext cx="6804610" cy="3698222"/>
+          </a:xfrm>
+        </p:spPr>
+        <p:txBody>
+          <a:bodyPr>
+            <a:normAutofit/>
+          </a:bodyPr>
+          <a:lstStyle/>
+          <a:p>
+            <a:pPr indent="-228600">
+              <a:spcAft>
+                <a:spcPts val="600"/>
+              </a:spcAft>
+              <a:buFont typeface="Arial" panose="020B0604020202020204" pitchFamily="34" charset="0"/>
+              <a:buChar char="•"/>
+            </a:pPr>
+            <a:r>
+              <a:rPr lang="es-CL" sz="2000"/>
+              <a:t>Se considera hacer uso de imágenes de relieve para estimar el volumen de los glaciares</a:t>
+            </a:r>
+          </a:p>
+          <a:p>
+            <a:pPr indent="-228600">
+              <a:spcAft>
+                <a:spcPts val="600"/>
+              </a:spcAft>
+              <a:buFont typeface="Arial" panose="020B0604020202020204" pitchFamily="34" charset="0"/>
+              <a:buChar char="•"/>
+            </a:pPr>
+            <a:r>
+              <a:rPr lang="es-CL" sz="2000"/>
+              <a:t>También consideramos datos vectoriales de las Masas Lacustres que se encuentran en la cercanía, y buscaremos medir el efecto que tienen los glaciares, sobre estas masas de agua (Como se observa en la imagen).</a:t>
+            </a:r>
+          </a:p>
+          <a:p>
+            <a:pPr indent="-228600">
+              <a:spcAft>
+                <a:spcPts val="600"/>
+              </a:spcAft>
+              <a:buFont typeface="Arial" panose="020B0604020202020204" pitchFamily="34" charset="0"/>
+              <a:buChar char="•"/>
+            </a:pPr>
+            <a:r>
+              <a:rPr lang="es-CL" sz="2000"/>
+              <a:t>También contemplamos el uso de información de caudales de los ríos cercanos, mediante datos del </a:t>
+            </a:r>
+            <a:r>
+              <a:rPr lang="es-ES" sz="2000"/>
+              <a:t>El Centro de Ciencia del Clima y la Resiliencia (CR2)</a:t>
+            </a:r>
+            <a:endParaRPr lang="es-CL" sz="2000"/>
+          </a:p>
+          <a:p>
+            <a:endParaRPr lang="es-CL" sz="2000"/>
+          </a:p>
+        </p:txBody>
+      </p:sp>
+      <p:pic>
+        <p:nvPicPr>
+          <p:cNvPr id="8" name="Imagen 7" descr="Un dibujo de un coral&#10;&#10;Descripción generada automáticamente con confianza baja">
+            <a:extLst>
+              <a:ext uri="{FF2B5EF4-FFF2-40B4-BE49-F238E27FC236}">
+                <a16:creationId xmlns:a16="http://schemas.microsoft.com/office/drawing/2014/main" id="{29B92D5E-D27F-BAC3-13BB-03E8ED423819}"/>
+              </a:ext>
+            </a:extLst>
+          </p:cNvPr>
+          <p:cNvPicPr>
+            <a:picLocks noChangeAspect="1"/>
+          </p:cNvPicPr>
+          <p:nvPr/>
+        </p:nvPicPr>
+        <p:blipFill rotWithShape="1">
+          <a:blip r:embed="rId2">
+            <a:extLst>
+              <a:ext uri="{28A0092B-C50C-407E-A947-70E740481C1C}">
+                <a14:useLocalDpi xmlns:a14="http://schemas.microsoft.com/office/drawing/2010/main" val="0"/>
+              </a:ext>
+            </a:extLst>
+          </a:blip>
+          <a:srcRect b="9"/>
+          <a:stretch/>
+        </p:blipFill>
+        <p:spPr>
+          <a:xfrm>
+            <a:off x="7992343" y="722571"/>
+            <a:ext cx="3194003" cy="3177757"/>
+          </a:xfrm>
+          <a:prstGeom prst="rect">
+            <a:avLst/>
+          </a:prstGeom>
+        </p:spPr>
+      </p:pic>
+      <p:pic>
+        <p:nvPicPr>
+          <p:cNvPr id="7" name="Imagen 6" descr="Imagen de la pantalla de un computador&#10;&#10;Descripción generada automáticamente con confianza media">
+            <a:extLst>
+              <a:ext uri="{FF2B5EF4-FFF2-40B4-BE49-F238E27FC236}">
+                <a16:creationId xmlns:a16="http://schemas.microsoft.com/office/drawing/2014/main" id="{9019C1F4-EF1F-B100-F055-7BED71A0958D}"/>
+              </a:ext>
+            </a:extLst>
+          </p:cNvPr>
+          <p:cNvPicPr>
+            <a:picLocks noChangeAspect="1"/>
+          </p:cNvPicPr>
+          <p:nvPr/>
+        </p:nvPicPr>
+        <p:blipFill rotWithShape="1">
+          <a:blip r:embed="rId3">
+            <a:extLst>
+              <a:ext uri="{28A0092B-C50C-407E-A947-70E740481C1C}">
+                <a14:useLocalDpi xmlns:a14="http://schemas.microsoft.com/office/drawing/2010/main" val="0"/>
+              </a:ext>
+            </a:extLst>
+          </a:blip>
+          <a:srcRect t="13670" b="17197"/>
+          <a:stretch/>
+        </p:blipFill>
+        <p:spPr>
+          <a:xfrm>
+            <a:off x="7992343" y="4065708"/>
+            <a:ext cx="3194003" cy="2048014"/>
+          </a:xfrm>
+          <a:prstGeom prst="rect">
+            <a:avLst/>
+          </a:prstGeom>
+        </p:spPr>
+      </p:pic>
+    </p:spTree>
+    <p:extLst>
+      <p:ext uri="{BB962C8B-B14F-4D97-AF65-F5344CB8AC3E}">
+        <p14:creationId xmlns:p14="http://schemas.microsoft.com/office/powerpoint/2010/main" val="3386064721"/>
+      </p:ext>
+    </p:extLst>
+  </p:cSld>
+  <p:clrMapOvr>
+    <a:masterClrMapping/>
+  </p:clrMapOvr>
+</p:sld>
+</file>
+
+<file path=ppt/slides/slide6.xml><?xml version="1.0" encoding="utf-8"?>
+<p:sld xmlns:a="http://schemas.openxmlformats.org/drawingml/2006/main" xmlns:r="http://schemas.openxmlformats.org/officeDocument/2006/relationships" xmlns:p="http://schemas.openxmlformats.org/presentationml/2006/main">
+  <p:cSld>
+    <p:bg>
+      <p:bgPr>
+        <a:solidFill>
+          <a:schemeClr val="bg1"/>
+        </a:solidFill>
+        <a:effectLst/>
+      </p:bgPr>
+    </p:bg>
+    <p:spTree>
+      <p:nvGrpSpPr>
+        <p:cNvPr id="1" name=""/>
+        <p:cNvGrpSpPr/>
+        <p:nvPr/>
+      </p:nvGrpSpPr>
+      <p:grpSpPr>
+        <a:xfrm>
+          <a:off x="0" y="0"/>
+          <a:ext cx="0" cy="0"/>
+          <a:chOff x="0" y="0"/>
+          <a:chExt cx="0" cy="0"/>
+        </a:xfrm>
+      </p:grpSpPr>
+      <p:sp useBgFill="1">
+        <p:nvSpPr>
+          <p:cNvPr id="99" name="Rectangle 98">
             <a:extLst>
               <a:ext uri="{FF2B5EF4-FFF2-40B4-BE49-F238E27FC236}">
                 <a16:creationId xmlns:a16="http://schemas.microsoft.com/office/drawing/2014/main" id="{69D47016-023F-44BD-981C-50E7A10A6609}"/>
@@ -13550,7 +15611,7 @@
       </p:sp>
       <p:sp>
         <p:nvSpPr>
-          <p:cNvPr id="87" name="sketchy line">
+          <p:cNvPr id="101" name="sketchy line">
             <a:extLst>
               <a:ext uri="{FF2B5EF4-FFF2-40B4-BE49-F238E27FC236}">
                 <a16:creationId xmlns:a16="http://schemas.microsoft.com/office/drawing/2014/main" id="{6D8B37B0-0682-433E-BC8D-498C04ABD9A7}"/>
@@ -13798,7 +15859,7 @@
           </a:bodyPr>
           <a:lstStyle/>
           <a:p>
-            <a:pPr indent="-228600">
+            <a:pPr indent="-228600" algn="just">
               <a:lnSpc>
                 <a:spcPct val="90000"/>
               </a:lnSpc>
@@ -13809,144 +15870,217 @@
               <a:buChar char="•"/>
             </a:pPr>
             <a:r>
-              <a:rPr lang="en-US" sz="2200" dirty="0"/>
+              <a:rPr lang="en-US" sz="1700" dirty="0"/>
               <a:t>Este </a:t>
             </a:r>
             <a:r>
-              <a:rPr lang="en-US" sz="2200" dirty="0" err="1"/>
+              <a:rPr lang="en-US" sz="1700" dirty="0" err="1"/>
               <a:t>resultado</a:t>
             </a:r>
             <a:r>
-              <a:rPr lang="en-US" sz="2200" dirty="0"/>
+              <a:rPr lang="en-US" sz="1700" dirty="0"/>
               <a:t> es </a:t>
             </a:r>
             <a:r>
-              <a:rPr lang="en-US" sz="2200" dirty="0" err="1"/>
+              <a:rPr lang="en-US" sz="1700" dirty="0" err="1"/>
               <a:t>solamente</a:t>
             </a:r>
             <a:r>
-              <a:rPr lang="en-US" sz="2200" dirty="0"/>
+              <a:rPr lang="en-US" sz="1700" dirty="0"/>
               <a:t> del </a:t>
             </a:r>
             <a:r>
-              <a:rPr lang="en-US" sz="2200" dirty="0" err="1"/>
+              <a:rPr lang="en-US" sz="1700" dirty="0" err="1"/>
               <a:t>año</a:t>
             </a:r>
             <a:r>
-              <a:rPr lang="en-US" sz="2200" dirty="0"/>
+              <a:rPr lang="en-US" sz="1700" dirty="0"/>
               <a:t> 2018, </a:t>
             </a:r>
             <a:r>
-              <a:rPr lang="en-US" sz="2200" dirty="0" err="1"/>
+              <a:rPr lang="en-US" sz="1700" dirty="0" err="1"/>
               <a:t>pudimos</a:t>
             </a:r>
             <a:r>
-              <a:rPr lang="en-US" sz="2200" dirty="0"/>
+              <a:rPr lang="en-US" sz="1700" dirty="0"/>
               <a:t> </a:t>
             </a:r>
             <a:r>
-              <a:rPr lang="en-US" sz="2200" dirty="0" err="1"/>
+              <a:rPr lang="en-US" sz="1700" dirty="0" err="1"/>
               <a:t>determinar</a:t>
             </a:r>
             <a:r>
-              <a:rPr lang="en-US" sz="2200" dirty="0"/>
+              <a:rPr lang="en-US" sz="1700" dirty="0"/>
               <a:t> </a:t>
             </a:r>
             <a:r>
-              <a:rPr lang="en-US" sz="2200" dirty="0" err="1"/>
+              <a:rPr lang="en-US" sz="1700" dirty="0" err="1"/>
               <a:t>área</a:t>
             </a:r>
             <a:r>
-              <a:rPr lang="en-US" sz="2200" dirty="0"/>
+              <a:rPr lang="en-US" sz="1700" dirty="0"/>
               <a:t> de </a:t>
             </a:r>
             <a:r>
-              <a:rPr lang="en-US" sz="2200" dirty="0" err="1"/>
+              <a:rPr lang="en-US" sz="1700" dirty="0" err="1"/>
               <a:t>glaciar</a:t>
             </a:r>
             <a:r>
-              <a:rPr lang="en-US" sz="2200" dirty="0"/>
+              <a:rPr lang="en-US" sz="1700" dirty="0"/>
               <a:t>, </a:t>
             </a:r>
             <a:r>
-              <a:rPr lang="en-US" sz="2200" dirty="0" err="1"/>
+              <a:rPr lang="en-US" sz="1700" dirty="0" err="1"/>
               <a:t>mediante</a:t>
             </a:r>
             <a:r>
-              <a:rPr lang="en-US" sz="2200" dirty="0"/>
+              <a:rPr lang="en-US" sz="1700" dirty="0"/>
               <a:t> </a:t>
             </a:r>
             <a:r>
-              <a:rPr lang="en-US" sz="2200" dirty="0" err="1"/>
+              <a:rPr lang="en-US" sz="1700" dirty="0" err="1"/>
               <a:t>una</a:t>
             </a:r>
             <a:r>
-              <a:rPr lang="en-US" sz="2200" dirty="0"/>
+              <a:rPr lang="en-US" sz="1700" dirty="0"/>
               <a:t> </a:t>
             </a:r>
             <a:r>
-              <a:rPr lang="en-US" sz="2200" dirty="0" err="1"/>
-              <a:t>clasificacion</a:t>
+              <a:rPr lang="en-US" sz="1700" dirty="0" err="1"/>
+              <a:t>clasificación</a:t>
             </a:r>
             <a:r>
-              <a:rPr lang="en-US" sz="2200" dirty="0"/>
+              <a:rPr lang="en-US" sz="1700" dirty="0"/>
               <a:t> </a:t>
             </a:r>
             <a:r>
-              <a:rPr lang="en-US" sz="2200" dirty="0" err="1"/>
+              <a:rPr lang="en-US" sz="1700" dirty="0" err="1"/>
               <a:t>por</a:t>
             </a:r>
             <a:r>
-              <a:rPr lang="en-US" sz="2200" dirty="0"/>
+              <a:rPr lang="en-US" sz="1700" dirty="0"/>
               <a:t> </a:t>
             </a:r>
             <a:r>
-              <a:rPr lang="en-US" sz="2200" dirty="0" err="1"/>
+              <a:rPr lang="en-US" sz="1700" dirty="0" err="1"/>
               <a:t>ee.Clusterer.wekaKMeans</a:t>
             </a:r>
             <a:r>
-              <a:rPr lang="en-US" sz="2200" dirty="0"/>
+              <a:rPr lang="en-US" sz="1700" dirty="0"/>
               <a:t>(), con </a:t>
             </a:r>
             <a:r>
-              <a:rPr lang="en-US" sz="2200" dirty="0" err="1"/>
+              <a:rPr lang="en-US" sz="1700" dirty="0" err="1"/>
               <a:t>ello</a:t>
             </a:r>
             <a:r>
-              <a:rPr lang="en-US" sz="2200" dirty="0"/>
+              <a:rPr lang="en-US" sz="1700" dirty="0"/>
               <a:t> </a:t>
             </a:r>
             <a:r>
-              <a:rPr lang="en-US" sz="2200" dirty="0" err="1"/>
+              <a:rPr lang="en-US" sz="1700" dirty="0" err="1"/>
               <a:t>fue</a:t>
             </a:r>
             <a:r>
-              <a:rPr lang="en-US" sz="2200" dirty="0"/>
-              <a:t> possible </a:t>
+              <a:rPr lang="en-US" sz="1700" dirty="0"/>
+              <a:t> </a:t>
             </a:r>
             <a:r>
-              <a:rPr lang="en-US" sz="2200" dirty="0" err="1"/>
+              <a:rPr lang="en-US" sz="1700" dirty="0" err="1"/>
+              <a:t>posible</a:t>
+            </a:r>
+            <a:r>
+              <a:rPr lang="en-US" sz="1700" dirty="0"/>
+              <a:t> </a:t>
+            </a:r>
+            <a:r>
+              <a:rPr lang="en-US" sz="1700" dirty="0" err="1"/>
               <a:t>realizar</a:t>
             </a:r>
             <a:r>
-              <a:rPr lang="en-US" sz="2200" dirty="0"/>
+              <a:rPr lang="en-US" sz="1700" dirty="0"/>
               <a:t> un </a:t>
             </a:r>
             <a:r>
-              <a:rPr lang="en-US" sz="2200" dirty="0" err="1"/>
-              <a:t>calculo</a:t>
+              <a:rPr lang="en-US" sz="1700" dirty="0" err="1"/>
+              <a:t>cálculo</a:t>
             </a:r>
             <a:r>
-              <a:rPr lang="en-US" sz="2200" dirty="0"/>
-              <a:t> de area </a:t>
+              <a:rPr lang="en-US" sz="1700" dirty="0"/>
+              <a:t> de </a:t>
             </a:r>
             <a:r>
-              <a:rPr lang="en-US" sz="2200" dirty="0" err="1"/>
+              <a:rPr lang="en-US" sz="1700" dirty="0" err="1"/>
+              <a:t>área</a:t>
+            </a:r>
+            <a:r>
+              <a:rPr lang="en-US" sz="1700" dirty="0"/>
+              <a:t> </a:t>
+            </a:r>
+            <a:r>
+              <a:rPr lang="en-US" sz="1700" dirty="0" err="1"/>
               <a:t>en</a:t>
             </a:r>
             <a:r>
-              <a:rPr lang="en-US" sz="2200" dirty="0"/>
+              <a:rPr lang="en-US" sz="1700" dirty="0"/>
               <a:t> km^2</a:t>
+            </a:r>
+          </a:p>
+          <a:p>
+            <a:pPr indent="-228600" algn="just">
+              <a:lnSpc>
+                <a:spcPct val="90000"/>
+              </a:lnSpc>
+              <a:spcAft>
+                <a:spcPts val="600"/>
+              </a:spcAft>
+              <a:buFont typeface="Arial" panose="020B0604020202020204" pitchFamily="34" charset="0"/>
+              <a:buChar char="•"/>
+            </a:pPr>
+            <a:endParaRPr lang="en-US" sz="1700" dirty="0"/>
+          </a:p>
+          <a:p>
+            <a:pPr indent="-228600" algn="just">
+              <a:lnSpc>
+                <a:spcPct val="90000"/>
+              </a:lnSpc>
+              <a:spcAft>
+                <a:spcPts val="600"/>
+              </a:spcAft>
+              <a:buFont typeface="Arial" panose="020B0604020202020204" pitchFamily="34" charset="0"/>
+              <a:buChar char="•"/>
+            </a:pPr>
+            <a:r>
+              <a:rPr lang="en-US" sz="1700" dirty="0" err="1"/>
+              <a:t>Determinamos</a:t>
+            </a:r>
+            <a:r>
+              <a:rPr lang="en-US" sz="1700" dirty="0"/>
+              <a:t> </a:t>
+            </a:r>
+            <a:r>
+              <a:rPr lang="en-US" sz="1700" dirty="0" err="1"/>
+              <a:t>el</a:t>
+            </a:r>
+            <a:r>
+              <a:rPr lang="en-US" sz="1700" dirty="0"/>
+              <a:t> </a:t>
+            </a:r>
+            <a:r>
+              <a:rPr lang="en-US" sz="1700" dirty="0" err="1"/>
+              <a:t>área</a:t>
+            </a:r>
+            <a:r>
+              <a:rPr lang="en-US" sz="1700" dirty="0"/>
+              <a:t> de </a:t>
+            </a:r>
+            <a:r>
+              <a:rPr lang="en-US" sz="1700" dirty="0" err="1"/>
+              <a:t>esta</a:t>
+            </a:r>
+            <a:r>
+              <a:rPr lang="en-US" sz="1700" dirty="0"/>
+              <a:t> zona que es de 1358.3143895843139 km^2</a:t>
             </a:r>
           </a:p>
         </p:txBody>
@@ -13978,8 +16112,8 @@
         </p:blipFill>
         <p:spPr>
           <a:xfrm>
-            <a:off x="1458410" y="2569464"/>
-            <a:ext cx="3620428" cy="3678935"/>
+            <a:off x="1390186" y="2569464"/>
+            <a:ext cx="3620428" cy="3678936"/>
           </a:xfrm>
           <a:prstGeom prst="rect">
             <a:avLst/>
@@ -14035,7 +16169,7 @@
 </p:sld>
 </file>
 
-<file path=ppt/slides/slide6.xml><?xml version="1.0" encoding="utf-8"?>
+<file path=ppt/slides/slide7.xml><?xml version="1.0" encoding="utf-8"?>
 <p:sld xmlns:a="http://schemas.openxmlformats.org/drawingml/2006/main" xmlns:r="http://schemas.openxmlformats.org/officeDocument/2006/relationships" xmlns:p="http://schemas.openxmlformats.org/presentationml/2006/main">
   <p:cSld>
     <p:bg>
@@ -14678,7 +16812,7 @@
           <p:nvPr>
             <p:extLst>
               <p:ext uri="{D42A27DB-BD31-4B8C-83A1-F6EECF244321}">
-                <p14:modId xmlns:p14="http://schemas.microsoft.com/office/powerpoint/2010/main" val="3518585148"/>
+                <p14:modId xmlns:p14="http://schemas.microsoft.com/office/powerpoint/2010/main" val="390867181"/>
               </p:ext>
             </p:extLst>
           </p:nvPr>
